--- a/Lecture Slides/VideoLectureSlides/5.5.pptx
+++ b/Lecture Slides/VideoLectureSlides/5.5.pptx
@@ -5,7 +5,7 @@
     <p:sldMasterId id="2147483660" r:id="rId4"/>
   </p:sldMasterIdLst>
   <p:notesMasterIdLst>
-    <p:notesMasterId r:id="rId24"/>
+    <p:notesMasterId r:id="rId26"/>
   </p:notesMasterIdLst>
   <p:sldIdLst>
     <p:sldId id="256" r:id="rId5"/>
@@ -27,6 +27,8 @@
     <p:sldId id="287" r:id="rId21"/>
     <p:sldId id="300" r:id="rId22"/>
     <p:sldId id="301" r:id="rId23"/>
+    <p:sldId id="311" r:id="rId24"/>
+    <p:sldId id="312" r:id="rId25"/>
   </p:sldIdLst>
   <p:sldSz cx="9144000" cy="6858000" type="screen4x3"/>
   <p:notesSz cx="6858000" cy="9144000"/>
@@ -765,7 +767,7 @@
           <a:p>
             <a:fld id="{1AA1AB63-216F-4D5B-8811-CCB935E98D4A}" type="datetimeFigureOut">
               <a:rPr lang="en-US" smtClean="0"/>
-              <a:t>11/4/2020</a:t>
+              <a:t>12/9/2021</a:t>
             </a:fld>
             <a:endParaRPr lang="en-US"/>
           </a:p>
@@ -20117,7 +20119,7 @@
           <a:p>
             <a:r>
               <a:rPr lang="en-US" dirty="0"/>
-              <a:t>Find the forces in members BD and CE.</a:t>
+              <a:t>Use the method of sections to find the forces in members BD and CE.</a:t>
             </a:r>
           </a:p>
         </p:txBody>
@@ -22070,7 +22072,7 @@
           <a:p>
             <a:r>
               <a:rPr lang="en-US" dirty="0"/>
-              <a:t>Find the forces acting in the members at the base of this truss (AC, BC, and BD).</a:t>
+              <a:t>Use the method of sections to find the forces acting in the members at the base of this truss (AC, BC, and BD).</a:t>
             </a:r>
           </a:p>
         </p:txBody>
@@ -22623,7 +22625,7 @@
         </p:nvSpPr>
         <p:spPr>
           <a:xfrm rot="5400000">
-            <a:off x="3552144" y="6570702"/>
+            <a:off x="3533094" y="6570702"/>
             <a:ext cx="1061354" cy="231162"/>
           </a:xfrm>
           <a:prstGeom prst="roundRect">
@@ -25420,6 +25422,7973 @@
       <p:bldP spid="3" grpId="0" uiExpand="1" build="p"/>
     </p:bldLst>
   </p:timing>
+</p:sld>
+</file>
+
+<file path=ppt/slides/slide20.xml><?xml version="1.0" encoding="utf-8"?>
+<p:sld xmlns:a="http://schemas.openxmlformats.org/drawingml/2006/main" xmlns:r="http://schemas.openxmlformats.org/officeDocument/2006/relationships" xmlns:p="http://schemas.openxmlformats.org/presentationml/2006/main">
+  <p:cSld>
+    <p:spTree>
+      <p:nvGrpSpPr>
+        <p:cNvPr id="1" name=""/>
+        <p:cNvGrpSpPr/>
+        <p:nvPr/>
+      </p:nvGrpSpPr>
+      <p:grpSpPr>
+        <a:xfrm>
+          <a:off x="0" y="0"/>
+          <a:ext cx="0" cy="0"/>
+          <a:chOff x="0" y="0"/>
+          <a:chExt cx="0" cy="0"/>
+        </a:xfrm>
+      </p:grpSpPr>
+      <p:cxnSp>
+        <p:nvCxnSpPr>
+          <p:cNvPr id="210" name="Straight Connector 209">
+            <a:extLst>
+              <a:ext uri="{FF2B5EF4-FFF2-40B4-BE49-F238E27FC236}">
+                <a16:creationId xmlns:a16="http://schemas.microsoft.com/office/drawing/2014/main" id="{9E388701-EC2E-4F5C-9D24-4D795CDF1EC3}"/>
+              </a:ext>
+            </a:extLst>
+          </p:cNvPr>
+          <p:cNvCxnSpPr>
+            <a:cxnSpLocks/>
+          </p:cNvCxnSpPr>
+          <p:nvPr/>
+        </p:nvCxnSpPr>
+        <p:spPr>
+          <a:xfrm flipH="1" flipV="1">
+            <a:off x="2302993" y="3263393"/>
+            <a:ext cx="4838832" cy="9541"/>
+          </a:xfrm>
+          <a:prstGeom prst="line">
+            <a:avLst/>
+          </a:prstGeom>
+        </p:spPr>
+        <p:style>
+          <a:lnRef idx="1">
+            <a:schemeClr val="accent1"/>
+          </a:lnRef>
+          <a:fillRef idx="0">
+            <a:schemeClr val="accent1"/>
+          </a:fillRef>
+          <a:effectRef idx="0">
+            <a:schemeClr val="accent1"/>
+          </a:effectRef>
+          <a:fontRef idx="minor">
+            <a:schemeClr val="tx1"/>
+          </a:fontRef>
+        </p:style>
+      </p:cxnSp>
+      <p:sp>
+        <p:nvSpPr>
+          <p:cNvPr id="197" name="Rounded Rectangle 3">
+            <a:extLst>
+              <a:ext uri="{FF2B5EF4-FFF2-40B4-BE49-F238E27FC236}">
+                <a16:creationId xmlns:a16="http://schemas.microsoft.com/office/drawing/2014/main" id="{2211CCEC-BA25-458C-8ADC-F7FB04810085}"/>
+              </a:ext>
+            </a:extLst>
+          </p:cNvPr>
+          <p:cNvSpPr/>
+          <p:nvPr/>
+        </p:nvSpPr>
+        <p:spPr>
+          <a:xfrm rot="5400000">
+            <a:off x="7030278" y="6261651"/>
+            <a:ext cx="228600" cy="228600"/>
+          </a:xfrm>
+          <a:prstGeom prst="roundRect">
+            <a:avLst>
+              <a:gd name="adj" fmla="val 50000"/>
+            </a:avLst>
+          </a:prstGeom>
+        </p:spPr>
+        <p:style>
+          <a:lnRef idx="1">
+            <a:schemeClr val="dk1"/>
+          </a:lnRef>
+          <a:fillRef idx="2">
+            <a:schemeClr val="dk1"/>
+          </a:fillRef>
+          <a:effectRef idx="1">
+            <a:schemeClr val="dk1"/>
+          </a:effectRef>
+          <a:fontRef idx="minor">
+            <a:schemeClr val="dk1"/>
+          </a:fontRef>
+        </p:style>
+        <p:txBody>
+          <a:bodyPr rtlCol="0" anchor="ctr"/>
+          <a:lstStyle/>
+          <a:p>
+            <a:pPr marL="0" marR="0" lvl="0" indent="0" algn="ctr" defTabSz="914400" rtl="0" eaLnBrk="1" fontAlgn="auto" latinLnBrk="0" hangingPunct="1">
+              <a:lnSpc>
+                <a:spcPct val="100000"/>
+              </a:lnSpc>
+              <a:spcBef>
+                <a:spcPts val="0"/>
+              </a:spcBef>
+              <a:spcAft>
+                <a:spcPts val="0"/>
+              </a:spcAft>
+              <a:buClrTx/>
+              <a:buSzTx/>
+              <a:buFontTx/>
+              <a:buNone/>
+              <a:tabLst/>
+              <a:defRPr/>
+            </a:pPr>
+            <a:endParaRPr kumimoji="0" lang="en-US" sz="1800" b="0" i="0" u="none" strike="noStrike" kern="1200" cap="none" spc="0" normalizeH="0" baseline="0" noProof="0">
+              <a:ln>
+                <a:noFill/>
+              </a:ln>
+              <a:solidFill>
+                <a:prstClr val="black"/>
+              </a:solidFill>
+              <a:effectLst/>
+              <a:uLnTx/>
+              <a:uFillTx/>
+              <a:latin typeface="Calibri"/>
+              <a:ea typeface="+mn-ea"/>
+              <a:cs typeface="+mn-cs"/>
+            </a:endParaRPr>
+          </a:p>
+        </p:txBody>
+      </p:sp>
+      <p:sp>
+        <p:nvSpPr>
+          <p:cNvPr id="194" name="Rounded Rectangle 3">
+            <a:extLst>
+              <a:ext uri="{FF2B5EF4-FFF2-40B4-BE49-F238E27FC236}">
+                <a16:creationId xmlns:a16="http://schemas.microsoft.com/office/drawing/2014/main" id="{174FCDCF-8F65-4708-930A-826E7EC1A94F}"/>
+              </a:ext>
+            </a:extLst>
+          </p:cNvPr>
+          <p:cNvSpPr/>
+          <p:nvPr/>
+        </p:nvSpPr>
+        <p:spPr>
+          <a:xfrm rot="16200000">
+            <a:off x="3478849" y="4879766"/>
+            <a:ext cx="2508466" cy="228600"/>
+          </a:xfrm>
+          <a:prstGeom prst="roundRect">
+            <a:avLst>
+              <a:gd name="adj" fmla="val 50000"/>
+            </a:avLst>
+          </a:prstGeom>
+        </p:spPr>
+        <p:style>
+          <a:lnRef idx="1">
+            <a:schemeClr val="dk1"/>
+          </a:lnRef>
+          <a:fillRef idx="2">
+            <a:schemeClr val="dk1"/>
+          </a:fillRef>
+          <a:effectRef idx="1">
+            <a:schemeClr val="dk1"/>
+          </a:effectRef>
+          <a:fontRef idx="minor">
+            <a:schemeClr val="dk1"/>
+          </a:fontRef>
+        </p:style>
+        <p:txBody>
+          <a:bodyPr rtlCol="0" anchor="ctr"/>
+          <a:lstStyle/>
+          <a:p>
+            <a:pPr marL="0" marR="0" lvl="0" indent="0" algn="ctr" defTabSz="914400" rtl="0" eaLnBrk="1" fontAlgn="auto" latinLnBrk="0" hangingPunct="1">
+              <a:lnSpc>
+                <a:spcPct val="100000"/>
+              </a:lnSpc>
+              <a:spcBef>
+                <a:spcPts val="0"/>
+              </a:spcBef>
+              <a:spcAft>
+                <a:spcPts val="0"/>
+              </a:spcAft>
+              <a:buClrTx/>
+              <a:buSzTx/>
+              <a:buFontTx/>
+              <a:buNone/>
+              <a:tabLst/>
+              <a:defRPr/>
+            </a:pPr>
+            <a:endParaRPr kumimoji="0" lang="en-US" sz="1800" b="0" i="0" u="none" strike="noStrike" kern="1200" cap="none" spc="0" normalizeH="0" baseline="0" noProof="0">
+              <a:ln>
+                <a:noFill/>
+              </a:ln>
+              <a:solidFill>
+                <a:prstClr val="black"/>
+              </a:solidFill>
+              <a:effectLst/>
+              <a:uLnTx/>
+              <a:uFillTx/>
+              <a:latin typeface="Calibri"/>
+              <a:ea typeface="+mn-ea"/>
+              <a:cs typeface="+mn-cs"/>
+            </a:endParaRPr>
+          </a:p>
+        </p:txBody>
+      </p:sp>
+      <p:sp>
+        <p:nvSpPr>
+          <p:cNvPr id="2" name="Title 1">
+            <a:extLst>
+              <a:ext uri="{FF2B5EF4-FFF2-40B4-BE49-F238E27FC236}">
+                <a16:creationId xmlns:a16="http://schemas.microsoft.com/office/drawing/2014/main" id="{A0828369-9643-4886-8E06-DA5DA40DBECC}"/>
+              </a:ext>
+            </a:extLst>
+          </p:cNvPr>
+          <p:cNvSpPr>
+            <a:spLocks noGrp="1"/>
+          </p:cNvSpPr>
+          <p:nvPr>
+            <p:ph type="title"/>
+          </p:nvPr>
+        </p:nvSpPr>
+        <p:spPr/>
+        <p:txBody>
+          <a:bodyPr>
+            <a:normAutofit fontScale="90000"/>
+          </a:bodyPr>
+          <a:lstStyle/>
+          <a:p>
+            <a:r>
+              <a:rPr lang="en-US" dirty="0"/>
+              <a:t>Method of Sections Worked Example</a:t>
+            </a:r>
+          </a:p>
+        </p:txBody>
+      </p:sp>
+      <p:sp>
+        <p:nvSpPr>
+          <p:cNvPr id="3" name="Content Placeholder 2">
+            <a:extLst>
+              <a:ext uri="{FF2B5EF4-FFF2-40B4-BE49-F238E27FC236}">
+                <a16:creationId xmlns:a16="http://schemas.microsoft.com/office/drawing/2014/main" id="{3D6EB3AC-6219-4300-8B20-F6345437EBED}"/>
+              </a:ext>
+            </a:extLst>
+          </p:cNvPr>
+          <p:cNvSpPr>
+            <a:spLocks noGrp="1"/>
+          </p:cNvSpPr>
+          <p:nvPr>
+            <p:ph idx="1"/>
+          </p:nvPr>
+        </p:nvSpPr>
+        <p:spPr>
+          <a:xfrm>
+            <a:off x="457200" y="1600201"/>
+            <a:ext cx="8229600" cy="990600"/>
+          </a:xfrm>
+        </p:spPr>
+        <p:txBody>
+          <a:bodyPr>
+            <a:normAutofit lnSpcReduction="10000"/>
+          </a:bodyPr>
+          <a:lstStyle/>
+          <a:p>
+            <a:r>
+              <a:rPr lang="en-US" dirty="0"/>
+              <a:t>Use the method of sections to find the forces in members AB and DE.</a:t>
+            </a:r>
+          </a:p>
+          <a:p>
+            <a:endParaRPr lang="en-US" dirty="0"/>
+          </a:p>
+        </p:txBody>
+      </p:sp>
+      <p:sp>
+        <p:nvSpPr>
+          <p:cNvPr id="4" name="Slide Number Placeholder 3">
+            <a:extLst>
+              <a:ext uri="{FF2B5EF4-FFF2-40B4-BE49-F238E27FC236}">
+                <a16:creationId xmlns:a16="http://schemas.microsoft.com/office/drawing/2014/main" id="{AD931EA6-20A1-4CD2-AA8C-DCEE1C433F0A}"/>
+              </a:ext>
+            </a:extLst>
+          </p:cNvPr>
+          <p:cNvSpPr>
+            <a:spLocks noGrp="1"/>
+          </p:cNvSpPr>
+          <p:nvPr>
+            <p:ph type="sldNum" sz="quarter" idx="12"/>
+          </p:nvPr>
+        </p:nvSpPr>
+        <p:spPr>
+          <a:xfrm>
+            <a:off x="6625420" y="6733938"/>
+            <a:ext cx="2133600" cy="365125"/>
+          </a:xfrm>
+        </p:spPr>
+        <p:txBody>
+          <a:bodyPr/>
+          <a:lstStyle/>
+          <a:p>
+            <a:fld id="{929262FE-7F58-4A1E-8AF3-5A510A86DEBD}" type="slidenum">
+              <a:rPr lang="en-US" smtClean="0"/>
+              <a:t>20</a:t>
+            </a:fld>
+            <a:endParaRPr lang="en-US"/>
+          </a:p>
+        </p:txBody>
+      </p:sp>
+      <p:sp>
+        <p:nvSpPr>
+          <p:cNvPr id="75" name="Rounded Rectangle 3">
+            <a:extLst>
+              <a:ext uri="{FF2B5EF4-FFF2-40B4-BE49-F238E27FC236}">
+                <a16:creationId xmlns:a16="http://schemas.microsoft.com/office/drawing/2014/main" id="{4A365BFB-5C73-4F1B-AB74-E1E3E9A67CC0}"/>
+              </a:ext>
+            </a:extLst>
+          </p:cNvPr>
+          <p:cNvSpPr/>
+          <p:nvPr/>
+        </p:nvSpPr>
+        <p:spPr>
+          <a:xfrm rot="5400000">
+            <a:off x="1886395" y="6324599"/>
+            <a:ext cx="838200" cy="228600"/>
+          </a:xfrm>
+          <a:prstGeom prst="roundRect">
+            <a:avLst>
+              <a:gd name="adj" fmla="val 50000"/>
+            </a:avLst>
+          </a:prstGeom>
+        </p:spPr>
+        <p:style>
+          <a:lnRef idx="1">
+            <a:schemeClr val="dk1"/>
+          </a:lnRef>
+          <a:fillRef idx="2">
+            <a:schemeClr val="dk1"/>
+          </a:fillRef>
+          <a:effectRef idx="1">
+            <a:schemeClr val="dk1"/>
+          </a:effectRef>
+          <a:fontRef idx="minor">
+            <a:schemeClr val="dk1"/>
+          </a:fontRef>
+        </p:style>
+        <p:txBody>
+          <a:bodyPr rtlCol="0" anchor="ctr"/>
+          <a:lstStyle/>
+          <a:p>
+            <a:pPr marL="0" marR="0" lvl="0" indent="0" algn="ctr" defTabSz="914400" rtl="0" eaLnBrk="1" fontAlgn="auto" latinLnBrk="0" hangingPunct="1">
+              <a:lnSpc>
+                <a:spcPct val="100000"/>
+              </a:lnSpc>
+              <a:spcBef>
+                <a:spcPts val="0"/>
+              </a:spcBef>
+              <a:spcAft>
+                <a:spcPts val="0"/>
+              </a:spcAft>
+              <a:buClrTx/>
+              <a:buSzTx/>
+              <a:buFontTx/>
+              <a:buNone/>
+              <a:tabLst/>
+              <a:defRPr/>
+            </a:pPr>
+            <a:endParaRPr kumimoji="0" lang="en-US" sz="1800" b="0" i="0" u="none" strike="noStrike" kern="1200" cap="none" spc="0" normalizeH="0" baseline="0" noProof="0">
+              <a:ln>
+                <a:noFill/>
+              </a:ln>
+              <a:solidFill>
+                <a:prstClr val="black"/>
+              </a:solidFill>
+              <a:effectLst/>
+              <a:uLnTx/>
+              <a:uFillTx/>
+              <a:latin typeface="Calibri"/>
+              <a:ea typeface="+mn-ea"/>
+              <a:cs typeface="+mn-cs"/>
+            </a:endParaRPr>
+          </a:p>
+        </p:txBody>
+      </p:sp>
+      <p:sp>
+        <p:nvSpPr>
+          <p:cNvPr id="102" name="Oval 101">
+            <a:extLst>
+              <a:ext uri="{FF2B5EF4-FFF2-40B4-BE49-F238E27FC236}">
+                <a16:creationId xmlns:a16="http://schemas.microsoft.com/office/drawing/2014/main" id="{1A6DFA6D-96CC-490D-9042-A232AD6D98BC}"/>
+              </a:ext>
+            </a:extLst>
+          </p:cNvPr>
+          <p:cNvSpPr/>
+          <p:nvPr/>
+        </p:nvSpPr>
+        <p:spPr>
+          <a:xfrm>
+            <a:off x="10832919" y="5666323"/>
+            <a:ext cx="91440" cy="91440"/>
+          </a:xfrm>
+          <a:prstGeom prst="ellipse">
+            <a:avLst/>
+          </a:prstGeom>
+        </p:spPr>
+        <p:style>
+          <a:lnRef idx="2">
+            <a:schemeClr val="dk1">
+              <a:shade val="50000"/>
+            </a:schemeClr>
+          </a:lnRef>
+          <a:fillRef idx="1">
+            <a:schemeClr val="dk1"/>
+          </a:fillRef>
+          <a:effectRef idx="0">
+            <a:schemeClr val="dk1"/>
+          </a:effectRef>
+          <a:fontRef idx="minor">
+            <a:schemeClr val="lt1"/>
+          </a:fontRef>
+        </p:style>
+        <p:txBody>
+          <a:bodyPr rtlCol="0" anchor="ctr"/>
+          <a:lstStyle/>
+          <a:p>
+            <a:pPr marL="0" marR="0" lvl="0" indent="0" algn="ctr" defTabSz="914400" rtl="0" eaLnBrk="1" fontAlgn="auto" latinLnBrk="0" hangingPunct="1">
+              <a:lnSpc>
+                <a:spcPct val="100000"/>
+              </a:lnSpc>
+              <a:spcBef>
+                <a:spcPts val="0"/>
+              </a:spcBef>
+              <a:spcAft>
+                <a:spcPts val="0"/>
+              </a:spcAft>
+              <a:buClrTx/>
+              <a:buSzTx/>
+              <a:buFontTx/>
+              <a:buNone/>
+              <a:tabLst/>
+              <a:defRPr/>
+            </a:pPr>
+            <a:endParaRPr kumimoji="0" lang="en-US" sz="1800" b="0" i="0" u="none" strike="noStrike" kern="1200" cap="none" spc="0" normalizeH="0" baseline="0" noProof="0">
+              <a:ln>
+                <a:noFill/>
+              </a:ln>
+              <a:solidFill>
+                <a:prstClr val="white"/>
+              </a:solidFill>
+              <a:effectLst/>
+              <a:uLnTx/>
+              <a:uFillTx/>
+              <a:latin typeface="Calibri"/>
+              <a:ea typeface="+mn-ea"/>
+              <a:cs typeface="+mn-cs"/>
+            </a:endParaRPr>
+          </a:p>
+        </p:txBody>
+      </p:sp>
+      <p:sp>
+        <p:nvSpPr>
+          <p:cNvPr id="116" name="Rectangle 115">
+            <a:extLst>
+              <a:ext uri="{FF2B5EF4-FFF2-40B4-BE49-F238E27FC236}">
+                <a16:creationId xmlns:a16="http://schemas.microsoft.com/office/drawing/2014/main" id="{26ED3081-7247-4782-A588-7B04E6CC59A1}"/>
+              </a:ext>
+            </a:extLst>
+          </p:cNvPr>
+          <p:cNvSpPr/>
+          <p:nvPr/>
+        </p:nvSpPr>
+        <p:spPr>
+          <a:xfrm>
+            <a:off x="4468045" y="2687390"/>
+            <a:ext cx="734496" cy="369332"/>
+          </a:xfrm>
+          <a:prstGeom prst="rect">
+            <a:avLst/>
+          </a:prstGeom>
+        </p:spPr>
+        <p:txBody>
+          <a:bodyPr wrap="none">
+            <a:spAutoFit/>
+          </a:bodyPr>
+          <a:lstStyle/>
+          <a:p>
+            <a:pPr marL="0" marR="0" lvl="0" indent="0" algn="l" defTabSz="914400" rtl="0" eaLnBrk="1" fontAlgn="auto" latinLnBrk="0" hangingPunct="1">
+              <a:lnSpc>
+                <a:spcPct val="100000"/>
+              </a:lnSpc>
+              <a:spcBef>
+                <a:spcPts val="0"/>
+              </a:spcBef>
+              <a:spcAft>
+                <a:spcPts val="0"/>
+              </a:spcAft>
+              <a:buClrTx/>
+              <a:buSzTx/>
+              <a:buFontTx/>
+              <a:buNone/>
+              <a:tabLst/>
+              <a:defRPr/>
+            </a:pPr>
+            <a:r>
+              <a:rPr lang="en-US" b="1" dirty="0">
+                <a:solidFill>
+                  <a:srgbClr val="FF0000"/>
+                </a:solidFill>
+                <a:latin typeface="Calibri"/>
+              </a:rPr>
+              <a:t>12 kN</a:t>
+            </a:r>
+            <a:endParaRPr kumimoji="0" lang="en-US" sz="1800" b="1" i="0" u="none" strike="noStrike" kern="1200" cap="none" spc="0" normalizeH="0" baseline="0" noProof="0" dirty="0">
+              <a:ln>
+                <a:noFill/>
+              </a:ln>
+              <a:solidFill>
+                <a:prstClr val="black"/>
+              </a:solidFill>
+              <a:effectLst/>
+              <a:uLnTx/>
+              <a:uFillTx/>
+              <a:latin typeface="Calibri"/>
+              <a:ea typeface="+mn-ea"/>
+              <a:cs typeface="+mn-cs"/>
+            </a:endParaRPr>
+          </a:p>
+        </p:txBody>
+      </p:sp>
+      <p:cxnSp>
+        <p:nvCxnSpPr>
+          <p:cNvPr id="122" name="Straight Connector 121">
+            <a:extLst>
+              <a:ext uri="{FF2B5EF4-FFF2-40B4-BE49-F238E27FC236}">
+                <a16:creationId xmlns:a16="http://schemas.microsoft.com/office/drawing/2014/main" id="{583226AD-5BB3-47F1-8149-36932139962F}"/>
+              </a:ext>
+            </a:extLst>
+          </p:cNvPr>
+          <p:cNvCxnSpPr>
+            <a:cxnSpLocks/>
+          </p:cNvCxnSpPr>
+          <p:nvPr/>
+        </p:nvCxnSpPr>
+        <p:spPr>
+          <a:xfrm>
+            <a:off x="1244048" y="6153056"/>
+            <a:ext cx="793337" cy="0"/>
+          </a:xfrm>
+          <a:prstGeom prst="line">
+            <a:avLst/>
+          </a:prstGeom>
+        </p:spPr>
+        <p:style>
+          <a:lnRef idx="1">
+            <a:schemeClr val="accent1"/>
+          </a:lnRef>
+          <a:fillRef idx="0">
+            <a:schemeClr val="accent1"/>
+          </a:fillRef>
+          <a:effectRef idx="0">
+            <a:schemeClr val="accent1"/>
+          </a:effectRef>
+          <a:fontRef idx="minor">
+            <a:schemeClr val="tx1"/>
+          </a:fontRef>
+        </p:style>
+      </p:cxnSp>
+      <p:grpSp>
+        <p:nvGrpSpPr>
+          <p:cNvPr id="133" name="Group 132">
+            <a:extLst>
+              <a:ext uri="{FF2B5EF4-FFF2-40B4-BE49-F238E27FC236}">
+                <a16:creationId xmlns:a16="http://schemas.microsoft.com/office/drawing/2014/main" id="{4D8B7B98-612F-4E2D-B3A9-B1A746B19910}"/>
+              </a:ext>
+            </a:extLst>
+          </p:cNvPr>
+          <p:cNvGrpSpPr/>
+          <p:nvPr/>
+        </p:nvGrpSpPr>
+        <p:grpSpPr>
+          <a:xfrm>
+            <a:off x="1981200" y="3739834"/>
+            <a:ext cx="1850269" cy="2488588"/>
+            <a:chOff x="429892" y="3527592"/>
+            <a:chExt cx="1850269" cy="2488588"/>
+          </a:xfrm>
+        </p:grpSpPr>
+        <p:sp>
+          <p:nvSpPr>
+            <p:cNvPr id="7" name="Rounded Rectangle 3">
+              <a:extLst>
+                <a:ext uri="{FF2B5EF4-FFF2-40B4-BE49-F238E27FC236}">
+                  <a16:creationId xmlns:a16="http://schemas.microsoft.com/office/drawing/2014/main" id="{B762E615-A6E8-4506-9962-C0455267D915}"/>
+                </a:ext>
+              </a:extLst>
+            </p:cNvPr>
+            <p:cNvSpPr/>
+            <p:nvPr/>
+          </p:nvSpPr>
+          <p:spPr>
+            <a:xfrm rot="2634374">
+              <a:off x="429892" y="5194321"/>
+              <a:ext cx="1847964" cy="228600"/>
+            </a:xfrm>
+            <a:prstGeom prst="roundRect">
+              <a:avLst>
+                <a:gd name="adj" fmla="val 50000"/>
+              </a:avLst>
+            </a:prstGeom>
+          </p:spPr>
+          <p:style>
+            <a:lnRef idx="1">
+              <a:schemeClr val="dk1"/>
+            </a:lnRef>
+            <a:fillRef idx="2">
+              <a:schemeClr val="dk1"/>
+            </a:fillRef>
+            <a:effectRef idx="1">
+              <a:schemeClr val="dk1"/>
+            </a:effectRef>
+            <a:fontRef idx="minor">
+              <a:schemeClr val="dk1"/>
+            </a:fontRef>
+          </p:style>
+          <p:txBody>
+            <a:bodyPr rtlCol="0" anchor="ctr"/>
+            <a:lstStyle/>
+            <a:p>
+              <a:pPr marL="0" marR="0" lvl="0" indent="0" algn="ctr" defTabSz="914400" rtl="0" eaLnBrk="1" fontAlgn="auto" latinLnBrk="0" hangingPunct="1">
+                <a:lnSpc>
+                  <a:spcPct val="100000"/>
+                </a:lnSpc>
+                <a:spcBef>
+                  <a:spcPts val="0"/>
+                </a:spcBef>
+                <a:spcAft>
+                  <a:spcPts val="0"/>
+                </a:spcAft>
+                <a:buClrTx/>
+                <a:buSzTx/>
+                <a:buFontTx/>
+                <a:buNone/>
+                <a:tabLst/>
+                <a:defRPr/>
+              </a:pPr>
+              <a:endParaRPr kumimoji="0" lang="en-US" sz="1800" b="0" i="0" u="none" strike="noStrike" kern="1200" cap="none" spc="0" normalizeH="0" baseline="0" noProof="0">
+                <a:ln>
+                  <a:noFill/>
+                </a:ln>
+                <a:solidFill>
+                  <a:prstClr val="black"/>
+                </a:solidFill>
+                <a:effectLst/>
+                <a:uLnTx/>
+                <a:uFillTx/>
+                <a:latin typeface="Calibri"/>
+                <a:ea typeface="+mn-ea"/>
+                <a:cs typeface="+mn-cs"/>
+              </a:endParaRPr>
+            </a:p>
+          </p:txBody>
+        </p:sp>
+        <p:sp>
+          <p:nvSpPr>
+            <p:cNvPr id="9" name="Rounded Rectangle 3">
+              <a:extLst>
+                <a:ext uri="{FF2B5EF4-FFF2-40B4-BE49-F238E27FC236}">
+                  <a16:creationId xmlns:a16="http://schemas.microsoft.com/office/drawing/2014/main" id="{919D1E82-8DF7-42B4-B429-33BFF9046260}"/>
+                </a:ext>
+              </a:extLst>
+            </p:cNvPr>
+            <p:cNvSpPr/>
+            <p:nvPr/>
+          </p:nvSpPr>
+          <p:spPr>
+            <a:xfrm rot="16200000" flipH="1">
+              <a:off x="65886" y="5207913"/>
+              <a:ext cx="1371600" cy="228600"/>
+            </a:xfrm>
+            <a:prstGeom prst="roundRect">
+              <a:avLst>
+                <a:gd name="adj" fmla="val 50000"/>
+              </a:avLst>
+            </a:prstGeom>
+          </p:spPr>
+          <p:style>
+            <a:lnRef idx="1">
+              <a:schemeClr val="dk1"/>
+            </a:lnRef>
+            <a:fillRef idx="2">
+              <a:schemeClr val="dk1"/>
+            </a:fillRef>
+            <a:effectRef idx="1">
+              <a:schemeClr val="dk1"/>
+            </a:effectRef>
+            <a:fontRef idx="minor">
+              <a:schemeClr val="dk1"/>
+            </a:fontRef>
+          </p:style>
+          <p:txBody>
+            <a:bodyPr rtlCol="0" anchor="ctr"/>
+            <a:lstStyle/>
+            <a:p>
+              <a:pPr marL="0" marR="0" lvl="0" indent="0" algn="ctr" defTabSz="914400" rtl="0" eaLnBrk="1" fontAlgn="auto" latinLnBrk="0" hangingPunct="1">
+                <a:lnSpc>
+                  <a:spcPct val="100000"/>
+                </a:lnSpc>
+                <a:spcBef>
+                  <a:spcPts val="0"/>
+                </a:spcBef>
+                <a:spcAft>
+                  <a:spcPts val="0"/>
+                </a:spcAft>
+                <a:buClrTx/>
+                <a:buSzTx/>
+                <a:buFontTx/>
+                <a:buNone/>
+                <a:tabLst/>
+                <a:defRPr/>
+              </a:pPr>
+              <a:endParaRPr kumimoji="0" lang="en-US" sz="1800" b="0" i="0" u="none" strike="noStrike" kern="1200" cap="none" spc="0" normalizeH="0" baseline="0" noProof="0">
+                <a:ln>
+                  <a:noFill/>
+                </a:ln>
+                <a:solidFill>
+                  <a:prstClr val="black"/>
+                </a:solidFill>
+                <a:effectLst/>
+                <a:uLnTx/>
+                <a:uFillTx/>
+                <a:latin typeface="Calibri"/>
+                <a:ea typeface="+mn-ea"/>
+                <a:cs typeface="+mn-cs"/>
+              </a:endParaRPr>
+            </a:p>
+          </p:txBody>
+        </p:sp>
+        <p:sp>
+          <p:nvSpPr>
+            <p:cNvPr id="12" name="Rounded Rectangle 3">
+              <a:extLst>
+                <a:ext uri="{FF2B5EF4-FFF2-40B4-BE49-F238E27FC236}">
+                  <a16:creationId xmlns:a16="http://schemas.microsoft.com/office/drawing/2014/main" id="{D915CBC5-8310-46E9-A7C9-BC9471997600}"/>
+                </a:ext>
+              </a:extLst>
+            </p:cNvPr>
+            <p:cNvSpPr/>
+            <p:nvPr/>
+          </p:nvSpPr>
+          <p:spPr>
+            <a:xfrm flipH="1">
+              <a:off x="646243" y="5787580"/>
+              <a:ext cx="1442664" cy="228600"/>
+            </a:xfrm>
+            <a:prstGeom prst="roundRect">
+              <a:avLst>
+                <a:gd name="adj" fmla="val 50000"/>
+              </a:avLst>
+            </a:prstGeom>
+          </p:spPr>
+          <p:style>
+            <a:lnRef idx="1">
+              <a:schemeClr val="dk1"/>
+            </a:lnRef>
+            <a:fillRef idx="2">
+              <a:schemeClr val="dk1"/>
+            </a:fillRef>
+            <a:effectRef idx="1">
+              <a:schemeClr val="dk1"/>
+            </a:effectRef>
+            <a:fontRef idx="minor">
+              <a:schemeClr val="dk1"/>
+            </a:fontRef>
+          </p:style>
+          <p:txBody>
+            <a:bodyPr rtlCol="0" anchor="ctr"/>
+            <a:lstStyle/>
+            <a:p>
+              <a:pPr marL="0" marR="0" lvl="0" indent="0" algn="ctr" defTabSz="914400" rtl="0" eaLnBrk="1" fontAlgn="auto" latinLnBrk="0" hangingPunct="1">
+                <a:lnSpc>
+                  <a:spcPct val="100000"/>
+                </a:lnSpc>
+                <a:spcBef>
+                  <a:spcPts val="0"/>
+                </a:spcBef>
+                <a:spcAft>
+                  <a:spcPts val="0"/>
+                </a:spcAft>
+                <a:buClrTx/>
+                <a:buSzTx/>
+                <a:buFontTx/>
+                <a:buNone/>
+                <a:tabLst/>
+                <a:defRPr/>
+              </a:pPr>
+              <a:endParaRPr kumimoji="0" lang="en-US" sz="1800" b="0" i="0" u="none" strike="noStrike" kern="1200" cap="none" spc="0" normalizeH="0" baseline="0" noProof="0">
+                <a:ln>
+                  <a:noFill/>
+                </a:ln>
+                <a:solidFill>
+                  <a:prstClr val="black"/>
+                </a:solidFill>
+                <a:effectLst/>
+                <a:uLnTx/>
+                <a:uFillTx/>
+                <a:latin typeface="Calibri"/>
+                <a:ea typeface="+mn-ea"/>
+                <a:cs typeface="+mn-cs"/>
+              </a:endParaRPr>
+            </a:p>
+          </p:txBody>
+        </p:sp>
+        <p:sp>
+          <p:nvSpPr>
+            <p:cNvPr id="10" name="Oval 9">
+              <a:extLst>
+                <a:ext uri="{FF2B5EF4-FFF2-40B4-BE49-F238E27FC236}">
+                  <a16:creationId xmlns:a16="http://schemas.microsoft.com/office/drawing/2014/main" id="{5211D83F-FEA1-400D-BCC1-3BEC0160D7D6}"/>
+                </a:ext>
+              </a:extLst>
+            </p:cNvPr>
+            <p:cNvSpPr/>
+            <p:nvPr/>
+          </p:nvSpPr>
+          <p:spPr>
+            <a:xfrm>
+              <a:off x="705966" y="5857153"/>
+              <a:ext cx="91440" cy="91440"/>
+            </a:xfrm>
+            <a:prstGeom prst="ellipse">
+              <a:avLst/>
+            </a:prstGeom>
+          </p:spPr>
+          <p:style>
+            <a:lnRef idx="2">
+              <a:schemeClr val="dk1">
+                <a:shade val="50000"/>
+              </a:schemeClr>
+            </a:lnRef>
+            <a:fillRef idx="1">
+              <a:schemeClr val="dk1"/>
+            </a:fillRef>
+            <a:effectRef idx="0">
+              <a:schemeClr val="dk1"/>
+            </a:effectRef>
+            <a:fontRef idx="minor">
+              <a:schemeClr val="lt1"/>
+            </a:fontRef>
+          </p:style>
+          <p:txBody>
+            <a:bodyPr rtlCol="0" anchor="ctr"/>
+            <a:lstStyle/>
+            <a:p>
+              <a:pPr marL="0" marR="0" lvl="0" indent="0" algn="ctr" defTabSz="914400" rtl="0" eaLnBrk="1" fontAlgn="auto" latinLnBrk="0" hangingPunct="1">
+                <a:lnSpc>
+                  <a:spcPct val="100000"/>
+                </a:lnSpc>
+                <a:spcBef>
+                  <a:spcPts val="0"/>
+                </a:spcBef>
+                <a:spcAft>
+                  <a:spcPts val="0"/>
+                </a:spcAft>
+                <a:buClrTx/>
+                <a:buSzTx/>
+                <a:buFontTx/>
+                <a:buNone/>
+                <a:tabLst/>
+                <a:defRPr/>
+              </a:pPr>
+              <a:endParaRPr kumimoji="0" lang="en-US" sz="1800" b="0" i="0" u="none" strike="noStrike" kern="1200" cap="none" spc="0" normalizeH="0" baseline="0" noProof="0">
+                <a:ln>
+                  <a:noFill/>
+                </a:ln>
+                <a:solidFill>
+                  <a:prstClr val="white"/>
+                </a:solidFill>
+                <a:effectLst/>
+                <a:uLnTx/>
+                <a:uFillTx/>
+                <a:latin typeface="Calibri"/>
+                <a:ea typeface="+mn-ea"/>
+                <a:cs typeface="+mn-cs"/>
+              </a:endParaRPr>
+            </a:p>
+          </p:txBody>
+        </p:sp>
+        <p:sp>
+          <p:nvSpPr>
+            <p:cNvPr id="123" name="Oval 122">
+              <a:extLst>
+                <a:ext uri="{FF2B5EF4-FFF2-40B4-BE49-F238E27FC236}">
+                  <a16:creationId xmlns:a16="http://schemas.microsoft.com/office/drawing/2014/main" id="{D57658FB-B398-4227-829C-92FD1BC9C01E}"/>
+                </a:ext>
+              </a:extLst>
+            </p:cNvPr>
+            <p:cNvSpPr/>
+            <p:nvPr/>
+          </p:nvSpPr>
+          <p:spPr>
+            <a:xfrm>
+              <a:off x="1899981" y="5867092"/>
+              <a:ext cx="91440" cy="91440"/>
+            </a:xfrm>
+            <a:prstGeom prst="ellipse">
+              <a:avLst/>
+            </a:prstGeom>
+          </p:spPr>
+          <p:style>
+            <a:lnRef idx="2">
+              <a:schemeClr val="dk1">
+                <a:shade val="50000"/>
+              </a:schemeClr>
+            </a:lnRef>
+            <a:fillRef idx="1">
+              <a:schemeClr val="dk1"/>
+            </a:fillRef>
+            <a:effectRef idx="0">
+              <a:schemeClr val="dk1"/>
+            </a:effectRef>
+            <a:fontRef idx="minor">
+              <a:schemeClr val="lt1"/>
+            </a:fontRef>
+          </p:style>
+          <p:txBody>
+            <a:bodyPr rtlCol="0" anchor="ctr"/>
+            <a:lstStyle/>
+            <a:p>
+              <a:pPr marL="0" marR="0" lvl="0" indent="0" algn="ctr" defTabSz="914400" rtl="0" eaLnBrk="1" fontAlgn="auto" latinLnBrk="0" hangingPunct="1">
+                <a:lnSpc>
+                  <a:spcPct val="100000"/>
+                </a:lnSpc>
+                <a:spcBef>
+                  <a:spcPts val="0"/>
+                </a:spcBef>
+                <a:spcAft>
+                  <a:spcPts val="0"/>
+                </a:spcAft>
+                <a:buClrTx/>
+                <a:buSzTx/>
+                <a:buFontTx/>
+                <a:buNone/>
+                <a:tabLst/>
+                <a:defRPr/>
+              </a:pPr>
+              <a:endParaRPr kumimoji="0" lang="en-US" sz="1800" b="0" i="0" u="none" strike="noStrike" kern="1200" cap="none" spc="0" normalizeH="0" baseline="0" noProof="0">
+                <a:ln>
+                  <a:noFill/>
+                </a:ln>
+                <a:solidFill>
+                  <a:prstClr val="white"/>
+                </a:solidFill>
+                <a:effectLst/>
+                <a:uLnTx/>
+                <a:uFillTx/>
+                <a:latin typeface="Calibri"/>
+                <a:ea typeface="+mn-ea"/>
+                <a:cs typeface="+mn-cs"/>
+              </a:endParaRPr>
+            </a:p>
+          </p:txBody>
+        </p:sp>
+        <p:sp>
+          <p:nvSpPr>
+            <p:cNvPr id="127" name="Rounded Rectangle 3">
+              <a:extLst>
+                <a:ext uri="{FF2B5EF4-FFF2-40B4-BE49-F238E27FC236}">
+                  <a16:creationId xmlns:a16="http://schemas.microsoft.com/office/drawing/2014/main" id="{841DBD00-2461-4E26-9267-84AA8B6C63F0}"/>
+                </a:ext>
+              </a:extLst>
+            </p:cNvPr>
+            <p:cNvSpPr/>
+            <p:nvPr/>
+          </p:nvSpPr>
+          <p:spPr>
+            <a:xfrm rot="18965626" flipV="1">
+              <a:off x="432197" y="4120851"/>
+              <a:ext cx="1847964" cy="228600"/>
+            </a:xfrm>
+            <a:prstGeom prst="roundRect">
+              <a:avLst>
+                <a:gd name="adj" fmla="val 50000"/>
+              </a:avLst>
+            </a:prstGeom>
+          </p:spPr>
+          <p:style>
+            <a:lnRef idx="1">
+              <a:schemeClr val="dk1"/>
+            </a:lnRef>
+            <a:fillRef idx="2">
+              <a:schemeClr val="dk1"/>
+            </a:fillRef>
+            <a:effectRef idx="1">
+              <a:schemeClr val="dk1"/>
+            </a:effectRef>
+            <a:fontRef idx="minor">
+              <a:schemeClr val="dk1"/>
+            </a:fontRef>
+          </p:style>
+          <p:txBody>
+            <a:bodyPr rtlCol="0" anchor="ctr"/>
+            <a:lstStyle/>
+            <a:p>
+              <a:pPr marL="0" marR="0" lvl="0" indent="0" algn="ctr" defTabSz="914400" rtl="0" eaLnBrk="1" fontAlgn="auto" latinLnBrk="0" hangingPunct="1">
+                <a:lnSpc>
+                  <a:spcPct val="100000"/>
+                </a:lnSpc>
+                <a:spcBef>
+                  <a:spcPts val="0"/>
+                </a:spcBef>
+                <a:spcAft>
+                  <a:spcPts val="0"/>
+                </a:spcAft>
+                <a:buClrTx/>
+                <a:buSzTx/>
+                <a:buFontTx/>
+                <a:buNone/>
+                <a:tabLst/>
+                <a:defRPr/>
+              </a:pPr>
+              <a:endParaRPr kumimoji="0" lang="en-US" sz="1800" b="0" i="0" u="none" strike="noStrike" kern="1200" cap="none" spc="0" normalizeH="0" baseline="0" noProof="0">
+                <a:ln>
+                  <a:noFill/>
+                </a:ln>
+                <a:solidFill>
+                  <a:prstClr val="black"/>
+                </a:solidFill>
+                <a:effectLst/>
+                <a:uLnTx/>
+                <a:uFillTx/>
+                <a:latin typeface="Calibri"/>
+                <a:ea typeface="+mn-ea"/>
+                <a:cs typeface="+mn-cs"/>
+              </a:endParaRPr>
+            </a:p>
+          </p:txBody>
+        </p:sp>
+        <p:sp>
+          <p:nvSpPr>
+            <p:cNvPr id="128" name="Rounded Rectangle 3">
+              <a:extLst>
+                <a:ext uri="{FF2B5EF4-FFF2-40B4-BE49-F238E27FC236}">
+                  <a16:creationId xmlns:a16="http://schemas.microsoft.com/office/drawing/2014/main" id="{A7B9E265-69CC-4055-87D9-6F8F9164E526}"/>
+                </a:ext>
+              </a:extLst>
+            </p:cNvPr>
+            <p:cNvSpPr/>
+            <p:nvPr/>
+          </p:nvSpPr>
+          <p:spPr>
+            <a:xfrm rot="5400000" flipH="1" flipV="1">
+              <a:off x="65886" y="4107259"/>
+              <a:ext cx="1371600" cy="228600"/>
+            </a:xfrm>
+            <a:prstGeom prst="roundRect">
+              <a:avLst>
+                <a:gd name="adj" fmla="val 50000"/>
+              </a:avLst>
+            </a:prstGeom>
+          </p:spPr>
+          <p:style>
+            <a:lnRef idx="1">
+              <a:schemeClr val="dk1"/>
+            </a:lnRef>
+            <a:fillRef idx="2">
+              <a:schemeClr val="dk1"/>
+            </a:fillRef>
+            <a:effectRef idx="1">
+              <a:schemeClr val="dk1"/>
+            </a:effectRef>
+            <a:fontRef idx="minor">
+              <a:schemeClr val="dk1"/>
+            </a:fontRef>
+          </p:style>
+          <p:txBody>
+            <a:bodyPr rtlCol="0" anchor="ctr"/>
+            <a:lstStyle/>
+            <a:p>
+              <a:pPr marL="0" marR="0" lvl="0" indent="0" algn="ctr" defTabSz="914400" rtl="0" eaLnBrk="1" fontAlgn="auto" latinLnBrk="0" hangingPunct="1">
+                <a:lnSpc>
+                  <a:spcPct val="100000"/>
+                </a:lnSpc>
+                <a:spcBef>
+                  <a:spcPts val="0"/>
+                </a:spcBef>
+                <a:spcAft>
+                  <a:spcPts val="0"/>
+                </a:spcAft>
+                <a:buClrTx/>
+                <a:buSzTx/>
+                <a:buFontTx/>
+                <a:buNone/>
+                <a:tabLst/>
+                <a:defRPr/>
+              </a:pPr>
+              <a:endParaRPr kumimoji="0" lang="en-US" sz="1800" b="0" i="0" u="none" strike="noStrike" kern="1200" cap="none" spc="0" normalizeH="0" baseline="0" noProof="0">
+                <a:ln>
+                  <a:noFill/>
+                </a:ln>
+                <a:solidFill>
+                  <a:prstClr val="black"/>
+                </a:solidFill>
+                <a:effectLst/>
+                <a:uLnTx/>
+                <a:uFillTx/>
+                <a:latin typeface="Calibri"/>
+                <a:ea typeface="+mn-ea"/>
+                <a:cs typeface="+mn-cs"/>
+              </a:endParaRPr>
+            </a:p>
+          </p:txBody>
+        </p:sp>
+        <p:sp>
+          <p:nvSpPr>
+            <p:cNvPr id="129" name="Rounded Rectangle 3">
+              <a:extLst>
+                <a:ext uri="{FF2B5EF4-FFF2-40B4-BE49-F238E27FC236}">
+                  <a16:creationId xmlns:a16="http://schemas.microsoft.com/office/drawing/2014/main" id="{80B50F7C-D508-4540-91B4-21BEAE7731C7}"/>
+                </a:ext>
+              </a:extLst>
+            </p:cNvPr>
+            <p:cNvSpPr/>
+            <p:nvPr/>
+          </p:nvSpPr>
+          <p:spPr>
+            <a:xfrm flipH="1" flipV="1">
+              <a:off x="648548" y="3527592"/>
+              <a:ext cx="1442664" cy="228600"/>
+            </a:xfrm>
+            <a:prstGeom prst="roundRect">
+              <a:avLst>
+                <a:gd name="adj" fmla="val 50000"/>
+              </a:avLst>
+            </a:prstGeom>
+          </p:spPr>
+          <p:style>
+            <a:lnRef idx="1">
+              <a:schemeClr val="dk1"/>
+            </a:lnRef>
+            <a:fillRef idx="2">
+              <a:schemeClr val="dk1"/>
+            </a:fillRef>
+            <a:effectRef idx="1">
+              <a:schemeClr val="dk1"/>
+            </a:effectRef>
+            <a:fontRef idx="minor">
+              <a:schemeClr val="dk1"/>
+            </a:fontRef>
+          </p:style>
+          <p:txBody>
+            <a:bodyPr rtlCol="0" anchor="ctr"/>
+            <a:lstStyle/>
+            <a:p>
+              <a:pPr marL="0" marR="0" lvl="0" indent="0" algn="ctr" defTabSz="914400" rtl="0" eaLnBrk="1" fontAlgn="auto" latinLnBrk="0" hangingPunct="1">
+                <a:lnSpc>
+                  <a:spcPct val="100000"/>
+                </a:lnSpc>
+                <a:spcBef>
+                  <a:spcPts val="0"/>
+                </a:spcBef>
+                <a:spcAft>
+                  <a:spcPts val="0"/>
+                </a:spcAft>
+                <a:buClrTx/>
+                <a:buSzTx/>
+                <a:buFontTx/>
+                <a:buNone/>
+                <a:tabLst/>
+                <a:defRPr/>
+              </a:pPr>
+              <a:endParaRPr kumimoji="0" lang="en-US" sz="1800" b="0" i="0" u="none" strike="noStrike" kern="1200" cap="none" spc="0" normalizeH="0" baseline="0" noProof="0">
+                <a:ln>
+                  <a:noFill/>
+                </a:ln>
+                <a:solidFill>
+                  <a:prstClr val="black"/>
+                </a:solidFill>
+                <a:effectLst/>
+                <a:uLnTx/>
+                <a:uFillTx/>
+                <a:latin typeface="Calibri"/>
+                <a:ea typeface="+mn-ea"/>
+                <a:cs typeface="+mn-cs"/>
+              </a:endParaRPr>
+            </a:p>
+          </p:txBody>
+        </p:sp>
+        <p:sp>
+          <p:nvSpPr>
+            <p:cNvPr id="130" name="Oval 129">
+              <a:extLst>
+                <a:ext uri="{FF2B5EF4-FFF2-40B4-BE49-F238E27FC236}">
+                  <a16:creationId xmlns:a16="http://schemas.microsoft.com/office/drawing/2014/main" id="{E1FD67A3-2DD1-4E53-8AFF-A76C8AA121D0}"/>
+                </a:ext>
+              </a:extLst>
+            </p:cNvPr>
+            <p:cNvSpPr/>
+            <p:nvPr/>
+          </p:nvSpPr>
+          <p:spPr>
+            <a:xfrm flipV="1">
+              <a:off x="705966" y="3605118"/>
+              <a:ext cx="91440" cy="91440"/>
+            </a:xfrm>
+            <a:prstGeom prst="ellipse">
+              <a:avLst/>
+            </a:prstGeom>
+          </p:spPr>
+          <p:style>
+            <a:lnRef idx="2">
+              <a:schemeClr val="dk1">
+                <a:shade val="50000"/>
+              </a:schemeClr>
+            </a:lnRef>
+            <a:fillRef idx="1">
+              <a:schemeClr val="dk1"/>
+            </a:fillRef>
+            <a:effectRef idx="0">
+              <a:schemeClr val="dk1"/>
+            </a:effectRef>
+            <a:fontRef idx="minor">
+              <a:schemeClr val="lt1"/>
+            </a:fontRef>
+          </p:style>
+          <p:txBody>
+            <a:bodyPr rtlCol="0" anchor="ctr"/>
+            <a:lstStyle/>
+            <a:p>
+              <a:pPr marL="0" marR="0" lvl="0" indent="0" algn="ctr" defTabSz="914400" rtl="0" eaLnBrk="1" fontAlgn="auto" latinLnBrk="0" hangingPunct="1">
+                <a:lnSpc>
+                  <a:spcPct val="100000"/>
+                </a:lnSpc>
+                <a:spcBef>
+                  <a:spcPts val="0"/>
+                </a:spcBef>
+                <a:spcAft>
+                  <a:spcPts val="0"/>
+                </a:spcAft>
+                <a:buClrTx/>
+                <a:buSzTx/>
+                <a:buFontTx/>
+                <a:buNone/>
+                <a:tabLst/>
+                <a:defRPr/>
+              </a:pPr>
+              <a:endParaRPr kumimoji="0" lang="en-US" sz="1800" b="0" i="0" u="none" strike="noStrike" kern="1200" cap="none" spc="0" normalizeH="0" baseline="0" noProof="0">
+                <a:ln>
+                  <a:noFill/>
+                </a:ln>
+                <a:solidFill>
+                  <a:prstClr val="white"/>
+                </a:solidFill>
+                <a:effectLst/>
+                <a:uLnTx/>
+                <a:uFillTx/>
+                <a:latin typeface="Calibri"/>
+                <a:ea typeface="+mn-ea"/>
+                <a:cs typeface="+mn-cs"/>
+              </a:endParaRPr>
+            </a:p>
+          </p:txBody>
+        </p:sp>
+        <p:sp>
+          <p:nvSpPr>
+            <p:cNvPr id="131" name="Oval 130">
+              <a:extLst>
+                <a:ext uri="{FF2B5EF4-FFF2-40B4-BE49-F238E27FC236}">
+                  <a16:creationId xmlns:a16="http://schemas.microsoft.com/office/drawing/2014/main" id="{5C28FC3A-4683-429A-9CA8-F884E778BB99}"/>
+                </a:ext>
+              </a:extLst>
+            </p:cNvPr>
+            <p:cNvSpPr/>
+            <p:nvPr/>
+          </p:nvSpPr>
+          <p:spPr>
+            <a:xfrm flipV="1">
+              <a:off x="1902286" y="3605118"/>
+              <a:ext cx="91440" cy="91440"/>
+            </a:xfrm>
+            <a:prstGeom prst="ellipse">
+              <a:avLst/>
+            </a:prstGeom>
+          </p:spPr>
+          <p:style>
+            <a:lnRef idx="2">
+              <a:schemeClr val="dk1">
+                <a:shade val="50000"/>
+              </a:schemeClr>
+            </a:lnRef>
+            <a:fillRef idx="1">
+              <a:schemeClr val="dk1"/>
+            </a:fillRef>
+            <a:effectRef idx="0">
+              <a:schemeClr val="dk1"/>
+            </a:effectRef>
+            <a:fontRef idx="minor">
+              <a:schemeClr val="lt1"/>
+            </a:fontRef>
+          </p:style>
+          <p:txBody>
+            <a:bodyPr rtlCol="0" anchor="ctr"/>
+            <a:lstStyle/>
+            <a:p>
+              <a:pPr marL="0" marR="0" lvl="0" indent="0" algn="ctr" defTabSz="914400" rtl="0" eaLnBrk="1" fontAlgn="auto" latinLnBrk="0" hangingPunct="1">
+                <a:lnSpc>
+                  <a:spcPct val="100000"/>
+                </a:lnSpc>
+                <a:spcBef>
+                  <a:spcPts val="0"/>
+                </a:spcBef>
+                <a:spcAft>
+                  <a:spcPts val="0"/>
+                </a:spcAft>
+                <a:buClrTx/>
+                <a:buSzTx/>
+                <a:buFontTx/>
+                <a:buNone/>
+                <a:tabLst/>
+                <a:defRPr/>
+              </a:pPr>
+              <a:endParaRPr kumimoji="0" lang="en-US" sz="1800" b="0" i="0" u="none" strike="noStrike" kern="1200" cap="none" spc="0" normalizeH="0" baseline="0" noProof="0">
+                <a:ln>
+                  <a:noFill/>
+                </a:ln>
+                <a:solidFill>
+                  <a:prstClr val="white"/>
+                </a:solidFill>
+                <a:effectLst/>
+                <a:uLnTx/>
+                <a:uFillTx/>
+                <a:latin typeface="Calibri"/>
+                <a:ea typeface="+mn-ea"/>
+                <a:cs typeface="+mn-cs"/>
+              </a:endParaRPr>
+            </a:p>
+          </p:txBody>
+        </p:sp>
+        <p:sp>
+          <p:nvSpPr>
+            <p:cNvPr id="132" name="Oval 131">
+              <a:extLst>
+                <a:ext uri="{FF2B5EF4-FFF2-40B4-BE49-F238E27FC236}">
+                  <a16:creationId xmlns:a16="http://schemas.microsoft.com/office/drawing/2014/main" id="{E51E3C5B-DA6A-4D39-A24F-36263065B051}"/>
+                </a:ext>
+              </a:extLst>
+            </p:cNvPr>
+            <p:cNvSpPr/>
+            <p:nvPr/>
+          </p:nvSpPr>
+          <p:spPr>
+            <a:xfrm>
+              <a:off x="705966" y="4734247"/>
+              <a:ext cx="91440" cy="91440"/>
+            </a:xfrm>
+            <a:prstGeom prst="ellipse">
+              <a:avLst/>
+            </a:prstGeom>
+          </p:spPr>
+          <p:style>
+            <a:lnRef idx="2">
+              <a:schemeClr val="dk1">
+                <a:shade val="50000"/>
+              </a:schemeClr>
+            </a:lnRef>
+            <a:fillRef idx="1">
+              <a:schemeClr val="dk1"/>
+            </a:fillRef>
+            <a:effectRef idx="0">
+              <a:schemeClr val="dk1"/>
+            </a:effectRef>
+            <a:fontRef idx="minor">
+              <a:schemeClr val="lt1"/>
+            </a:fontRef>
+          </p:style>
+          <p:txBody>
+            <a:bodyPr rtlCol="0" anchor="ctr"/>
+            <a:lstStyle/>
+            <a:p>
+              <a:pPr marL="0" marR="0" lvl="0" indent="0" algn="ctr" defTabSz="914400" rtl="0" eaLnBrk="1" fontAlgn="auto" latinLnBrk="0" hangingPunct="1">
+                <a:lnSpc>
+                  <a:spcPct val="100000"/>
+                </a:lnSpc>
+                <a:spcBef>
+                  <a:spcPts val="0"/>
+                </a:spcBef>
+                <a:spcAft>
+                  <a:spcPts val="0"/>
+                </a:spcAft>
+                <a:buClrTx/>
+                <a:buSzTx/>
+                <a:buFontTx/>
+                <a:buNone/>
+                <a:tabLst/>
+                <a:defRPr/>
+              </a:pPr>
+              <a:endParaRPr kumimoji="0" lang="en-US" sz="1800" b="0" i="0" u="none" strike="noStrike" kern="1200" cap="none" spc="0" normalizeH="0" baseline="0" noProof="0">
+                <a:ln>
+                  <a:noFill/>
+                </a:ln>
+                <a:solidFill>
+                  <a:prstClr val="white"/>
+                </a:solidFill>
+                <a:effectLst/>
+                <a:uLnTx/>
+                <a:uFillTx/>
+                <a:latin typeface="Calibri"/>
+                <a:ea typeface="+mn-ea"/>
+                <a:cs typeface="+mn-cs"/>
+              </a:endParaRPr>
+            </a:p>
+          </p:txBody>
+        </p:sp>
+      </p:grpSp>
+      <p:grpSp>
+        <p:nvGrpSpPr>
+          <p:cNvPr id="134" name="Group 133">
+            <a:extLst>
+              <a:ext uri="{FF2B5EF4-FFF2-40B4-BE49-F238E27FC236}">
+                <a16:creationId xmlns:a16="http://schemas.microsoft.com/office/drawing/2014/main" id="{C0E4389A-F5BC-4748-B561-E7EC2645B1BD}"/>
+              </a:ext>
+            </a:extLst>
+          </p:cNvPr>
+          <p:cNvGrpSpPr/>
+          <p:nvPr/>
+        </p:nvGrpSpPr>
+        <p:grpSpPr>
+          <a:xfrm>
+            <a:off x="3197891" y="3745450"/>
+            <a:ext cx="1850269" cy="2488588"/>
+            <a:chOff x="429892" y="3527592"/>
+            <a:chExt cx="1850269" cy="2488588"/>
+          </a:xfrm>
+        </p:grpSpPr>
+        <p:sp>
+          <p:nvSpPr>
+            <p:cNvPr id="135" name="Rounded Rectangle 3">
+              <a:extLst>
+                <a:ext uri="{FF2B5EF4-FFF2-40B4-BE49-F238E27FC236}">
+                  <a16:creationId xmlns:a16="http://schemas.microsoft.com/office/drawing/2014/main" id="{4031E511-B8B7-4524-9AB2-A28E200A8F34}"/>
+                </a:ext>
+              </a:extLst>
+            </p:cNvPr>
+            <p:cNvSpPr/>
+            <p:nvPr/>
+          </p:nvSpPr>
+          <p:spPr>
+            <a:xfrm rot="2634374">
+              <a:off x="429892" y="5194321"/>
+              <a:ext cx="1847964" cy="228600"/>
+            </a:xfrm>
+            <a:prstGeom prst="roundRect">
+              <a:avLst>
+                <a:gd name="adj" fmla="val 50000"/>
+              </a:avLst>
+            </a:prstGeom>
+          </p:spPr>
+          <p:style>
+            <a:lnRef idx="1">
+              <a:schemeClr val="dk1"/>
+            </a:lnRef>
+            <a:fillRef idx="2">
+              <a:schemeClr val="dk1"/>
+            </a:fillRef>
+            <a:effectRef idx="1">
+              <a:schemeClr val="dk1"/>
+            </a:effectRef>
+            <a:fontRef idx="minor">
+              <a:schemeClr val="dk1"/>
+            </a:fontRef>
+          </p:style>
+          <p:txBody>
+            <a:bodyPr rtlCol="0" anchor="ctr"/>
+            <a:lstStyle/>
+            <a:p>
+              <a:pPr marL="0" marR="0" lvl="0" indent="0" algn="ctr" defTabSz="914400" rtl="0" eaLnBrk="1" fontAlgn="auto" latinLnBrk="0" hangingPunct="1">
+                <a:lnSpc>
+                  <a:spcPct val="100000"/>
+                </a:lnSpc>
+                <a:spcBef>
+                  <a:spcPts val="0"/>
+                </a:spcBef>
+                <a:spcAft>
+                  <a:spcPts val="0"/>
+                </a:spcAft>
+                <a:buClrTx/>
+                <a:buSzTx/>
+                <a:buFontTx/>
+                <a:buNone/>
+                <a:tabLst/>
+                <a:defRPr/>
+              </a:pPr>
+              <a:endParaRPr kumimoji="0" lang="en-US" sz="1800" b="0" i="0" u="none" strike="noStrike" kern="1200" cap="none" spc="0" normalizeH="0" baseline="0" noProof="0">
+                <a:ln>
+                  <a:noFill/>
+                </a:ln>
+                <a:solidFill>
+                  <a:prstClr val="black"/>
+                </a:solidFill>
+                <a:effectLst/>
+                <a:uLnTx/>
+                <a:uFillTx/>
+                <a:latin typeface="Calibri"/>
+                <a:ea typeface="+mn-ea"/>
+                <a:cs typeface="+mn-cs"/>
+              </a:endParaRPr>
+            </a:p>
+          </p:txBody>
+        </p:sp>
+        <p:sp>
+          <p:nvSpPr>
+            <p:cNvPr id="136" name="Rounded Rectangle 3">
+              <a:extLst>
+                <a:ext uri="{FF2B5EF4-FFF2-40B4-BE49-F238E27FC236}">
+                  <a16:creationId xmlns:a16="http://schemas.microsoft.com/office/drawing/2014/main" id="{02FAC39E-429B-421A-A203-6021016681CF}"/>
+                </a:ext>
+              </a:extLst>
+            </p:cNvPr>
+            <p:cNvSpPr/>
+            <p:nvPr/>
+          </p:nvSpPr>
+          <p:spPr>
+            <a:xfrm rot="16200000" flipH="1">
+              <a:off x="65886" y="5207913"/>
+              <a:ext cx="1371600" cy="228600"/>
+            </a:xfrm>
+            <a:prstGeom prst="roundRect">
+              <a:avLst>
+                <a:gd name="adj" fmla="val 50000"/>
+              </a:avLst>
+            </a:prstGeom>
+          </p:spPr>
+          <p:style>
+            <a:lnRef idx="1">
+              <a:schemeClr val="dk1"/>
+            </a:lnRef>
+            <a:fillRef idx="2">
+              <a:schemeClr val="dk1"/>
+            </a:fillRef>
+            <a:effectRef idx="1">
+              <a:schemeClr val="dk1"/>
+            </a:effectRef>
+            <a:fontRef idx="minor">
+              <a:schemeClr val="dk1"/>
+            </a:fontRef>
+          </p:style>
+          <p:txBody>
+            <a:bodyPr rtlCol="0" anchor="ctr"/>
+            <a:lstStyle/>
+            <a:p>
+              <a:pPr marL="0" marR="0" lvl="0" indent="0" algn="ctr" defTabSz="914400" rtl="0" eaLnBrk="1" fontAlgn="auto" latinLnBrk="0" hangingPunct="1">
+                <a:lnSpc>
+                  <a:spcPct val="100000"/>
+                </a:lnSpc>
+                <a:spcBef>
+                  <a:spcPts val="0"/>
+                </a:spcBef>
+                <a:spcAft>
+                  <a:spcPts val="0"/>
+                </a:spcAft>
+                <a:buClrTx/>
+                <a:buSzTx/>
+                <a:buFontTx/>
+                <a:buNone/>
+                <a:tabLst/>
+                <a:defRPr/>
+              </a:pPr>
+              <a:endParaRPr kumimoji="0" lang="en-US" sz="1800" b="0" i="0" u="none" strike="noStrike" kern="1200" cap="none" spc="0" normalizeH="0" baseline="0" noProof="0">
+                <a:ln>
+                  <a:noFill/>
+                </a:ln>
+                <a:solidFill>
+                  <a:prstClr val="black"/>
+                </a:solidFill>
+                <a:effectLst/>
+                <a:uLnTx/>
+                <a:uFillTx/>
+                <a:latin typeface="Calibri"/>
+                <a:ea typeface="+mn-ea"/>
+                <a:cs typeface="+mn-cs"/>
+              </a:endParaRPr>
+            </a:p>
+          </p:txBody>
+        </p:sp>
+        <p:sp>
+          <p:nvSpPr>
+            <p:cNvPr id="137" name="Rounded Rectangle 3">
+              <a:extLst>
+                <a:ext uri="{FF2B5EF4-FFF2-40B4-BE49-F238E27FC236}">
+                  <a16:creationId xmlns:a16="http://schemas.microsoft.com/office/drawing/2014/main" id="{7E356A8D-CE1B-4281-847B-DA2646BD3FC4}"/>
+                </a:ext>
+              </a:extLst>
+            </p:cNvPr>
+            <p:cNvSpPr/>
+            <p:nvPr/>
+          </p:nvSpPr>
+          <p:spPr>
+            <a:xfrm flipH="1">
+              <a:off x="646243" y="5787580"/>
+              <a:ext cx="1442664" cy="228600"/>
+            </a:xfrm>
+            <a:prstGeom prst="roundRect">
+              <a:avLst>
+                <a:gd name="adj" fmla="val 50000"/>
+              </a:avLst>
+            </a:prstGeom>
+          </p:spPr>
+          <p:style>
+            <a:lnRef idx="1">
+              <a:schemeClr val="dk1"/>
+            </a:lnRef>
+            <a:fillRef idx="2">
+              <a:schemeClr val="dk1"/>
+            </a:fillRef>
+            <a:effectRef idx="1">
+              <a:schemeClr val="dk1"/>
+            </a:effectRef>
+            <a:fontRef idx="minor">
+              <a:schemeClr val="dk1"/>
+            </a:fontRef>
+          </p:style>
+          <p:txBody>
+            <a:bodyPr rtlCol="0" anchor="ctr"/>
+            <a:lstStyle/>
+            <a:p>
+              <a:pPr marL="0" marR="0" lvl="0" indent="0" algn="ctr" defTabSz="914400" rtl="0" eaLnBrk="1" fontAlgn="auto" latinLnBrk="0" hangingPunct="1">
+                <a:lnSpc>
+                  <a:spcPct val="100000"/>
+                </a:lnSpc>
+                <a:spcBef>
+                  <a:spcPts val="0"/>
+                </a:spcBef>
+                <a:spcAft>
+                  <a:spcPts val="0"/>
+                </a:spcAft>
+                <a:buClrTx/>
+                <a:buSzTx/>
+                <a:buFontTx/>
+                <a:buNone/>
+                <a:tabLst/>
+                <a:defRPr/>
+              </a:pPr>
+              <a:endParaRPr kumimoji="0" lang="en-US" sz="1800" b="0" i="0" u="none" strike="noStrike" kern="1200" cap="none" spc="0" normalizeH="0" baseline="0" noProof="0">
+                <a:ln>
+                  <a:noFill/>
+                </a:ln>
+                <a:solidFill>
+                  <a:prstClr val="black"/>
+                </a:solidFill>
+                <a:effectLst/>
+                <a:uLnTx/>
+                <a:uFillTx/>
+                <a:latin typeface="Calibri"/>
+                <a:ea typeface="+mn-ea"/>
+                <a:cs typeface="+mn-cs"/>
+              </a:endParaRPr>
+            </a:p>
+          </p:txBody>
+        </p:sp>
+        <p:sp>
+          <p:nvSpPr>
+            <p:cNvPr id="138" name="Oval 137">
+              <a:extLst>
+                <a:ext uri="{FF2B5EF4-FFF2-40B4-BE49-F238E27FC236}">
+                  <a16:creationId xmlns:a16="http://schemas.microsoft.com/office/drawing/2014/main" id="{A7B4FD41-1012-4FC1-994B-3102A912A323}"/>
+                </a:ext>
+              </a:extLst>
+            </p:cNvPr>
+            <p:cNvSpPr/>
+            <p:nvPr/>
+          </p:nvSpPr>
+          <p:spPr>
+            <a:xfrm>
+              <a:off x="705966" y="5857153"/>
+              <a:ext cx="91440" cy="91440"/>
+            </a:xfrm>
+            <a:prstGeom prst="ellipse">
+              <a:avLst/>
+            </a:prstGeom>
+          </p:spPr>
+          <p:style>
+            <a:lnRef idx="2">
+              <a:schemeClr val="dk1">
+                <a:shade val="50000"/>
+              </a:schemeClr>
+            </a:lnRef>
+            <a:fillRef idx="1">
+              <a:schemeClr val="dk1"/>
+            </a:fillRef>
+            <a:effectRef idx="0">
+              <a:schemeClr val="dk1"/>
+            </a:effectRef>
+            <a:fontRef idx="minor">
+              <a:schemeClr val="lt1"/>
+            </a:fontRef>
+          </p:style>
+          <p:txBody>
+            <a:bodyPr rtlCol="0" anchor="ctr"/>
+            <a:lstStyle/>
+            <a:p>
+              <a:pPr marL="0" marR="0" lvl="0" indent="0" algn="ctr" defTabSz="914400" rtl="0" eaLnBrk="1" fontAlgn="auto" latinLnBrk="0" hangingPunct="1">
+                <a:lnSpc>
+                  <a:spcPct val="100000"/>
+                </a:lnSpc>
+                <a:spcBef>
+                  <a:spcPts val="0"/>
+                </a:spcBef>
+                <a:spcAft>
+                  <a:spcPts val="0"/>
+                </a:spcAft>
+                <a:buClrTx/>
+                <a:buSzTx/>
+                <a:buFontTx/>
+                <a:buNone/>
+                <a:tabLst/>
+                <a:defRPr/>
+              </a:pPr>
+              <a:endParaRPr kumimoji="0" lang="en-US" sz="1800" b="0" i="0" u="none" strike="noStrike" kern="1200" cap="none" spc="0" normalizeH="0" baseline="0" noProof="0">
+                <a:ln>
+                  <a:noFill/>
+                </a:ln>
+                <a:solidFill>
+                  <a:prstClr val="white"/>
+                </a:solidFill>
+                <a:effectLst/>
+                <a:uLnTx/>
+                <a:uFillTx/>
+                <a:latin typeface="Calibri"/>
+                <a:ea typeface="+mn-ea"/>
+                <a:cs typeface="+mn-cs"/>
+              </a:endParaRPr>
+            </a:p>
+          </p:txBody>
+        </p:sp>
+        <p:sp>
+          <p:nvSpPr>
+            <p:cNvPr id="139" name="Oval 138">
+              <a:extLst>
+                <a:ext uri="{FF2B5EF4-FFF2-40B4-BE49-F238E27FC236}">
+                  <a16:creationId xmlns:a16="http://schemas.microsoft.com/office/drawing/2014/main" id="{0D6A9291-021A-4D4D-A4BE-8D0196C687B3}"/>
+                </a:ext>
+              </a:extLst>
+            </p:cNvPr>
+            <p:cNvSpPr/>
+            <p:nvPr/>
+          </p:nvSpPr>
+          <p:spPr>
+            <a:xfrm>
+              <a:off x="1899981" y="5867092"/>
+              <a:ext cx="91440" cy="91440"/>
+            </a:xfrm>
+            <a:prstGeom prst="ellipse">
+              <a:avLst/>
+            </a:prstGeom>
+          </p:spPr>
+          <p:style>
+            <a:lnRef idx="2">
+              <a:schemeClr val="dk1">
+                <a:shade val="50000"/>
+              </a:schemeClr>
+            </a:lnRef>
+            <a:fillRef idx="1">
+              <a:schemeClr val="dk1"/>
+            </a:fillRef>
+            <a:effectRef idx="0">
+              <a:schemeClr val="dk1"/>
+            </a:effectRef>
+            <a:fontRef idx="minor">
+              <a:schemeClr val="lt1"/>
+            </a:fontRef>
+          </p:style>
+          <p:txBody>
+            <a:bodyPr rtlCol="0" anchor="ctr"/>
+            <a:lstStyle/>
+            <a:p>
+              <a:pPr marL="0" marR="0" lvl="0" indent="0" algn="ctr" defTabSz="914400" rtl="0" eaLnBrk="1" fontAlgn="auto" latinLnBrk="0" hangingPunct="1">
+                <a:lnSpc>
+                  <a:spcPct val="100000"/>
+                </a:lnSpc>
+                <a:spcBef>
+                  <a:spcPts val="0"/>
+                </a:spcBef>
+                <a:spcAft>
+                  <a:spcPts val="0"/>
+                </a:spcAft>
+                <a:buClrTx/>
+                <a:buSzTx/>
+                <a:buFontTx/>
+                <a:buNone/>
+                <a:tabLst/>
+                <a:defRPr/>
+              </a:pPr>
+              <a:endParaRPr kumimoji="0" lang="en-US" sz="1800" b="0" i="0" u="none" strike="noStrike" kern="1200" cap="none" spc="0" normalizeH="0" baseline="0" noProof="0">
+                <a:ln>
+                  <a:noFill/>
+                </a:ln>
+                <a:solidFill>
+                  <a:prstClr val="white"/>
+                </a:solidFill>
+                <a:effectLst/>
+                <a:uLnTx/>
+                <a:uFillTx/>
+                <a:latin typeface="Calibri"/>
+                <a:ea typeface="+mn-ea"/>
+                <a:cs typeface="+mn-cs"/>
+              </a:endParaRPr>
+            </a:p>
+          </p:txBody>
+        </p:sp>
+        <p:sp>
+          <p:nvSpPr>
+            <p:cNvPr id="140" name="Rounded Rectangle 3">
+              <a:extLst>
+                <a:ext uri="{FF2B5EF4-FFF2-40B4-BE49-F238E27FC236}">
+                  <a16:creationId xmlns:a16="http://schemas.microsoft.com/office/drawing/2014/main" id="{9B845539-90CF-4251-90CB-D134B976E72F}"/>
+                </a:ext>
+              </a:extLst>
+            </p:cNvPr>
+            <p:cNvSpPr/>
+            <p:nvPr/>
+          </p:nvSpPr>
+          <p:spPr>
+            <a:xfrm rot="18965626" flipV="1">
+              <a:off x="432197" y="4120851"/>
+              <a:ext cx="1847964" cy="228600"/>
+            </a:xfrm>
+            <a:prstGeom prst="roundRect">
+              <a:avLst>
+                <a:gd name="adj" fmla="val 50000"/>
+              </a:avLst>
+            </a:prstGeom>
+          </p:spPr>
+          <p:style>
+            <a:lnRef idx="1">
+              <a:schemeClr val="dk1"/>
+            </a:lnRef>
+            <a:fillRef idx="2">
+              <a:schemeClr val="dk1"/>
+            </a:fillRef>
+            <a:effectRef idx="1">
+              <a:schemeClr val="dk1"/>
+            </a:effectRef>
+            <a:fontRef idx="minor">
+              <a:schemeClr val="dk1"/>
+            </a:fontRef>
+          </p:style>
+          <p:txBody>
+            <a:bodyPr rtlCol="0" anchor="ctr"/>
+            <a:lstStyle/>
+            <a:p>
+              <a:pPr marL="0" marR="0" lvl="0" indent="0" algn="ctr" defTabSz="914400" rtl="0" eaLnBrk="1" fontAlgn="auto" latinLnBrk="0" hangingPunct="1">
+                <a:lnSpc>
+                  <a:spcPct val="100000"/>
+                </a:lnSpc>
+                <a:spcBef>
+                  <a:spcPts val="0"/>
+                </a:spcBef>
+                <a:spcAft>
+                  <a:spcPts val="0"/>
+                </a:spcAft>
+                <a:buClrTx/>
+                <a:buSzTx/>
+                <a:buFontTx/>
+                <a:buNone/>
+                <a:tabLst/>
+                <a:defRPr/>
+              </a:pPr>
+              <a:endParaRPr kumimoji="0" lang="en-US" sz="1800" b="0" i="0" u="none" strike="noStrike" kern="1200" cap="none" spc="0" normalizeH="0" baseline="0" noProof="0">
+                <a:ln>
+                  <a:noFill/>
+                </a:ln>
+                <a:solidFill>
+                  <a:prstClr val="black"/>
+                </a:solidFill>
+                <a:effectLst/>
+                <a:uLnTx/>
+                <a:uFillTx/>
+                <a:latin typeface="Calibri"/>
+                <a:ea typeface="+mn-ea"/>
+                <a:cs typeface="+mn-cs"/>
+              </a:endParaRPr>
+            </a:p>
+          </p:txBody>
+        </p:sp>
+        <p:sp>
+          <p:nvSpPr>
+            <p:cNvPr id="141" name="Rounded Rectangle 3">
+              <a:extLst>
+                <a:ext uri="{FF2B5EF4-FFF2-40B4-BE49-F238E27FC236}">
+                  <a16:creationId xmlns:a16="http://schemas.microsoft.com/office/drawing/2014/main" id="{5FB8B4CC-CA24-4B96-9DA1-FF4447070865}"/>
+                </a:ext>
+              </a:extLst>
+            </p:cNvPr>
+            <p:cNvSpPr/>
+            <p:nvPr/>
+          </p:nvSpPr>
+          <p:spPr>
+            <a:xfrm rot="5400000" flipH="1" flipV="1">
+              <a:off x="65886" y="4107259"/>
+              <a:ext cx="1371600" cy="228600"/>
+            </a:xfrm>
+            <a:prstGeom prst="roundRect">
+              <a:avLst>
+                <a:gd name="adj" fmla="val 50000"/>
+              </a:avLst>
+            </a:prstGeom>
+          </p:spPr>
+          <p:style>
+            <a:lnRef idx="1">
+              <a:schemeClr val="dk1"/>
+            </a:lnRef>
+            <a:fillRef idx="2">
+              <a:schemeClr val="dk1"/>
+            </a:fillRef>
+            <a:effectRef idx="1">
+              <a:schemeClr val="dk1"/>
+            </a:effectRef>
+            <a:fontRef idx="minor">
+              <a:schemeClr val="dk1"/>
+            </a:fontRef>
+          </p:style>
+          <p:txBody>
+            <a:bodyPr rtlCol="0" anchor="ctr"/>
+            <a:lstStyle/>
+            <a:p>
+              <a:pPr marL="0" marR="0" lvl="0" indent="0" algn="ctr" defTabSz="914400" rtl="0" eaLnBrk="1" fontAlgn="auto" latinLnBrk="0" hangingPunct="1">
+                <a:lnSpc>
+                  <a:spcPct val="100000"/>
+                </a:lnSpc>
+                <a:spcBef>
+                  <a:spcPts val="0"/>
+                </a:spcBef>
+                <a:spcAft>
+                  <a:spcPts val="0"/>
+                </a:spcAft>
+                <a:buClrTx/>
+                <a:buSzTx/>
+                <a:buFontTx/>
+                <a:buNone/>
+                <a:tabLst/>
+                <a:defRPr/>
+              </a:pPr>
+              <a:endParaRPr kumimoji="0" lang="en-US" sz="1800" b="0" i="0" u="none" strike="noStrike" kern="1200" cap="none" spc="0" normalizeH="0" baseline="0" noProof="0">
+                <a:ln>
+                  <a:noFill/>
+                </a:ln>
+                <a:solidFill>
+                  <a:prstClr val="black"/>
+                </a:solidFill>
+                <a:effectLst/>
+                <a:uLnTx/>
+                <a:uFillTx/>
+                <a:latin typeface="Calibri"/>
+                <a:ea typeface="+mn-ea"/>
+                <a:cs typeface="+mn-cs"/>
+              </a:endParaRPr>
+            </a:p>
+          </p:txBody>
+        </p:sp>
+        <p:sp>
+          <p:nvSpPr>
+            <p:cNvPr id="142" name="Rounded Rectangle 3">
+              <a:extLst>
+                <a:ext uri="{FF2B5EF4-FFF2-40B4-BE49-F238E27FC236}">
+                  <a16:creationId xmlns:a16="http://schemas.microsoft.com/office/drawing/2014/main" id="{6DE43C1A-BC2D-48F1-B1A5-B1218FA76916}"/>
+                </a:ext>
+              </a:extLst>
+            </p:cNvPr>
+            <p:cNvSpPr/>
+            <p:nvPr/>
+          </p:nvSpPr>
+          <p:spPr>
+            <a:xfrm flipH="1" flipV="1">
+              <a:off x="648548" y="3527592"/>
+              <a:ext cx="1442664" cy="228600"/>
+            </a:xfrm>
+            <a:prstGeom prst="roundRect">
+              <a:avLst>
+                <a:gd name="adj" fmla="val 50000"/>
+              </a:avLst>
+            </a:prstGeom>
+          </p:spPr>
+          <p:style>
+            <a:lnRef idx="1">
+              <a:schemeClr val="dk1"/>
+            </a:lnRef>
+            <a:fillRef idx="2">
+              <a:schemeClr val="dk1"/>
+            </a:fillRef>
+            <a:effectRef idx="1">
+              <a:schemeClr val="dk1"/>
+            </a:effectRef>
+            <a:fontRef idx="minor">
+              <a:schemeClr val="dk1"/>
+            </a:fontRef>
+          </p:style>
+          <p:txBody>
+            <a:bodyPr rtlCol="0" anchor="ctr"/>
+            <a:lstStyle/>
+            <a:p>
+              <a:pPr marL="0" marR="0" lvl="0" indent="0" algn="ctr" defTabSz="914400" rtl="0" eaLnBrk="1" fontAlgn="auto" latinLnBrk="0" hangingPunct="1">
+                <a:lnSpc>
+                  <a:spcPct val="100000"/>
+                </a:lnSpc>
+                <a:spcBef>
+                  <a:spcPts val="0"/>
+                </a:spcBef>
+                <a:spcAft>
+                  <a:spcPts val="0"/>
+                </a:spcAft>
+                <a:buClrTx/>
+                <a:buSzTx/>
+                <a:buFontTx/>
+                <a:buNone/>
+                <a:tabLst/>
+                <a:defRPr/>
+              </a:pPr>
+              <a:endParaRPr kumimoji="0" lang="en-US" sz="1800" b="0" i="0" u="none" strike="noStrike" kern="1200" cap="none" spc="0" normalizeH="0" baseline="0" noProof="0">
+                <a:ln>
+                  <a:noFill/>
+                </a:ln>
+                <a:solidFill>
+                  <a:prstClr val="black"/>
+                </a:solidFill>
+                <a:effectLst/>
+                <a:uLnTx/>
+                <a:uFillTx/>
+                <a:latin typeface="Calibri"/>
+                <a:ea typeface="+mn-ea"/>
+                <a:cs typeface="+mn-cs"/>
+              </a:endParaRPr>
+            </a:p>
+          </p:txBody>
+        </p:sp>
+        <p:sp>
+          <p:nvSpPr>
+            <p:cNvPr id="143" name="Oval 142">
+              <a:extLst>
+                <a:ext uri="{FF2B5EF4-FFF2-40B4-BE49-F238E27FC236}">
+                  <a16:creationId xmlns:a16="http://schemas.microsoft.com/office/drawing/2014/main" id="{6D7C0FEB-305F-43D5-AAEA-C494765058D7}"/>
+                </a:ext>
+              </a:extLst>
+            </p:cNvPr>
+            <p:cNvSpPr/>
+            <p:nvPr/>
+          </p:nvSpPr>
+          <p:spPr>
+            <a:xfrm flipV="1">
+              <a:off x="705966" y="3605118"/>
+              <a:ext cx="91440" cy="91440"/>
+            </a:xfrm>
+            <a:prstGeom prst="ellipse">
+              <a:avLst/>
+            </a:prstGeom>
+          </p:spPr>
+          <p:style>
+            <a:lnRef idx="2">
+              <a:schemeClr val="dk1">
+                <a:shade val="50000"/>
+              </a:schemeClr>
+            </a:lnRef>
+            <a:fillRef idx="1">
+              <a:schemeClr val="dk1"/>
+            </a:fillRef>
+            <a:effectRef idx="0">
+              <a:schemeClr val="dk1"/>
+            </a:effectRef>
+            <a:fontRef idx="minor">
+              <a:schemeClr val="lt1"/>
+            </a:fontRef>
+          </p:style>
+          <p:txBody>
+            <a:bodyPr rtlCol="0" anchor="ctr"/>
+            <a:lstStyle/>
+            <a:p>
+              <a:pPr marL="0" marR="0" lvl="0" indent="0" algn="ctr" defTabSz="914400" rtl="0" eaLnBrk="1" fontAlgn="auto" latinLnBrk="0" hangingPunct="1">
+                <a:lnSpc>
+                  <a:spcPct val="100000"/>
+                </a:lnSpc>
+                <a:spcBef>
+                  <a:spcPts val="0"/>
+                </a:spcBef>
+                <a:spcAft>
+                  <a:spcPts val="0"/>
+                </a:spcAft>
+                <a:buClrTx/>
+                <a:buSzTx/>
+                <a:buFontTx/>
+                <a:buNone/>
+                <a:tabLst/>
+                <a:defRPr/>
+              </a:pPr>
+              <a:endParaRPr kumimoji="0" lang="en-US" sz="1800" b="0" i="0" u="none" strike="noStrike" kern="1200" cap="none" spc="0" normalizeH="0" baseline="0" noProof="0">
+                <a:ln>
+                  <a:noFill/>
+                </a:ln>
+                <a:solidFill>
+                  <a:prstClr val="white"/>
+                </a:solidFill>
+                <a:effectLst/>
+                <a:uLnTx/>
+                <a:uFillTx/>
+                <a:latin typeface="Calibri"/>
+                <a:ea typeface="+mn-ea"/>
+                <a:cs typeface="+mn-cs"/>
+              </a:endParaRPr>
+            </a:p>
+          </p:txBody>
+        </p:sp>
+        <p:sp>
+          <p:nvSpPr>
+            <p:cNvPr id="144" name="Oval 143">
+              <a:extLst>
+                <a:ext uri="{FF2B5EF4-FFF2-40B4-BE49-F238E27FC236}">
+                  <a16:creationId xmlns:a16="http://schemas.microsoft.com/office/drawing/2014/main" id="{E008A3D1-5DE7-46D7-8663-736912321D94}"/>
+                </a:ext>
+              </a:extLst>
+            </p:cNvPr>
+            <p:cNvSpPr/>
+            <p:nvPr/>
+          </p:nvSpPr>
+          <p:spPr>
+            <a:xfrm flipV="1">
+              <a:off x="1902286" y="3605118"/>
+              <a:ext cx="91440" cy="91440"/>
+            </a:xfrm>
+            <a:prstGeom prst="ellipse">
+              <a:avLst/>
+            </a:prstGeom>
+          </p:spPr>
+          <p:style>
+            <a:lnRef idx="2">
+              <a:schemeClr val="dk1">
+                <a:shade val="50000"/>
+              </a:schemeClr>
+            </a:lnRef>
+            <a:fillRef idx="1">
+              <a:schemeClr val="dk1"/>
+            </a:fillRef>
+            <a:effectRef idx="0">
+              <a:schemeClr val="dk1"/>
+            </a:effectRef>
+            <a:fontRef idx="minor">
+              <a:schemeClr val="lt1"/>
+            </a:fontRef>
+          </p:style>
+          <p:txBody>
+            <a:bodyPr rtlCol="0" anchor="ctr"/>
+            <a:lstStyle/>
+            <a:p>
+              <a:pPr marL="0" marR="0" lvl="0" indent="0" algn="ctr" defTabSz="914400" rtl="0" eaLnBrk="1" fontAlgn="auto" latinLnBrk="0" hangingPunct="1">
+                <a:lnSpc>
+                  <a:spcPct val="100000"/>
+                </a:lnSpc>
+                <a:spcBef>
+                  <a:spcPts val="0"/>
+                </a:spcBef>
+                <a:spcAft>
+                  <a:spcPts val="0"/>
+                </a:spcAft>
+                <a:buClrTx/>
+                <a:buSzTx/>
+                <a:buFontTx/>
+                <a:buNone/>
+                <a:tabLst/>
+                <a:defRPr/>
+              </a:pPr>
+              <a:endParaRPr kumimoji="0" lang="en-US" sz="1800" b="0" i="0" u="none" strike="noStrike" kern="1200" cap="none" spc="0" normalizeH="0" baseline="0" noProof="0">
+                <a:ln>
+                  <a:noFill/>
+                </a:ln>
+                <a:solidFill>
+                  <a:prstClr val="white"/>
+                </a:solidFill>
+                <a:effectLst/>
+                <a:uLnTx/>
+                <a:uFillTx/>
+                <a:latin typeface="Calibri"/>
+                <a:ea typeface="+mn-ea"/>
+                <a:cs typeface="+mn-cs"/>
+              </a:endParaRPr>
+            </a:p>
+          </p:txBody>
+        </p:sp>
+        <p:sp>
+          <p:nvSpPr>
+            <p:cNvPr id="145" name="Oval 144">
+              <a:extLst>
+                <a:ext uri="{FF2B5EF4-FFF2-40B4-BE49-F238E27FC236}">
+                  <a16:creationId xmlns:a16="http://schemas.microsoft.com/office/drawing/2014/main" id="{612F3847-0814-4174-9B42-B35D429F4638}"/>
+                </a:ext>
+              </a:extLst>
+            </p:cNvPr>
+            <p:cNvSpPr/>
+            <p:nvPr/>
+          </p:nvSpPr>
+          <p:spPr>
+            <a:xfrm>
+              <a:off x="705966" y="4734247"/>
+              <a:ext cx="91440" cy="91440"/>
+            </a:xfrm>
+            <a:prstGeom prst="ellipse">
+              <a:avLst/>
+            </a:prstGeom>
+          </p:spPr>
+          <p:style>
+            <a:lnRef idx="2">
+              <a:schemeClr val="dk1">
+                <a:shade val="50000"/>
+              </a:schemeClr>
+            </a:lnRef>
+            <a:fillRef idx="1">
+              <a:schemeClr val="dk1"/>
+            </a:fillRef>
+            <a:effectRef idx="0">
+              <a:schemeClr val="dk1"/>
+            </a:effectRef>
+            <a:fontRef idx="minor">
+              <a:schemeClr val="lt1"/>
+            </a:fontRef>
+          </p:style>
+          <p:txBody>
+            <a:bodyPr rtlCol="0" anchor="ctr"/>
+            <a:lstStyle/>
+            <a:p>
+              <a:pPr marL="0" marR="0" lvl="0" indent="0" algn="ctr" defTabSz="914400" rtl="0" eaLnBrk="1" fontAlgn="auto" latinLnBrk="0" hangingPunct="1">
+                <a:lnSpc>
+                  <a:spcPct val="100000"/>
+                </a:lnSpc>
+                <a:spcBef>
+                  <a:spcPts val="0"/>
+                </a:spcBef>
+                <a:spcAft>
+                  <a:spcPts val="0"/>
+                </a:spcAft>
+                <a:buClrTx/>
+                <a:buSzTx/>
+                <a:buFontTx/>
+                <a:buNone/>
+                <a:tabLst/>
+                <a:defRPr/>
+              </a:pPr>
+              <a:endParaRPr kumimoji="0" lang="en-US" sz="1800" b="0" i="0" u="none" strike="noStrike" kern="1200" cap="none" spc="0" normalizeH="0" baseline="0" noProof="0">
+                <a:ln>
+                  <a:noFill/>
+                </a:ln>
+                <a:solidFill>
+                  <a:prstClr val="white"/>
+                </a:solidFill>
+                <a:effectLst/>
+                <a:uLnTx/>
+                <a:uFillTx/>
+                <a:latin typeface="Calibri"/>
+                <a:ea typeface="+mn-ea"/>
+                <a:cs typeface="+mn-cs"/>
+              </a:endParaRPr>
+            </a:p>
+          </p:txBody>
+        </p:sp>
+      </p:grpSp>
+      <p:grpSp>
+        <p:nvGrpSpPr>
+          <p:cNvPr id="158" name="Group 157">
+            <a:extLst>
+              <a:ext uri="{FF2B5EF4-FFF2-40B4-BE49-F238E27FC236}">
+                <a16:creationId xmlns:a16="http://schemas.microsoft.com/office/drawing/2014/main" id="{947BE639-5F65-48CD-A27B-C6442F9E9F5D}"/>
+              </a:ext>
+            </a:extLst>
+          </p:cNvPr>
+          <p:cNvGrpSpPr/>
+          <p:nvPr/>
+        </p:nvGrpSpPr>
+        <p:grpSpPr>
+          <a:xfrm flipH="1">
+            <a:off x="5613351" y="3759712"/>
+            <a:ext cx="1850269" cy="2488588"/>
+            <a:chOff x="429892" y="3527592"/>
+            <a:chExt cx="1850269" cy="2488588"/>
+          </a:xfrm>
+        </p:grpSpPr>
+        <p:sp>
+          <p:nvSpPr>
+            <p:cNvPr id="159" name="Rounded Rectangle 3">
+              <a:extLst>
+                <a:ext uri="{FF2B5EF4-FFF2-40B4-BE49-F238E27FC236}">
+                  <a16:creationId xmlns:a16="http://schemas.microsoft.com/office/drawing/2014/main" id="{E034E388-D352-44DE-9643-3881006BBBFA}"/>
+                </a:ext>
+              </a:extLst>
+            </p:cNvPr>
+            <p:cNvSpPr/>
+            <p:nvPr/>
+          </p:nvSpPr>
+          <p:spPr>
+            <a:xfrm rot="2634374">
+              <a:off x="429892" y="5194321"/>
+              <a:ext cx="1847964" cy="228600"/>
+            </a:xfrm>
+            <a:prstGeom prst="roundRect">
+              <a:avLst>
+                <a:gd name="adj" fmla="val 50000"/>
+              </a:avLst>
+            </a:prstGeom>
+          </p:spPr>
+          <p:style>
+            <a:lnRef idx="1">
+              <a:schemeClr val="dk1"/>
+            </a:lnRef>
+            <a:fillRef idx="2">
+              <a:schemeClr val="dk1"/>
+            </a:fillRef>
+            <a:effectRef idx="1">
+              <a:schemeClr val="dk1"/>
+            </a:effectRef>
+            <a:fontRef idx="minor">
+              <a:schemeClr val="dk1"/>
+            </a:fontRef>
+          </p:style>
+          <p:txBody>
+            <a:bodyPr rtlCol="0" anchor="ctr"/>
+            <a:lstStyle/>
+            <a:p>
+              <a:pPr marL="0" marR="0" lvl="0" indent="0" algn="ctr" defTabSz="914400" rtl="0" eaLnBrk="1" fontAlgn="auto" latinLnBrk="0" hangingPunct="1">
+                <a:lnSpc>
+                  <a:spcPct val="100000"/>
+                </a:lnSpc>
+                <a:spcBef>
+                  <a:spcPts val="0"/>
+                </a:spcBef>
+                <a:spcAft>
+                  <a:spcPts val="0"/>
+                </a:spcAft>
+                <a:buClrTx/>
+                <a:buSzTx/>
+                <a:buFontTx/>
+                <a:buNone/>
+                <a:tabLst/>
+                <a:defRPr/>
+              </a:pPr>
+              <a:endParaRPr kumimoji="0" lang="en-US" sz="1800" b="0" i="0" u="none" strike="noStrike" kern="1200" cap="none" spc="0" normalizeH="0" baseline="0" noProof="0">
+                <a:ln>
+                  <a:noFill/>
+                </a:ln>
+                <a:solidFill>
+                  <a:prstClr val="black"/>
+                </a:solidFill>
+                <a:effectLst/>
+                <a:uLnTx/>
+                <a:uFillTx/>
+                <a:latin typeface="Calibri"/>
+                <a:ea typeface="+mn-ea"/>
+                <a:cs typeface="+mn-cs"/>
+              </a:endParaRPr>
+            </a:p>
+          </p:txBody>
+        </p:sp>
+        <p:sp>
+          <p:nvSpPr>
+            <p:cNvPr id="160" name="Rounded Rectangle 3">
+              <a:extLst>
+                <a:ext uri="{FF2B5EF4-FFF2-40B4-BE49-F238E27FC236}">
+                  <a16:creationId xmlns:a16="http://schemas.microsoft.com/office/drawing/2014/main" id="{E38B3D77-AE2C-416B-9E2D-67352E6C1388}"/>
+                </a:ext>
+              </a:extLst>
+            </p:cNvPr>
+            <p:cNvSpPr/>
+            <p:nvPr/>
+          </p:nvSpPr>
+          <p:spPr>
+            <a:xfrm rot="16200000" flipH="1">
+              <a:off x="65886" y="5207913"/>
+              <a:ext cx="1371600" cy="228600"/>
+            </a:xfrm>
+            <a:prstGeom prst="roundRect">
+              <a:avLst>
+                <a:gd name="adj" fmla="val 50000"/>
+              </a:avLst>
+            </a:prstGeom>
+          </p:spPr>
+          <p:style>
+            <a:lnRef idx="1">
+              <a:schemeClr val="dk1"/>
+            </a:lnRef>
+            <a:fillRef idx="2">
+              <a:schemeClr val="dk1"/>
+            </a:fillRef>
+            <a:effectRef idx="1">
+              <a:schemeClr val="dk1"/>
+            </a:effectRef>
+            <a:fontRef idx="minor">
+              <a:schemeClr val="dk1"/>
+            </a:fontRef>
+          </p:style>
+          <p:txBody>
+            <a:bodyPr rtlCol="0" anchor="ctr"/>
+            <a:lstStyle/>
+            <a:p>
+              <a:pPr marL="0" marR="0" lvl="0" indent="0" algn="ctr" defTabSz="914400" rtl="0" eaLnBrk="1" fontAlgn="auto" latinLnBrk="0" hangingPunct="1">
+                <a:lnSpc>
+                  <a:spcPct val="100000"/>
+                </a:lnSpc>
+                <a:spcBef>
+                  <a:spcPts val="0"/>
+                </a:spcBef>
+                <a:spcAft>
+                  <a:spcPts val="0"/>
+                </a:spcAft>
+                <a:buClrTx/>
+                <a:buSzTx/>
+                <a:buFontTx/>
+                <a:buNone/>
+                <a:tabLst/>
+                <a:defRPr/>
+              </a:pPr>
+              <a:endParaRPr kumimoji="0" lang="en-US" sz="1800" b="0" i="0" u="none" strike="noStrike" kern="1200" cap="none" spc="0" normalizeH="0" baseline="0" noProof="0">
+                <a:ln>
+                  <a:noFill/>
+                </a:ln>
+                <a:solidFill>
+                  <a:prstClr val="black"/>
+                </a:solidFill>
+                <a:effectLst/>
+                <a:uLnTx/>
+                <a:uFillTx/>
+                <a:latin typeface="Calibri"/>
+                <a:ea typeface="+mn-ea"/>
+                <a:cs typeface="+mn-cs"/>
+              </a:endParaRPr>
+            </a:p>
+          </p:txBody>
+        </p:sp>
+        <p:sp>
+          <p:nvSpPr>
+            <p:cNvPr id="161" name="Rounded Rectangle 3">
+              <a:extLst>
+                <a:ext uri="{FF2B5EF4-FFF2-40B4-BE49-F238E27FC236}">
+                  <a16:creationId xmlns:a16="http://schemas.microsoft.com/office/drawing/2014/main" id="{CA59C2BE-CC09-42F3-91A6-A41ED60A59EB}"/>
+                </a:ext>
+              </a:extLst>
+            </p:cNvPr>
+            <p:cNvSpPr/>
+            <p:nvPr/>
+          </p:nvSpPr>
+          <p:spPr>
+            <a:xfrm flipH="1">
+              <a:off x="646243" y="5787580"/>
+              <a:ext cx="1442664" cy="228600"/>
+            </a:xfrm>
+            <a:prstGeom prst="roundRect">
+              <a:avLst>
+                <a:gd name="adj" fmla="val 50000"/>
+              </a:avLst>
+            </a:prstGeom>
+          </p:spPr>
+          <p:style>
+            <a:lnRef idx="1">
+              <a:schemeClr val="dk1"/>
+            </a:lnRef>
+            <a:fillRef idx="2">
+              <a:schemeClr val="dk1"/>
+            </a:fillRef>
+            <a:effectRef idx="1">
+              <a:schemeClr val="dk1"/>
+            </a:effectRef>
+            <a:fontRef idx="minor">
+              <a:schemeClr val="dk1"/>
+            </a:fontRef>
+          </p:style>
+          <p:txBody>
+            <a:bodyPr rtlCol="0" anchor="ctr"/>
+            <a:lstStyle/>
+            <a:p>
+              <a:pPr marL="0" marR="0" lvl="0" indent="0" algn="ctr" defTabSz="914400" rtl="0" eaLnBrk="1" fontAlgn="auto" latinLnBrk="0" hangingPunct="1">
+                <a:lnSpc>
+                  <a:spcPct val="100000"/>
+                </a:lnSpc>
+                <a:spcBef>
+                  <a:spcPts val="0"/>
+                </a:spcBef>
+                <a:spcAft>
+                  <a:spcPts val="0"/>
+                </a:spcAft>
+                <a:buClrTx/>
+                <a:buSzTx/>
+                <a:buFontTx/>
+                <a:buNone/>
+                <a:tabLst/>
+                <a:defRPr/>
+              </a:pPr>
+              <a:endParaRPr kumimoji="0" lang="en-US" sz="1800" b="0" i="0" u="none" strike="noStrike" kern="1200" cap="none" spc="0" normalizeH="0" baseline="0" noProof="0">
+                <a:ln>
+                  <a:noFill/>
+                </a:ln>
+                <a:solidFill>
+                  <a:prstClr val="black"/>
+                </a:solidFill>
+                <a:effectLst/>
+                <a:uLnTx/>
+                <a:uFillTx/>
+                <a:latin typeface="Calibri"/>
+                <a:ea typeface="+mn-ea"/>
+                <a:cs typeface="+mn-cs"/>
+              </a:endParaRPr>
+            </a:p>
+          </p:txBody>
+        </p:sp>
+        <p:sp>
+          <p:nvSpPr>
+            <p:cNvPr id="162" name="Oval 161">
+              <a:extLst>
+                <a:ext uri="{FF2B5EF4-FFF2-40B4-BE49-F238E27FC236}">
+                  <a16:creationId xmlns:a16="http://schemas.microsoft.com/office/drawing/2014/main" id="{38315C7A-8718-4498-AB73-99926CDBC21E}"/>
+                </a:ext>
+              </a:extLst>
+            </p:cNvPr>
+            <p:cNvSpPr/>
+            <p:nvPr/>
+          </p:nvSpPr>
+          <p:spPr>
+            <a:xfrm>
+              <a:off x="705966" y="5857153"/>
+              <a:ext cx="91440" cy="91440"/>
+            </a:xfrm>
+            <a:prstGeom prst="ellipse">
+              <a:avLst/>
+            </a:prstGeom>
+          </p:spPr>
+          <p:style>
+            <a:lnRef idx="2">
+              <a:schemeClr val="dk1">
+                <a:shade val="50000"/>
+              </a:schemeClr>
+            </a:lnRef>
+            <a:fillRef idx="1">
+              <a:schemeClr val="dk1"/>
+            </a:fillRef>
+            <a:effectRef idx="0">
+              <a:schemeClr val="dk1"/>
+            </a:effectRef>
+            <a:fontRef idx="minor">
+              <a:schemeClr val="lt1"/>
+            </a:fontRef>
+          </p:style>
+          <p:txBody>
+            <a:bodyPr rtlCol="0" anchor="ctr"/>
+            <a:lstStyle/>
+            <a:p>
+              <a:pPr marL="0" marR="0" lvl="0" indent="0" algn="ctr" defTabSz="914400" rtl="0" eaLnBrk="1" fontAlgn="auto" latinLnBrk="0" hangingPunct="1">
+                <a:lnSpc>
+                  <a:spcPct val="100000"/>
+                </a:lnSpc>
+                <a:spcBef>
+                  <a:spcPts val="0"/>
+                </a:spcBef>
+                <a:spcAft>
+                  <a:spcPts val="0"/>
+                </a:spcAft>
+                <a:buClrTx/>
+                <a:buSzTx/>
+                <a:buFontTx/>
+                <a:buNone/>
+                <a:tabLst/>
+                <a:defRPr/>
+              </a:pPr>
+              <a:endParaRPr kumimoji="0" lang="en-US" sz="1800" b="0" i="0" u="none" strike="noStrike" kern="1200" cap="none" spc="0" normalizeH="0" baseline="0" noProof="0">
+                <a:ln>
+                  <a:noFill/>
+                </a:ln>
+                <a:solidFill>
+                  <a:prstClr val="white"/>
+                </a:solidFill>
+                <a:effectLst/>
+                <a:uLnTx/>
+                <a:uFillTx/>
+                <a:latin typeface="Calibri"/>
+                <a:ea typeface="+mn-ea"/>
+                <a:cs typeface="+mn-cs"/>
+              </a:endParaRPr>
+            </a:p>
+          </p:txBody>
+        </p:sp>
+        <p:sp>
+          <p:nvSpPr>
+            <p:cNvPr id="163" name="Oval 162">
+              <a:extLst>
+                <a:ext uri="{FF2B5EF4-FFF2-40B4-BE49-F238E27FC236}">
+                  <a16:creationId xmlns:a16="http://schemas.microsoft.com/office/drawing/2014/main" id="{8AC52497-F82F-4DC1-81BA-49FAD7278A39}"/>
+                </a:ext>
+              </a:extLst>
+            </p:cNvPr>
+            <p:cNvSpPr/>
+            <p:nvPr/>
+          </p:nvSpPr>
+          <p:spPr>
+            <a:xfrm>
+              <a:off x="1899981" y="5867092"/>
+              <a:ext cx="91440" cy="91440"/>
+            </a:xfrm>
+            <a:prstGeom prst="ellipse">
+              <a:avLst/>
+            </a:prstGeom>
+          </p:spPr>
+          <p:style>
+            <a:lnRef idx="2">
+              <a:schemeClr val="dk1">
+                <a:shade val="50000"/>
+              </a:schemeClr>
+            </a:lnRef>
+            <a:fillRef idx="1">
+              <a:schemeClr val="dk1"/>
+            </a:fillRef>
+            <a:effectRef idx="0">
+              <a:schemeClr val="dk1"/>
+            </a:effectRef>
+            <a:fontRef idx="minor">
+              <a:schemeClr val="lt1"/>
+            </a:fontRef>
+          </p:style>
+          <p:txBody>
+            <a:bodyPr rtlCol="0" anchor="ctr"/>
+            <a:lstStyle/>
+            <a:p>
+              <a:pPr marL="0" marR="0" lvl="0" indent="0" algn="ctr" defTabSz="914400" rtl="0" eaLnBrk="1" fontAlgn="auto" latinLnBrk="0" hangingPunct="1">
+                <a:lnSpc>
+                  <a:spcPct val="100000"/>
+                </a:lnSpc>
+                <a:spcBef>
+                  <a:spcPts val="0"/>
+                </a:spcBef>
+                <a:spcAft>
+                  <a:spcPts val="0"/>
+                </a:spcAft>
+                <a:buClrTx/>
+                <a:buSzTx/>
+                <a:buFontTx/>
+                <a:buNone/>
+                <a:tabLst/>
+                <a:defRPr/>
+              </a:pPr>
+              <a:endParaRPr kumimoji="0" lang="en-US" sz="1800" b="0" i="0" u="none" strike="noStrike" kern="1200" cap="none" spc="0" normalizeH="0" baseline="0" noProof="0">
+                <a:ln>
+                  <a:noFill/>
+                </a:ln>
+                <a:solidFill>
+                  <a:prstClr val="white"/>
+                </a:solidFill>
+                <a:effectLst/>
+                <a:uLnTx/>
+                <a:uFillTx/>
+                <a:latin typeface="Calibri"/>
+                <a:ea typeface="+mn-ea"/>
+                <a:cs typeface="+mn-cs"/>
+              </a:endParaRPr>
+            </a:p>
+          </p:txBody>
+        </p:sp>
+        <p:sp>
+          <p:nvSpPr>
+            <p:cNvPr id="164" name="Rounded Rectangle 3">
+              <a:extLst>
+                <a:ext uri="{FF2B5EF4-FFF2-40B4-BE49-F238E27FC236}">
+                  <a16:creationId xmlns:a16="http://schemas.microsoft.com/office/drawing/2014/main" id="{2681C9BA-EAAB-434A-966F-FF518B91F366}"/>
+                </a:ext>
+              </a:extLst>
+            </p:cNvPr>
+            <p:cNvSpPr/>
+            <p:nvPr/>
+          </p:nvSpPr>
+          <p:spPr>
+            <a:xfrm rot="18965626" flipV="1">
+              <a:off x="432197" y="4120851"/>
+              <a:ext cx="1847964" cy="228600"/>
+            </a:xfrm>
+            <a:prstGeom prst="roundRect">
+              <a:avLst>
+                <a:gd name="adj" fmla="val 50000"/>
+              </a:avLst>
+            </a:prstGeom>
+          </p:spPr>
+          <p:style>
+            <a:lnRef idx="1">
+              <a:schemeClr val="dk1"/>
+            </a:lnRef>
+            <a:fillRef idx="2">
+              <a:schemeClr val="dk1"/>
+            </a:fillRef>
+            <a:effectRef idx="1">
+              <a:schemeClr val="dk1"/>
+            </a:effectRef>
+            <a:fontRef idx="minor">
+              <a:schemeClr val="dk1"/>
+            </a:fontRef>
+          </p:style>
+          <p:txBody>
+            <a:bodyPr rtlCol="0" anchor="ctr"/>
+            <a:lstStyle/>
+            <a:p>
+              <a:pPr marL="0" marR="0" lvl="0" indent="0" algn="ctr" defTabSz="914400" rtl="0" eaLnBrk="1" fontAlgn="auto" latinLnBrk="0" hangingPunct="1">
+                <a:lnSpc>
+                  <a:spcPct val="100000"/>
+                </a:lnSpc>
+                <a:spcBef>
+                  <a:spcPts val="0"/>
+                </a:spcBef>
+                <a:spcAft>
+                  <a:spcPts val="0"/>
+                </a:spcAft>
+                <a:buClrTx/>
+                <a:buSzTx/>
+                <a:buFontTx/>
+                <a:buNone/>
+                <a:tabLst/>
+                <a:defRPr/>
+              </a:pPr>
+              <a:endParaRPr kumimoji="0" lang="en-US" sz="1800" b="0" i="0" u="none" strike="noStrike" kern="1200" cap="none" spc="0" normalizeH="0" baseline="0" noProof="0">
+                <a:ln>
+                  <a:noFill/>
+                </a:ln>
+                <a:solidFill>
+                  <a:prstClr val="black"/>
+                </a:solidFill>
+                <a:effectLst/>
+                <a:uLnTx/>
+                <a:uFillTx/>
+                <a:latin typeface="Calibri"/>
+                <a:ea typeface="+mn-ea"/>
+                <a:cs typeface="+mn-cs"/>
+              </a:endParaRPr>
+            </a:p>
+          </p:txBody>
+        </p:sp>
+        <p:sp>
+          <p:nvSpPr>
+            <p:cNvPr id="165" name="Rounded Rectangle 3">
+              <a:extLst>
+                <a:ext uri="{FF2B5EF4-FFF2-40B4-BE49-F238E27FC236}">
+                  <a16:creationId xmlns:a16="http://schemas.microsoft.com/office/drawing/2014/main" id="{479ABD2E-D8EB-4B56-9564-7BD58B5F4E23}"/>
+                </a:ext>
+              </a:extLst>
+            </p:cNvPr>
+            <p:cNvSpPr/>
+            <p:nvPr/>
+          </p:nvSpPr>
+          <p:spPr>
+            <a:xfrm rot="5400000" flipH="1" flipV="1">
+              <a:off x="65886" y="4107259"/>
+              <a:ext cx="1371600" cy="228600"/>
+            </a:xfrm>
+            <a:prstGeom prst="roundRect">
+              <a:avLst>
+                <a:gd name="adj" fmla="val 50000"/>
+              </a:avLst>
+            </a:prstGeom>
+          </p:spPr>
+          <p:style>
+            <a:lnRef idx="1">
+              <a:schemeClr val="dk1"/>
+            </a:lnRef>
+            <a:fillRef idx="2">
+              <a:schemeClr val="dk1"/>
+            </a:fillRef>
+            <a:effectRef idx="1">
+              <a:schemeClr val="dk1"/>
+            </a:effectRef>
+            <a:fontRef idx="minor">
+              <a:schemeClr val="dk1"/>
+            </a:fontRef>
+          </p:style>
+          <p:txBody>
+            <a:bodyPr rtlCol="0" anchor="ctr"/>
+            <a:lstStyle/>
+            <a:p>
+              <a:pPr marL="0" marR="0" lvl="0" indent="0" algn="ctr" defTabSz="914400" rtl="0" eaLnBrk="1" fontAlgn="auto" latinLnBrk="0" hangingPunct="1">
+                <a:lnSpc>
+                  <a:spcPct val="100000"/>
+                </a:lnSpc>
+                <a:spcBef>
+                  <a:spcPts val="0"/>
+                </a:spcBef>
+                <a:spcAft>
+                  <a:spcPts val="0"/>
+                </a:spcAft>
+                <a:buClrTx/>
+                <a:buSzTx/>
+                <a:buFontTx/>
+                <a:buNone/>
+                <a:tabLst/>
+                <a:defRPr/>
+              </a:pPr>
+              <a:endParaRPr kumimoji="0" lang="en-US" sz="1800" b="0" i="0" u="none" strike="noStrike" kern="1200" cap="none" spc="0" normalizeH="0" baseline="0" noProof="0">
+                <a:ln>
+                  <a:noFill/>
+                </a:ln>
+                <a:solidFill>
+                  <a:prstClr val="black"/>
+                </a:solidFill>
+                <a:effectLst/>
+                <a:uLnTx/>
+                <a:uFillTx/>
+                <a:latin typeface="Calibri"/>
+                <a:ea typeface="+mn-ea"/>
+                <a:cs typeface="+mn-cs"/>
+              </a:endParaRPr>
+            </a:p>
+          </p:txBody>
+        </p:sp>
+        <p:sp>
+          <p:nvSpPr>
+            <p:cNvPr id="166" name="Rounded Rectangle 3">
+              <a:extLst>
+                <a:ext uri="{FF2B5EF4-FFF2-40B4-BE49-F238E27FC236}">
+                  <a16:creationId xmlns:a16="http://schemas.microsoft.com/office/drawing/2014/main" id="{ACDF8A57-1EA2-4017-BBE7-7B927332D072}"/>
+                </a:ext>
+              </a:extLst>
+            </p:cNvPr>
+            <p:cNvSpPr/>
+            <p:nvPr/>
+          </p:nvSpPr>
+          <p:spPr>
+            <a:xfrm flipH="1" flipV="1">
+              <a:off x="648548" y="3527592"/>
+              <a:ext cx="1442664" cy="228600"/>
+            </a:xfrm>
+            <a:prstGeom prst="roundRect">
+              <a:avLst>
+                <a:gd name="adj" fmla="val 50000"/>
+              </a:avLst>
+            </a:prstGeom>
+          </p:spPr>
+          <p:style>
+            <a:lnRef idx="1">
+              <a:schemeClr val="dk1"/>
+            </a:lnRef>
+            <a:fillRef idx="2">
+              <a:schemeClr val="dk1"/>
+            </a:fillRef>
+            <a:effectRef idx="1">
+              <a:schemeClr val="dk1"/>
+            </a:effectRef>
+            <a:fontRef idx="minor">
+              <a:schemeClr val="dk1"/>
+            </a:fontRef>
+          </p:style>
+          <p:txBody>
+            <a:bodyPr rtlCol="0" anchor="ctr"/>
+            <a:lstStyle/>
+            <a:p>
+              <a:pPr marL="0" marR="0" lvl="0" indent="0" algn="ctr" defTabSz="914400" rtl="0" eaLnBrk="1" fontAlgn="auto" latinLnBrk="0" hangingPunct="1">
+                <a:lnSpc>
+                  <a:spcPct val="100000"/>
+                </a:lnSpc>
+                <a:spcBef>
+                  <a:spcPts val="0"/>
+                </a:spcBef>
+                <a:spcAft>
+                  <a:spcPts val="0"/>
+                </a:spcAft>
+                <a:buClrTx/>
+                <a:buSzTx/>
+                <a:buFontTx/>
+                <a:buNone/>
+                <a:tabLst/>
+                <a:defRPr/>
+              </a:pPr>
+              <a:endParaRPr kumimoji="0" lang="en-US" sz="1800" b="0" i="0" u="none" strike="noStrike" kern="1200" cap="none" spc="0" normalizeH="0" baseline="0" noProof="0">
+                <a:ln>
+                  <a:noFill/>
+                </a:ln>
+                <a:solidFill>
+                  <a:prstClr val="black"/>
+                </a:solidFill>
+                <a:effectLst/>
+                <a:uLnTx/>
+                <a:uFillTx/>
+                <a:latin typeface="Calibri"/>
+                <a:ea typeface="+mn-ea"/>
+                <a:cs typeface="+mn-cs"/>
+              </a:endParaRPr>
+            </a:p>
+          </p:txBody>
+        </p:sp>
+        <p:sp>
+          <p:nvSpPr>
+            <p:cNvPr id="167" name="Oval 166">
+              <a:extLst>
+                <a:ext uri="{FF2B5EF4-FFF2-40B4-BE49-F238E27FC236}">
+                  <a16:creationId xmlns:a16="http://schemas.microsoft.com/office/drawing/2014/main" id="{2D0A3FEC-A794-4073-B943-02E5066360DC}"/>
+                </a:ext>
+              </a:extLst>
+            </p:cNvPr>
+            <p:cNvSpPr/>
+            <p:nvPr/>
+          </p:nvSpPr>
+          <p:spPr>
+            <a:xfrm flipV="1">
+              <a:off x="705966" y="3605118"/>
+              <a:ext cx="91440" cy="91440"/>
+            </a:xfrm>
+            <a:prstGeom prst="ellipse">
+              <a:avLst/>
+            </a:prstGeom>
+          </p:spPr>
+          <p:style>
+            <a:lnRef idx="2">
+              <a:schemeClr val="dk1">
+                <a:shade val="50000"/>
+              </a:schemeClr>
+            </a:lnRef>
+            <a:fillRef idx="1">
+              <a:schemeClr val="dk1"/>
+            </a:fillRef>
+            <a:effectRef idx="0">
+              <a:schemeClr val="dk1"/>
+            </a:effectRef>
+            <a:fontRef idx="minor">
+              <a:schemeClr val="lt1"/>
+            </a:fontRef>
+          </p:style>
+          <p:txBody>
+            <a:bodyPr rtlCol="0" anchor="ctr"/>
+            <a:lstStyle/>
+            <a:p>
+              <a:pPr marL="0" marR="0" lvl="0" indent="0" algn="ctr" defTabSz="914400" rtl="0" eaLnBrk="1" fontAlgn="auto" latinLnBrk="0" hangingPunct="1">
+                <a:lnSpc>
+                  <a:spcPct val="100000"/>
+                </a:lnSpc>
+                <a:spcBef>
+                  <a:spcPts val="0"/>
+                </a:spcBef>
+                <a:spcAft>
+                  <a:spcPts val="0"/>
+                </a:spcAft>
+                <a:buClrTx/>
+                <a:buSzTx/>
+                <a:buFontTx/>
+                <a:buNone/>
+                <a:tabLst/>
+                <a:defRPr/>
+              </a:pPr>
+              <a:endParaRPr kumimoji="0" lang="en-US" sz="1800" b="0" i="0" u="none" strike="noStrike" kern="1200" cap="none" spc="0" normalizeH="0" baseline="0" noProof="0">
+                <a:ln>
+                  <a:noFill/>
+                </a:ln>
+                <a:solidFill>
+                  <a:prstClr val="white"/>
+                </a:solidFill>
+                <a:effectLst/>
+                <a:uLnTx/>
+                <a:uFillTx/>
+                <a:latin typeface="Calibri"/>
+                <a:ea typeface="+mn-ea"/>
+                <a:cs typeface="+mn-cs"/>
+              </a:endParaRPr>
+            </a:p>
+          </p:txBody>
+        </p:sp>
+        <p:sp>
+          <p:nvSpPr>
+            <p:cNvPr id="168" name="Oval 167">
+              <a:extLst>
+                <a:ext uri="{FF2B5EF4-FFF2-40B4-BE49-F238E27FC236}">
+                  <a16:creationId xmlns:a16="http://schemas.microsoft.com/office/drawing/2014/main" id="{1CE05C65-9AD1-40C7-8A94-35793A4F7CBA}"/>
+                </a:ext>
+              </a:extLst>
+            </p:cNvPr>
+            <p:cNvSpPr/>
+            <p:nvPr/>
+          </p:nvSpPr>
+          <p:spPr>
+            <a:xfrm flipV="1">
+              <a:off x="1902286" y="3605118"/>
+              <a:ext cx="91440" cy="91440"/>
+            </a:xfrm>
+            <a:prstGeom prst="ellipse">
+              <a:avLst/>
+            </a:prstGeom>
+          </p:spPr>
+          <p:style>
+            <a:lnRef idx="2">
+              <a:schemeClr val="dk1">
+                <a:shade val="50000"/>
+              </a:schemeClr>
+            </a:lnRef>
+            <a:fillRef idx="1">
+              <a:schemeClr val="dk1"/>
+            </a:fillRef>
+            <a:effectRef idx="0">
+              <a:schemeClr val="dk1"/>
+            </a:effectRef>
+            <a:fontRef idx="minor">
+              <a:schemeClr val="lt1"/>
+            </a:fontRef>
+          </p:style>
+          <p:txBody>
+            <a:bodyPr rtlCol="0" anchor="ctr"/>
+            <a:lstStyle/>
+            <a:p>
+              <a:pPr marL="0" marR="0" lvl="0" indent="0" algn="ctr" defTabSz="914400" rtl="0" eaLnBrk="1" fontAlgn="auto" latinLnBrk="0" hangingPunct="1">
+                <a:lnSpc>
+                  <a:spcPct val="100000"/>
+                </a:lnSpc>
+                <a:spcBef>
+                  <a:spcPts val="0"/>
+                </a:spcBef>
+                <a:spcAft>
+                  <a:spcPts val="0"/>
+                </a:spcAft>
+                <a:buClrTx/>
+                <a:buSzTx/>
+                <a:buFontTx/>
+                <a:buNone/>
+                <a:tabLst/>
+                <a:defRPr/>
+              </a:pPr>
+              <a:endParaRPr kumimoji="0" lang="en-US" sz="1800" b="0" i="0" u="none" strike="noStrike" kern="1200" cap="none" spc="0" normalizeH="0" baseline="0" noProof="0">
+                <a:ln>
+                  <a:noFill/>
+                </a:ln>
+                <a:solidFill>
+                  <a:prstClr val="white"/>
+                </a:solidFill>
+                <a:effectLst/>
+                <a:uLnTx/>
+                <a:uFillTx/>
+                <a:latin typeface="Calibri"/>
+                <a:ea typeface="+mn-ea"/>
+                <a:cs typeface="+mn-cs"/>
+              </a:endParaRPr>
+            </a:p>
+          </p:txBody>
+        </p:sp>
+        <p:sp>
+          <p:nvSpPr>
+            <p:cNvPr id="169" name="Oval 168">
+              <a:extLst>
+                <a:ext uri="{FF2B5EF4-FFF2-40B4-BE49-F238E27FC236}">
+                  <a16:creationId xmlns:a16="http://schemas.microsoft.com/office/drawing/2014/main" id="{03C1C2A2-E3EC-4ECC-A598-C28BC4C6DD96}"/>
+                </a:ext>
+              </a:extLst>
+            </p:cNvPr>
+            <p:cNvSpPr/>
+            <p:nvPr/>
+          </p:nvSpPr>
+          <p:spPr>
+            <a:xfrm>
+              <a:off x="705966" y="4734247"/>
+              <a:ext cx="91440" cy="91440"/>
+            </a:xfrm>
+            <a:prstGeom prst="ellipse">
+              <a:avLst/>
+            </a:prstGeom>
+          </p:spPr>
+          <p:style>
+            <a:lnRef idx="2">
+              <a:schemeClr val="dk1">
+                <a:shade val="50000"/>
+              </a:schemeClr>
+            </a:lnRef>
+            <a:fillRef idx="1">
+              <a:schemeClr val="dk1"/>
+            </a:fillRef>
+            <a:effectRef idx="0">
+              <a:schemeClr val="dk1"/>
+            </a:effectRef>
+            <a:fontRef idx="minor">
+              <a:schemeClr val="lt1"/>
+            </a:fontRef>
+          </p:style>
+          <p:txBody>
+            <a:bodyPr rtlCol="0" anchor="ctr"/>
+            <a:lstStyle/>
+            <a:p>
+              <a:pPr marL="0" marR="0" lvl="0" indent="0" algn="ctr" defTabSz="914400" rtl="0" eaLnBrk="1" fontAlgn="auto" latinLnBrk="0" hangingPunct="1">
+                <a:lnSpc>
+                  <a:spcPct val="100000"/>
+                </a:lnSpc>
+                <a:spcBef>
+                  <a:spcPts val="0"/>
+                </a:spcBef>
+                <a:spcAft>
+                  <a:spcPts val="0"/>
+                </a:spcAft>
+                <a:buClrTx/>
+                <a:buSzTx/>
+                <a:buFontTx/>
+                <a:buNone/>
+                <a:tabLst/>
+                <a:defRPr/>
+              </a:pPr>
+              <a:endParaRPr kumimoji="0" lang="en-US" sz="1800" b="0" i="0" u="none" strike="noStrike" kern="1200" cap="none" spc="0" normalizeH="0" baseline="0" noProof="0">
+                <a:ln>
+                  <a:noFill/>
+                </a:ln>
+                <a:solidFill>
+                  <a:prstClr val="white"/>
+                </a:solidFill>
+                <a:effectLst/>
+                <a:uLnTx/>
+                <a:uFillTx/>
+                <a:latin typeface="Calibri"/>
+                <a:ea typeface="+mn-ea"/>
+                <a:cs typeface="+mn-cs"/>
+              </a:endParaRPr>
+            </a:p>
+          </p:txBody>
+        </p:sp>
+      </p:grpSp>
+      <p:grpSp>
+        <p:nvGrpSpPr>
+          <p:cNvPr id="170" name="Group 169">
+            <a:extLst>
+              <a:ext uri="{FF2B5EF4-FFF2-40B4-BE49-F238E27FC236}">
+                <a16:creationId xmlns:a16="http://schemas.microsoft.com/office/drawing/2014/main" id="{C0C60647-DEE1-4CF8-824D-C722FAF472A4}"/>
+              </a:ext>
+            </a:extLst>
+          </p:cNvPr>
+          <p:cNvGrpSpPr/>
+          <p:nvPr/>
+        </p:nvGrpSpPr>
+        <p:grpSpPr>
+          <a:xfrm flipH="1">
+            <a:off x="4422749" y="3749876"/>
+            <a:ext cx="1850269" cy="2488588"/>
+            <a:chOff x="429892" y="3527592"/>
+            <a:chExt cx="1850269" cy="2488588"/>
+          </a:xfrm>
+        </p:grpSpPr>
+        <p:sp>
+          <p:nvSpPr>
+            <p:cNvPr id="171" name="Rounded Rectangle 3">
+              <a:extLst>
+                <a:ext uri="{FF2B5EF4-FFF2-40B4-BE49-F238E27FC236}">
+                  <a16:creationId xmlns:a16="http://schemas.microsoft.com/office/drawing/2014/main" id="{2D9F400A-4231-4FD2-9A14-798EBB8F73F8}"/>
+                </a:ext>
+              </a:extLst>
+            </p:cNvPr>
+            <p:cNvSpPr/>
+            <p:nvPr/>
+          </p:nvSpPr>
+          <p:spPr>
+            <a:xfrm rot="2634374">
+              <a:off x="429892" y="5194321"/>
+              <a:ext cx="1847964" cy="228600"/>
+            </a:xfrm>
+            <a:prstGeom prst="roundRect">
+              <a:avLst>
+                <a:gd name="adj" fmla="val 50000"/>
+              </a:avLst>
+            </a:prstGeom>
+          </p:spPr>
+          <p:style>
+            <a:lnRef idx="1">
+              <a:schemeClr val="dk1"/>
+            </a:lnRef>
+            <a:fillRef idx="2">
+              <a:schemeClr val="dk1"/>
+            </a:fillRef>
+            <a:effectRef idx="1">
+              <a:schemeClr val="dk1"/>
+            </a:effectRef>
+            <a:fontRef idx="minor">
+              <a:schemeClr val="dk1"/>
+            </a:fontRef>
+          </p:style>
+          <p:txBody>
+            <a:bodyPr rtlCol="0" anchor="ctr"/>
+            <a:lstStyle/>
+            <a:p>
+              <a:pPr marL="0" marR="0" lvl="0" indent="0" algn="ctr" defTabSz="914400" rtl="0" eaLnBrk="1" fontAlgn="auto" latinLnBrk="0" hangingPunct="1">
+                <a:lnSpc>
+                  <a:spcPct val="100000"/>
+                </a:lnSpc>
+                <a:spcBef>
+                  <a:spcPts val="0"/>
+                </a:spcBef>
+                <a:spcAft>
+                  <a:spcPts val="0"/>
+                </a:spcAft>
+                <a:buClrTx/>
+                <a:buSzTx/>
+                <a:buFontTx/>
+                <a:buNone/>
+                <a:tabLst/>
+                <a:defRPr/>
+              </a:pPr>
+              <a:endParaRPr kumimoji="0" lang="en-US" sz="1800" b="0" i="0" u="none" strike="noStrike" kern="1200" cap="none" spc="0" normalizeH="0" baseline="0" noProof="0">
+                <a:ln>
+                  <a:noFill/>
+                </a:ln>
+                <a:solidFill>
+                  <a:prstClr val="black"/>
+                </a:solidFill>
+                <a:effectLst/>
+                <a:uLnTx/>
+                <a:uFillTx/>
+                <a:latin typeface="Calibri"/>
+                <a:ea typeface="+mn-ea"/>
+                <a:cs typeface="+mn-cs"/>
+              </a:endParaRPr>
+            </a:p>
+          </p:txBody>
+        </p:sp>
+        <p:sp>
+          <p:nvSpPr>
+            <p:cNvPr id="172" name="Rounded Rectangle 3">
+              <a:extLst>
+                <a:ext uri="{FF2B5EF4-FFF2-40B4-BE49-F238E27FC236}">
+                  <a16:creationId xmlns:a16="http://schemas.microsoft.com/office/drawing/2014/main" id="{4ED378FE-AC7C-4564-AE07-E940116206CD}"/>
+                </a:ext>
+              </a:extLst>
+            </p:cNvPr>
+            <p:cNvSpPr/>
+            <p:nvPr/>
+          </p:nvSpPr>
+          <p:spPr>
+            <a:xfrm rot="16200000" flipH="1">
+              <a:off x="65886" y="5207913"/>
+              <a:ext cx="1371600" cy="228600"/>
+            </a:xfrm>
+            <a:prstGeom prst="roundRect">
+              <a:avLst>
+                <a:gd name="adj" fmla="val 50000"/>
+              </a:avLst>
+            </a:prstGeom>
+          </p:spPr>
+          <p:style>
+            <a:lnRef idx="1">
+              <a:schemeClr val="dk1"/>
+            </a:lnRef>
+            <a:fillRef idx="2">
+              <a:schemeClr val="dk1"/>
+            </a:fillRef>
+            <a:effectRef idx="1">
+              <a:schemeClr val="dk1"/>
+            </a:effectRef>
+            <a:fontRef idx="minor">
+              <a:schemeClr val="dk1"/>
+            </a:fontRef>
+          </p:style>
+          <p:txBody>
+            <a:bodyPr rtlCol="0" anchor="ctr"/>
+            <a:lstStyle/>
+            <a:p>
+              <a:pPr marL="0" marR="0" lvl="0" indent="0" algn="ctr" defTabSz="914400" rtl="0" eaLnBrk="1" fontAlgn="auto" latinLnBrk="0" hangingPunct="1">
+                <a:lnSpc>
+                  <a:spcPct val="100000"/>
+                </a:lnSpc>
+                <a:spcBef>
+                  <a:spcPts val="0"/>
+                </a:spcBef>
+                <a:spcAft>
+                  <a:spcPts val="0"/>
+                </a:spcAft>
+                <a:buClrTx/>
+                <a:buSzTx/>
+                <a:buFontTx/>
+                <a:buNone/>
+                <a:tabLst/>
+                <a:defRPr/>
+              </a:pPr>
+              <a:endParaRPr kumimoji="0" lang="en-US" sz="1800" b="0" i="0" u="none" strike="noStrike" kern="1200" cap="none" spc="0" normalizeH="0" baseline="0" noProof="0">
+                <a:ln>
+                  <a:noFill/>
+                </a:ln>
+                <a:solidFill>
+                  <a:prstClr val="black"/>
+                </a:solidFill>
+                <a:effectLst/>
+                <a:uLnTx/>
+                <a:uFillTx/>
+                <a:latin typeface="Calibri"/>
+                <a:ea typeface="+mn-ea"/>
+                <a:cs typeface="+mn-cs"/>
+              </a:endParaRPr>
+            </a:p>
+          </p:txBody>
+        </p:sp>
+        <p:sp>
+          <p:nvSpPr>
+            <p:cNvPr id="173" name="Rounded Rectangle 3">
+              <a:extLst>
+                <a:ext uri="{FF2B5EF4-FFF2-40B4-BE49-F238E27FC236}">
+                  <a16:creationId xmlns:a16="http://schemas.microsoft.com/office/drawing/2014/main" id="{954CFFCE-ACBC-46E7-B948-28CDFF39D8A5}"/>
+                </a:ext>
+              </a:extLst>
+            </p:cNvPr>
+            <p:cNvSpPr/>
+            <p:nvPr/>
+          </p:nvSpPr>
+          <p:spPr>
+            <a:xfrm flipH="1">
+              <a:off x="646243" y="5787580"/>
+              <a:ext cx="1442664" cy="228600"/>
+            </a:xfrm>
+            <a:prstGeom prst="roundRect">
+              <a:avLst>
+                <a:gd name="adj" fmla="val 50000"/>
+              </a:avLst>
+            </a:prstGeom>
+          </p:spPr>
+          <p:style>
+            <a:lnRef idx="1">
+              <a:schemeClr val="dk1"/>
+            </a:lnRef>
+            <a:fillRef idx="2">
+              <a:schemeClr val="dk1"/>
+            </a:fillRef>
+            <a:effectRef idx="1">
+              <a:schemeClr val="dk1"/>
+            </a:effectRef>
+            <a:fontRef idx="minor">
+              <a:schemeClr val="dk1"/>
+            </a:fontRef>
+          </p:style>
+          <p:txBody>
+            <a:bodyPr rtlCol="0" anchor="ctr"/>
+            <a:lstStyle/>
+            <a:p>
+              <a:pPr marL="0" marR="0" lvl="0" indent="0" algn="ctr" defTabSz="914400" rtl="0" eaLnBrk="1" fontAlgn="auto" latinLnBrk="0" hangingPunct="1">
+                <a:lnSpc>
+                  <a:spcPct val="100000"/>
+                </a:lnSpc>
+                <a:spcBef>
+                  <a:spcPts val="0"/>
+                </a:spcBef>
+                <a:spcAft>
+                  <a:spcPts val="0"/>
+                </a:spcAft>
+                <a:buClrTx/>
+                <a:buSzTx/>
+                <a:buFontTx/>
+                <a:buNone/>
+                <a:tabLst/>
+                <a:defRPr/>
+              </a:pPr>
+              <a:endParaRPr kumimoji="0" lang="en-US" sz="1800" b="0" i="0" u="none" strike="noStrike" kern="1200" cap="none" spc="0" normalizeH="0" baseline="0" noProof="0">
+                <a:ln>
+                  <a:noFill/>
+                </a:ln>
+                <a:solidFill>
+                  <a:prstClr val="black"/>
+                </a:solidFill>
+                <a:effectLst/>
+                <a:uLnTx/>
+                <a:uFillTx/>
+                <a:latin typeface="Calibri"/>
+                <a:ea typeface="+mn-ea"/>
+                <a:cs typeface="+mn-cs"/>
+              </a:endParaRPr>
+            </a:p>
+          </p:txBody>
+        </p:sp>
+        <p:sp>
+          <p:nvSpPr>
+            <p:cNvPr id="174" name="Oval 173">
+              <a:extLst>
+                <a:ext uri="{FF2B5EF4-FFF2-40B4-BE49-F238E27FC236}">
+                  <a16:creationId xmlns:a16="http://schemas.microsoft.com/office/drawing/2014/main" id="{06C8878B-FC35-494F-B4BB-3ED58C6E208F}"/>
+                </a:ext>
+              </a:extLst>
+            </p:cNvPr>
+            <p:cNvSpPr/>
+            <p:nvPr/>
+          </p:nvSpPr>
+          <p:spPr>
+            <a:xfrm>
+              <a:off x="705966" y="5857153"/>
+              <a:ext cx="91440" cy="91440"/>
+            </a:xfrm>
+            <a:prstGeom prst="ellipse">
+              <a:avLst/>
+            </a:prstGeom>
+          </p:spPr>
+          <p:style>
+            <a:lnRef idx="2">
+              <a:schemeClr val="dk1">
+                <a:shade val="50000"/>
+              </a:schemeClr>
+            </a:lnRef>
+            <a:fillRef idx="1">
+              <a:schemeClr val="dk1"/>
+            </a:fillRef>
+            <a:effectRef idx="0">
+              <a:schemeClr val="dk1"/>
+            </a:effectRef>
+            <a:fontRef idx="minor">
+              <a:schemeClr val="lt1"/>
+            </a:fontRef>
+          </p:style>
+          <p:txBody>
+            <a:bodyPr rtlCol="0" anchor="ctr"/>
+            <a:lstStyle/>
+            <a:p>
+              <a:pPr marL="0" marR="0" lvl="0" indent="0" algn="ctr" defTabSz="914400" rtl="0" eaLnBrk="1" fontAlgn="auto" latinLnBrk="0" hangingPunct="1">
+                <a:lnSpc>
+                  <a:spcPct val="100000"/>
+                </a:lnSpc>
+                <a:spcBef>
+                  <a:spcPts val="0"/>
+                </a:spcBef>
+                <a:spcAft>
+                  <a:spcPts val="0"/>
+                </a:spcAft>
+                <a:buClrTx/>
+                <a:buSzTx/>
+                <a:buFontTx/>
+                <a:buNone/>
+                <a:tabLst/>
+                <a:defRPr/>
+              </a:pPr>
+              <a:endParaRPr kumimoji="0" lang="en-US" sz="1800" b="0" i="0" u="none" strike="noStrike" kern="1200" cap="none" spc="0" normalizeH="0" baseline="0" noProof="0">
+                <a:ln>
+                  <a:noFill/>
+                </a:ln>
+                <a:solidFill>
+                  <a:prstClr val="white"/>
+                </a:solidFill>
+                <a:effectLst/>
+                <a:uLnTx/>
+                <a:uFillTx/>
+                <a:latin typeface="Calibri"/>
+                <a:ea typeface="+mn-ea"/>
+                <a:cs typeface="+mn-cs"/>
+              </a:endParaRPr>
+            </a:p>
+          </p:txBody>
+        </p:sp>
+        <p:sp>
+          <p:nvSpPr>
+            <p:cNvPr id="175" name="Oval 174">
+              <a:extLst>
+                <a:ext uri="{FF2B5EF4-FFF2-40B4-BE49-F238E27FC236}">
+                  <a16:creationId xmlns:a16="http://schemas.microsoft.com/office/drawing/2014/main" id="{CD8945B7-25DF-4DB1-AC92-B1F492B0DE6F}"/>
+                </a:ext>
+              </a:extLst>
+            </p:cNvPr>
+            <p:cNvSpPr/>
+            <p:nvPr/>
+          </p:nvSpPr>
+          <p:spPr>
+            <a:xfrm>
+              <a:off x="1899981" y="5867092"/>
+              <a:ext cx="91440" cy="91440"/>
+            </a:xfrm>
+            <a:prstGeom prst="ellipse">
+              <a:avLst/>
+            </a:prstGeom>
+          </p:spPr>
+          <p:style>
+            <a:lnRef idx="2">
+              <a:schemeClr val="dk1">
+                <a:shade val="50000"/>
+              </a:schemeClr>
+            </a:lnRef>
+            <a:fillRef idx="1">
+              <a:schemeClr val="dk1"/>
+            </a:fillRef>
+            <a:effectRef idx="0">
+              <a:schemeClr val="dk1"/>
+            </a:effectRef>
+            <a:fontRef idx="minor">
+              <a:schemeClr val="lt1"/>
+            </a:fontRef>
+          </p:style>
+          <p:txBody>
+            <a:bodyPr rtlCol="0" anchor="ctr"/>
+            <a:lstStyle/>
+            <a:p>
+              <a:pPr marL="0" marR="0" lvl="0" indent="0" algn="ctr" defTabSz="914400" rtl="0" eaLnBrk="1" fontAlgn="auto" latinLnBrk="0" hangingPunct="1">
+                <a:lnSpc>
+                  <a:spcPct val="100000"/>
+                </a:lnSpc>
+                <a:spcBef>
+                  <a:spcPts val="0"/>
+                </a:spcBef>
+                <a:spcAft>
+                  <a:spcPts val="0"/>
+                </a:spcAft>
+                <a:buClrTx/>
+                <a:buSzTx/>
+                <a:buFontTx/>
+                <a:buNone/>
+                <a:tabLst/>
+                <a:defRPr/>
+              </a:pPr>
+              <a:endParaRPr kumimoji="0" lang="en-US" sz="1800" b="0" i="0" u="none" strike="noStrike" kern="1200" cap="none" spc="0" normalizeH="0" baseline="0" noProof="0">
+                <a:ln>
+                  <a:noFill/>
+                </a:ln>
+                <a:solidFill>
+                  <a:prstClr val="white"/>
+                </a:solidFill>
+                <a:effectLst/>
+                <a:uLnTx/>
+                <a:uFillTx/>
+                <a:latin typeface="Calibri"/>
+                <a:ea typeface="+mn-ea"/>
+                <a:cs typeface="+mn-cs"/>
+              </a:endParaRPr>
+            </a:p>
+          </p:txBody>
+        </p:sp>
+        <p:sp>
+          <p:nvSpPr>
+            <p:cNvPr id="176" name="Rounded Rectangle 3">
+              <a:extLst>
+                <a:ext uri="{FF2B5EF4-FFF2-40B4-BE49-F238E27FC236}">
+                  <a16:creationId xmlns:a16="http://schemas.microsoft.com/office/drawing/2014/main" id="{1BE419AF-E734-4568-9484-5D7A14602E24}"/>
+                </a:ext>
+              </a:extLst>
+            </p:cNvPr>
+            <p:cNvSpPr/>
+            <p:nvPr/>
+          </p:nvSpPr>
+          <p:spPr>
+            <a:xfrm rot="18965626" flipV="1">
+              <a:off x="432197" y="4120851"/>
+              <a:ext cx="1847964" cy="228600"/>
+            </a:xfrm>
+            <a:prstGeom prst="roundRect">
+              <a:avLst>
+                <a:gd name="adj" fmla="val 50000"/>
+              </a:avLst>
+            </a:prstGeom>
+          </p:spPr>
+          <p:style>
+            <a:lnRef idx="1">
+              <a:schemeClr val="dk1"/>
+            </a:lnRef>
+            <a:fillRef idx="2">
+              <a:schemeClr val="dk1"/>
+            </a:fillRef>
+            <a:effectRef idx="1">
+              <a:schemeClr val="dk1"/>
+            </a:effectRef>
+            <a:fontRef idx="minor">
+              <a:schemeClr val="dk1"/>
+            </a:fontRef>
+          </p:style>
+          <p:txBody>
+            <a:bodyPr rtlCol="0" anchor="ctr"/>
+            <a:lstStyle/>
+            <a:p>
+              <a:pPr marL="0" marR="0" lvl="0" indent="0" algn="ctr" defTabSz="914400" rtl="0" eaLnBrk="1" fontAlgn="auto" latinLnBrk="0" hangingPunct="1">
+                <a:lnSpc>
+                  <a:spcPct val="100000"/>
+                </a:lnSpc>
+                <a:spcBef>
+                  <a:spcPts val="0"/>
+                </a:spcBef>
+                <a:spcAft>
+                  <a:spcPts val="0"/>
+                </a:spcAft>
+                <a:buClrTx/>
+                <a:buSzTx/>
+                <a:buFontTx/>
+                <a:buNone/>
+                <a:tabLst/>
+                <a:defRPr/>
+              </a:pPr>
+              <a:endParaRPr kumimoji="0" lang="en-US" sz="1800" b="0" i="0" u="none" strike="noStrike" kern="1200" cap="none" spc="0" normalizeH="0" baseline="0" noProof="0">
+                <a:ln>
+                  <a:noFill/>
+                </a:ln>
+                <a:solidFill>
+                  <a:prstClr val="black"/>
+                </a:solidFill>
+                <a:effectLst/>
+                <a:uLnTx/>
+                <a:uFillTx/>
+                <a:latin typeface="Calibri"/>
+                <a:ea typeface="+mn-ea"/>
+                <a:cs typeface="+mn-cs"/>
+              </a:endParaRPr>
+            </a:p>
+          </p:txBody>
+        </p:sp>
+        <p:sp>
+          <p:nvSpPr>
+            <p:cNvPr id="177" name="Rounded Rectangle 3">
+              <a:extLst>
+                <a:ext uri="{FF2B5EF4-FFF2-40B4-BE49-F238E27FC236}">
+                  <a16:creationId xmlns:a16="http://schemas.microsoft.com/office/drawing/2014/main" id="{38CF3EC1-AA9A-4573-A48C-7851B70389D5}"/>
+                </a:ext>
+              </a:extLst>
+            </p:cNvPr>
+            <p:cNvSpPr/>
+            <p:nvPr/>
+          </p:nvSpPr>
+          <p:spPr>
+            <a:xfrm rot="5400000" flipH="1" flipV="1">
+              <a:off x="65886" y="4107259"/>
+              <a:ext cx="1371600" cy="228600"/>
+            </a:xfrm>
+            <a:prstGeom prst="roundRect">
+              <a:avLst>
+                <a:gd name="adj" fmla="val 50000"/>
+              </a:avLst>
+            </a:prstGeom>
+          </p:spPr>
+          <p:style>
+            <a:lnRef idx="1">
+              <a:schemeClr val="dk1"/>
+            </a:lnRef>
+            <a:fillRef idx="2">
+              <a:schemeClr val="dk1"/>
+            </a:fillRef>
+            <a:effectRef idx="1">
+              <a:schemeClr val="dk1"/>
+            </a:effectRef>
+            <a:fontRef idx="minor">
+              <a:schemeClr val="dk1"/>
+            </a:fontRef>
+          </p:style>
+          <p:txBody>
+            <a:bodyPr rtlCol="0" anchor="ctr"/>
+            <a:lstStyle/>
+            <a:p>
+              <a:pPr marL="0" marR="0" lvl="0" indent="0" algn="ctr" defTabSz="914400" rtl="0" eaLnBrk="1" fontAlgn="auto" latinLnBrk="0" hangingPunct="1">
+                <a:lnSpc>
+                  <a:spcPct val="100000"/>
+                </a:lnSpc>
+                <a:spcBef>
+                  <a:spcPts val="0"/>
+                </a:spcBef>
+                <a:spcAft>
+                  <a:spcPts val="0"/>
+                </a:spcAft>
+                <a:buClrTx/>
+                <a:buSzTx/>
+                <a:buFontTx/>
+                <a:buNone/>
+                <a:tabLst/>
+                <a:defRPr/>
+              </a:pPr>
+              <a:endParaRPr kumimoji="0" lang="en-US" sz="1800" b="0" i="0" u="none" strike="noStrike" kern="1200" cap="none" spc="0" normalizeH="0" baseline="0" noProof="0">
+                <a:ln>
+                  <a:noFill/>
+                </a:ln>
+                <a:solidFill>
+                  <a:prstClr val="black"/>
+                </a:solidFill>
+                <a:effectLst/>
+                <a:uLnTx/>
+                <a:uFillTx/>
+                <a:latin typeface="Calibri"/>
+                <a:ea typeface="+mn-ea"/>
+                <a:cs typeface="+mn-cs"/>
+              </a:endParaRPr>
+            </a:p>
+          </p:txBody>
+        </p:sp>
+        <p:sp>
+          <p:nvSpPr>
+            <p:cNvPr id="178" name="Rounded Rectangle 3">
+              <a:extLst>
+                <a:ext uri="{FF2B5EF4-FFF2-40B4-BE49-F238E27FC236}">
+                  <a16:creationId xmlns:a16="http://schemas.microsoft.com/office/drawing/2014/main" id="{0480ACA9-0405-4FA7-9BC5-5EC502182F1F}"/>
+                </a:ext>
+              </a:extLst>
+            </p:cNvPr>
+            <p:cNvSpPr/>
+            <p:nvPr/>
+          </p:nvSpPr>
+          <p:spPr>
+            <a:xfrm flipH="1" flipV="1">
+              <a:off x="648548" y="3527592"/>
+              <a:ext cx="1442664" cy="228600"/>
+            </a:xfrm>
+            <a:prstGeom prst="roundRect">
+              <a:avLst>
+                <a:gd name="adj" fmla="val 50000"/>
+              </a:avLst>
+            </a:prstGeom>
+          </p:spPr>
+          <p:style>
+            <a:lnRef idx="1">
+              <a:schemeClr val="dk1"/>
+            </a:lnRef>
+            <a:fillRef idx="2">
+              <a:schemeClr val="dk1"/>
+            </a:fillRef>
+            <a:effectRef idx="1">
+              <a:schemeClr val="dk1"/>
+            </a:effectRef>
+            <a:fontRef idx="minor">
+              <a:schemeClr val="dk1"/>
+            </a:fontRef>
+          </p:style>
+          <p:txBody>
+            <a:bodyPr rtlCol="0" anchor="ctr"/>
+            <a:lstStyle/>
+            <a:p>
+              <a:pPr marL="0" marR="0" lvl="0" indent="0" algn="ctr" defTabSz="914400" rtl="0" eaLnBrk="1" fontAlgn="auto" latinLnBrk="0" hangingPunct="1">
+                <a:lnSpc>
+                  <a:spcPct val="100000"/>
+                </a:lnSpc>
+                <a:spcBef>
+                  <a:spcPts val="0"/>
+                </a:spcBef>
+                <a:spcAft>
+                  <a:spcPts val="0"/>
+                </a:spcAft>
+                <a:buClrTx/>
+                <a:buSzTx/>
+                <a:buFontTx/>
+                <a:buNone/>
+                <a:tabLst/>
+                <a:defRPr/>
+              </a:pPr>
+              <a:endParaRPr kumimoji="0" lang="en-US" sz="1800" b="0" i="0" u="none" strike="noStrike" kern="1200" cap="none" spc="0" normalizeH="0" baseline="0" noProof="0">
+                <a:ln>
+                  <a:noFill/>
+                </a:ln>
+                <a:solidFill>
+                  <a:prstClr val="black"/>
+                </a:solidFill>
+                <a:effectLst/>
+                <a:uLnTx/>
+                <a:uFillTx/>
+                <a:latin typeface="Calibri"/>
+                <a:ea typeface="+mn-ea"/>
+                <a:cs typeface="+mn-cs"/>
+              </a:endParaRPr>
+            </a:p>
+          </p:txBody>
+        </p:sp>
+        <p:sp>
+          <p:nvSpPr>
+            <p:cNvPr id="179" name="Oval 178">
+              <a:extLst>
+                <a:ext uri="{FF2B5EF4-FFF2-40B4-BE49-F238E27FC236}">
+                  <a16:creationId xmlns:a16="http://schemas.microsoft.com/office/drawing/2014/main" id="{7390ECC5-0FD4-45C8-A998-3655D7F0CEAF}"/>
+                </a:ext>
+              </a:extLst>
+            </p:cNvPr>
+            <p:cNvSpPr/>
+            <p:nvPr/>
+          </p:nvSpPr>
+          <p:spPr>
+            <a:xfrm flipV="1">
+              <a:off x="705966" y="3605118"/>
+              <a:ext cx="91440" cy="91440"/>
+            </a:xfrm>
+            <a:prstGeom prst="ellipse">
+              <a:avLst/>
+            </a:prstGeom>
+          </p:spPr>
+          <p:style>
+            <a:lnRef idx="2">
+              <a:schemeClr val="dk1">
+                <a:shade val="50000"/>
+              </a:schemeClr>
+            </a:lnRef>
+            <a:fillRef idx="1">
+              <a:schemeClr val="dk1"/>
+            </a:fillRef>
+            <a:effectRef idx="0">
+              <a:schemeClr val="dk1"/>
+            </a:effectRef>
+            <a:fontRef idx="minor">
+              <a:schemeClr val="lt1"/>
+            </a:fontRef>
+          </p:style>
+          <p:txBody>
+            <a:bodyPr rtlCol="0" anchor="ctr"/>
+            <a:lstStyle/>
+            <a:p>
+              <a:pPr marL="0" marR="0" lvl="0" indent="0" algn="ctr" defTabSz="914400" rtl="0" eaLnBrk="1" fontAlgn="auto" latinLnBrk="0" hangingPunct="1">
+                <a:lnSpc>
+                  <a:spcPct val="100000"/>
+                </a:lnSpc>
+                <a:spcBef>
+                  <a:spcPts val="0"/>
+                </a:spcBef>
+                <a:spcAft>
+                  <a:spcPts val="0"/>
+                </a:spcAft>
+                <a:buClrTx/>
+                <a:buSzTx/>
+                <a:buFontTx/>
+                <a:buNone/>
+                <a:tabLst/>
+                <a:defRPr/>
+              </a:pPr>
+              <a:endParaRPr kumimoji="0" lang="en-US" sz="1800" b="0" i="0" u="none" strike="noStrike" kern="1200" cap="none" spc="0" normalizeH="0" baseline="0" noProof="0">
+                <a:ln>
+                  <a:noFill/>
+                </a:ln>
+                <a:solidFill>
+                  <a:prstClr val="white"/>
+                </a:solidFill>
+                <a:effectLst/>
+                <a:uLnTx/>
+                <a:uFillTx/>
+                <a:latin typeface="Calibri"/>
+                <a:ea typeface="+mn-ea"/>
+                <a:cs typeface="+mn-cs"/>
+              </a:endParaRPr>
+            </a:p>
+          </p:txBody>
+        </p:sp>
+        <p:sp>
+          <p:nvSpPr>
+            <p:cNvPr id="180" name="Oval 179">
+              <a:extLst>
+                <a:ext uri="{FF2B5EF4-FFF2-40B4-BE49-F238E27FC236}">
+                  <a16:creationId xmlns:a16="http://schemas.microsoft.com/office/drawing/2014/main" id="{376F7331-4BDE-4B5F-AD79-F40BB7F1A9D0}"/>
+                </a:ext>
+              </a:extLst>
+            </p:cNvPr>
+            <p:cNvSpPr/>
+            <p:nvPr/>
+          </p:nvSpPr>
+          <p:spPr>
+            <a:xfrm flipV="1">
+              <a:off x="1902286" y="3605118"/>
+              <a:ext cx="91440" cy="91440"/>
+            </a:xfrm>
+            <a:prstGeom prst="ellipse">
+              <a:avLst/>
+            </a:prstGeom>
+          </p:spPr>
+          <p:style>
+            <a:lnRef idx="2">
+              <a:schemeClr val="dk1">
+                <a:shade val="50000"/>
+              </a:schemeClr>
+            </a:lnRef>
+            <a:fillRef idx="1">
+              <a:schemeClr val="dk1"/>
+            </a:fillRef>
+            <a:effectRef idx="0">
+              <a:schemeClr val="dk1"/>
+            </a:effectRef>
+            <a:fontRef idx="minor">
+              <a:schemeClr val="lt1"/>
+            </a:fontRef>
+          </p:style>
+          <p:txBody>
+            <a:bodyPr rtlCol="0" anchor="ctr"/>
+            <a:lstStyle/>
+            <a:p>
+              <a:pPr marL="0" marR="0" lvl="0" indent="0" algn="ctr" defTabSz="914400" rtl="0" eaLnBrk="1" fontAlgn="auto" latinLnBrk="0" hangingPunct="1">
+                <a:lnSpc>
+                  <a:spcPct val="100000"/>
+                </a:lnSpc>
+                <a:spcBef>
+                  <a:spcPts val="0"/>
+                </a:spcBef>
+                <a:spcAft>
+                  <a:spcPts val="0"/>
+                </a:spcAft>
+                <a:buClrTx/>
+                <a:buSzTx/>
+                <a:buFontTx/>
+                <a:buNone/>
+                <a:tabLst/>
+                <a:defRPr/>
+              </a:pPr>
+              <a:endParaRPr kumimoji="0" lang="en-US" sz="1800" b="0" i="0" u="none" strike="noStrike" kern="1200" cap="none" spc="0" normalizeH="0" baseline="0" noProof="0">
+                <a:ln>
+                  <a:noFill/>
+                </a:ln>
+                <a:solidFill>
+                  <a:prstClr val="white"/>
+                </a:solidFill>
+                <a:effectLst/>
+                <a:uLnTx/>
+                <a:uFillTx/>
+                <a:latin typeface="Calibri"/>
+                <a:ea typeface="+mn-ea"/>
+                <a:cs typeface="+mn-cs"/>
+              </a:endParaRPr>
+            </a:p>
+          </p:txBody>
+        </p:sp>
+        <p:sp>
+          <p:nvSpPr>
+            <p:cNvPr id="181" name="Oval 180">
+              <a:extLst>
+                <a:ext uri="{FF2B5EF4-FFF2-40B4-BE49-F238E27FC236}">
+                  <a16:creationId xmlns:a16="http://schemas.microsoft.com/office/drawing/2014/main" id="{CA466656-855B-4357-9C81-0CBBA44BA079}"/>
+                </a:ext>
+              </a:extLst>
+            </p:cNvPr>
+            <p:cNvSpPr/>
+            <p:nvPr/>
+          </p:nvSpPr>
+          <p:spPr>
+            <a:xfrm>
+              <a:off x="705966" y="4734247"/>
+              <a:ext cx="91440" cy="91440"/>
+            </a:xfrm>
+            <a:prstGeom prst="ellipse">
+              <a:avLst/>
+            </a:prstGeom>
+          </p:spPr>
+          <p:style>
+            <a:lnRef idx="2">
+              <a:schemeClr val="dk1">
+                <a:shade val="50000"/>
+              </a:schemeClr>
+            </a:lnRef>
+            <a:fillRef idx="1">
+              <a:schemeClr val="dk1"/>
+            </a:fillRef>
+            <a:effectRef idx="0">
+              <a:schemeClr val="dk1"/>
+            </a:effectRef>
+            <a:fontRef idx="minor">
+              <a:schemeClr val="lt1"/>
+            </a:fontRef>
+          </p:style>
+          <p:txBody>
+            <a:bodyPr rtlCol="0" anchor="ctr"/>
+            <a:lstStyle/>
+            <a:p>
+              <a:pPr marL="0" marR="0" lvl="0" indent="0" algn="ctr" defTabSz="914400" rtl="0" eaLnBrk="1" fontAlgn="auto" latinLnBrk="0" hangingPunct="1">
+                <a:lnSpc>
+                  <a:spcPct val="100000"/>
+                </a:lnSpc>
+                <a:spcBef>
+                  <a:spcPts val="0"/>
+                </a:spcBef>
+                <a:spcAft>
+                  <a:spcPts val="0"/>
+                </a:spcAft>
+                <a:buClrTx/>
+                <a:buSzTx/>
+                <a:buFontTx/>
+                <a:buNone/>
+                <a:tabLst/>
+                <a:defRPr/>
+              </a:pPr>
+              <a:endParaRPr kumimoji="0" lang="en-US" sz="1800" b="0" i="0" u="none" strike="noStrike" kern="1200" cap="none" spc="0" normalizeH="0" baseline="0" noProof="0">
+                <a:ln>
+                  <a:noFill/>
+                </a:ln>
+                <a:solidFill>
+                  <a:prstClr val="white"/>
+                </a:solidFill>
+                <a:effectLst/>
+                <a:uLnTx/>
+                <a:uFillTx/>
+                <a:latin typeface="Calibri"/>
+                <a:ea typeface="+mn-ea"/>
+                <a:cs typeface="+mn-cs"/>
+              </a:endParaRPr>
+            </a:p>
+          </p:txBody>
+        </p:sp>
+      </p:grpSp>
+      <p:sp>
+        <p:nvSpPr>
+          <p:cNvPr id="196" name="Rectangle 195">
+            <a:extLst>
+              <a:ext uri="{FF2B5EF4-FFF2-40B4-BE49-F238E27FC236}">
+                <a16:creationId xmlns:a16="http://schemas.microsoft.com/office/drawing/2014/main" id="{D5022F52-E23C-42D9-B569-46C190231533}"/>
+              </a:ext>
+            </a:extLst>
+          </p:cNvPr>
+          <p:cNvSpPr/>
+          <p:nvPr/>
+        </p:nvSpPr>
+        <p:spPr>
+          <a:xfrm>
+            <a:off x="0" y="6514496"/>
+            <a:ext cx="9144000" cy="702464"/>
+          </a:xfrm>
+          <a:prstGeom prst="rect">
+            <a:avLst/>
+          </a:prstGeom>
+        </p:spPr>
+        <p:style>
+          <a:lnRef idx="2">
+            <a:schemeClr val="accent3">
+              <a:shade val="50000"/>
+            </a:schemeClr>
+          </a:lnRef>
+          <a:fillRef idx="1">
+            <a:schemeClr val="accent3"/>
+          </a:fillRef>
+          <a:effectRef idx="0">
+            <a:schemeClr val="accent3"/>
+          </a:effectRef>
+          <a:fontRef idx="minor">
+            <a:schemeClr val="lt1"/>
+          </a:fontRef>
+        </p:style>
+        <p:txBody>
+          <a:bodyPr rtlCol="0" anchor="ctr"/>
+          <a:lstStyle/>
+          <a:p>
+            <a:pPr algn="ctr"/>
+            <a:endParaRPr lang="en-US"/>
+          </a:p>
+        </p:txBody>
+      </p:sp>
+      <p:cxnSp>
+        <p:nvCxnSpPr>
+          <p:cNvPr id="114" name="Straight Arrow Connector 113">
+            <a:extLst>
+              <a:ext uri="{FF2B5EF4-FFF2-40B4-BE49-F238E27FC236}">
+                <a16:creationId xmlns:a16="http://schemas.microsoft.com/office/drawing/2014/main" id="{667EFCED-EE39-4FE8-B1B1-648D30166DC9}"/>
+              </a:ext>
+            </a:extLst>
+          </p:cNvPr>
+          <p:cNvCxnSpPr>
+            <a:cxnSpLocks/>
+          </p:cNvCxnSpPr>
+          <p:nvPr/>
+        </p:nvCxnSpPr>
+        <p:spPr>
+          <a:xfrm flipH="1">
+            <a:off x="4759571" y="2991678"/>
+            <a:ext cx="2154" cy="821810"/>
+          </a:xfrm>
+          <a:prstGeom prst="straightConnector1">
+            <a:avLst/>
+          </a:prstGeom>
+          <a:ln>
+            <a:solidFill>
+              <a:srgbClr val="FF0000"/>
+            </a:solidFill>
+            <a:tailEnd type="arrow"/>
+          </a:ln>
+        </p:spPr>
+        <p:style>
+          <a:lnRef idx="3">
+            <a:schemeClr val="accent2"/>
+          </a:lnRef>
+          <a:fillRef idx="0">
+            <a:schemeClr val="accent2"/>
+          </a:fillRef>
+          <a:effectRef idx="2">
+            <a:schemeClr val="accent2"/>
+          </a:effectRef>
+          <a:fontRef idx="minor">
+            <a:schemeClr val="tx1"/>
+          </a:fontRef>
+        </p:style>
+      </p:cxnSp>
+      <p:cxnSp>
+        <p:nvCxnSpPr>
+          <p:cNvPr id="200" name="Straight Connector 199">
+            <a:extLst>
+              <a:ext uri="{FF2B5EF4-FFF2-40B4-BE49-F238E27FC236}">
+                <a16:creationId xmlns:a16="http://schemas.microsoft.com/office/drawing/2014/main" id="{F50D07AA-FAF4-4423-8833-D0F16305ABB1}"/>
+              </a:ext>
+            </a:extLst>
+          </p:cNvPr>
+          <p:cNvCxnSpPr>
+            <a:cxnSpLocks/>
+          </p:cNvCxnSpPr>
+          <p:nvPr/>
+        </p:nvCxnSpPr>
+        <p:spPr>
+          <a:xfrm>
+            <a:off x="1244048" y="5019261"/>
+            <a:ext cx="793337" cy="0"/>
+          </a:xfrm>
+          <a:prstGeom prst="line">
+            <a:avLst/>
+          </a:prstGeom>
+        </p:spPr>
+        <p:style>
+          <a:lnRef idx="1">
+            <a:schemeClr val="accent1"/>
+          </a:lnRef>
+          <a:fillRef idx="0">
+            <a:schemeClr val="accent1"/>
+          </a:fillRef>
+          <a:effectRef idx="0">
+            <a:schemeClr val="accent1"/>
+          </a:effectRef>
+          <a:fontRef idx="minor">
+            <a:schemeClr val="tx1"/>
+          </a:fontRef>
+        </p:style>
+      </p:cxnSp>
+      <p:cxnSp>
+        <p:nvCxnSpPr>
+          <p:cNvPr id="201" name="Straight Connector 200">
+            <a:extLst>
+              <a:ext uri="{FF2B5EF4-FFF2-40B4-BE49-F238E27FC236}">
+                <a16:creationId xmlns:a16="http://schemas.microsoft.com/office/drawing/2014/main" id="{9AB322BD-A357-4F17-9C10-196572CCA581}"/>
+              </a:ext>
+            </a:extLst>
+          </p:cNvPr>
+          <p:cNvCxnSpPr>
+            <a:cxnSpLocks/>
+          </p:cNvCxnSpPr>
+          <p:nvPr/>
+        </p:nvCxnSpPr>
+        <p:spPr>
+          <a:xfrm>
+            <a:off x="1244048" y="3849756"/>
+            <a:ext cx="793337" cy="0"/>
+          </a:xfrm>
+          <a:prstGeom prst="line">
+            <a:avLst/>
+          </a:prstGeom>
+        </p:spPr>
+        <p:style>
+          <a:lnRef idx="1">
+            <a:schemeClr val="accent1"/>
+          </a:lnRef>
+          <a:fillRef idx="0">
+            <a:schemeClr val="accent1"/>
+          </a:fillRef>
+          <a:effectRef idx="0">
+            <a:schemeClr val="accent1"/>
+          </a:effectRef>
+          <a:fontRef idx="minor">
+            <a:schemeClr val="tx1"/>
+          </a:fontRef>
+        </p:style>
+      </p:cxnSp>
+      <p:cxnSp>
+        <p:nvCxnSpPr>
+          <p:cNvPr id="202" name="Straight Connector 201">
+            <a:extLst>
+              <a:ext uri="{FF2B5EF4-FFF2-40B4-BE49-F238E27FC236}">
+                <a16:creationId xmlns:a16="http://schemas.microsoft.com/office/drawing/2014/main" id="{756E3351-5878-4A1A-AC1A-F78BA9CE62D4}"/>
+              </a:ext>
+            </a:extLst>
+          </p:cNvPr>
+          <p:cNvCxnSpPr>
+            <a:cxnSpLocks/>
+          </p:cNvCxnSpPr>
+          <p:nvPr/>
+        </p:nvCxnSpPr>
+        <p:spPr>
+          <a:xfrm>
+            <a:off x="2295851" y="2862515"/>
+            <a:ext cx="0" cy="801756"/>
+          </a:xfrm>
+          <a:prstGeom prst="line">
+            <a:avLst/>
+          </a:prstGeom>
+        </p:spPr>
+        <p:style>
+          <a:lnRef idx="1">
+            <a:schemeClr val="accent1"/>
+          </a:lnRef>
+          <a:fillRef idx="0">
+            <a:schemeClr val="accent1"/>
+          </a:fillRef>
+          <a:effectRef idx="0">
+            <a:schemeClr val="accent1"/>
+          </a:effectRef>
+          <a:fontRef idx="minor">
+            <a:schemeClr val="tx1"/>
+          </a:fontRef>
+        </p:style>
+      </p:cxnSp>
+      <p:cxnSp>
+        <p:nvCxnSpPr>
+          <p:cNvPr id="204" name="Straight Connector 203">
+            <a:extLst>
+              <a:ext uri="{FF2B5EF4-FFF2-40B4-BE49-F238E27FC236}">
+                <a16:creationId xmlns:a16="http://schemas.microsoft.com/office/drawing/2014/main" id="{B79883AC-B6A3-40E6-8CB0-475BFD355C3B}"/>
+              </a:ext>
+            </a:extLst>
+          </p:cNvPr>
+          <p:cNvCxnSpPr>
+            <a:cxnSpLocks/>
+          </p:cNvCxnSpPr>
+          <p:nvPr/>
+        </p:nvCxnSpPr>
+        <p:spPr>
+          <a:xfrm>
+            <a:off x="3538813" y="2862515"/>
+            <a:ext cx="0" cy="801756"/>
+          </a:xfrm>
+          <a:prstGeom prst="line">
+            <a:avLst/>
+          </a:prstGeom>
+        </p:spPr>
+        <p:style>
+          <a:lnRef idx="1">
+            <a:schemeClr val="accent1"/>
+          </a:lnRef>
+          <a:fillRef idx="0">
+            <a:schemeClr val="accent1"/>
+          </a:fillRef>
+          <a:effectRef idx="0">
+            <a:schemeClr val="accent1"/>
+          </a:effectRef>
+          <a:fontRef idx="minor">
+            <a:schemeClr val="tx1"/>
+          </a:fontRef>
+        </p:style>
+      </p:cxnSp>
+      <p:cxnSp>
+        <p:nvCxnSpPr>
+          <p:cNvPr id="205" name="Straight Connector 204">
+            <a:extLst>
+              <a:ext uri="{FF2B5EF4-FFF2-40B4-BE49-F238E27FC236}">
+                <a16:creationId xmlns:a16="http://schemas.microsoft.com/office/drawing/2014/main" id="{4A9AAAA7-B148-46C7-A2C9-4FE0D6D0A336}"/>
+              </a:ext>
+            </a:extLst>
+          </p:cNvPr>
+          <p:cNvCxnSpPr>
+            <a:cxnSpLocks/>
+          </p:cNvCxnSpPr>
+          <p:nvPr/>
+        </p:nvCxnSpPr>
+        <p:spPr>
+          <a:xfrm>
+            <a:off x="5935387" y="2862515"/>
+            <a:ext cx="0" cy="801756"/>
+          </a:xfrm>
+          <a:prstGeom prst="line">
+            <a:avLst/>
+          </a:prstGeom>
+        </p:spPr>
+        <p:style>
+          <a:lnRef idx="1">
+            <a:schemeClr val="accent1"/>
+          </a:lnRef>
+          <a:fillRef idx="0">
+            <a:schemeClr val="accent1"/>
+          </a:fillRef>
+          <a:effectRef idx="0">
+            <a:schemeClr val="accent1"/>
+          </a:effectRef>
+          <a:fontRef idx="minor">
+            <a:schemeClr val="tx1"/>
+          </a:fontRef>
+        </p:style>
+      </p:cxnSp>
+      <p:cxnSp>
+        <p:nvCxnSpPr>
+          <p:cNvPr id="206" name="Straight Connector 205">
+            <a:extLst>
+              <a:ext uri="{FF2B5EF4-FFF2-40B4-BE49-F238E27FC236}">
+                <a16:creationId xmlns:a16="http://schemas.microsoft.com/office/drawing/2014/main" id="{BDB573FA-F643-4A72-89E8-7980614C73A5}"/>
+              </a:ext>
+            </a:extLst>
+          </p:cNvPr>
+          <p:cNvCxnSpPr>
+            <a:cxnSpLocks/>
+          </p:cNvCxnSpPr>
+          <p:nvPr/>
+        </p:nvCxnSpPr>
+        <p:spPr>
+          <a:xfrm>
+            <a:off x="7142890" y="2862515"/>
+            <a:ext cx="0" cy="801756"/>
+          </a:xfrm>
+          <a:prstGeom prst="line">
+            <a:avLst/>
+          </a:prstGeom>
+        </p:spPr>
+        <p:style>
+          <a:lnRef idx="1">
+            <a:schemeClr val="accent1"/>
+          </a:lnRef>
+          <a:fillRef idx="0">
+            <a:schemeClr val="accent1"/>
+          </a:fillRef>
+          <a:effectRef idx="0">
+            <a:schemeClr val="accent1"/>
+          </a:effectRef>
+          <a:fontRef idx="minor">
+            <a:schemeClr val="tx1"/>
+          </a:fontRef>
+        </p:style>
+      </p:cxnSp>
+      <p:cxnSp>
+        <p:nvCxnSpPr>
+          <p:cNvPr id="207" name="Straight Connector 206">
+            <a:extLst>
+              <a:ext uri="{FF2B5EF4-FFF2-40B4-BE49-F238E27FC236}">
+                <a16:creationId xmlns:a16="http://schemas.microsoft.com/office/drawing/2014/main" id="{F2126FF0-4F44-49B1-97ED-B33E2F57FA42}"/>
+              </a:ext>
+            </a:extLst>
+          </p:cNvPr>
+          <p:cNvCxnSpPr>
+            <a:cxnSpLocks/>
+          </p:cNvCxnSpPr>
+          <p:nvPr/>
+        </p:nvCxnSpPr>
+        <p:spPr>
+          <a:xfrm flipH="1">
+            <a:off x="1664596" y="3849756"/>
+            <a:ext cx="0" cy="2311079"/>
+          </a:xfrm>
+          <a:prstGeom prst="line">
+            <a:avLst/>
+          </a:prstGeom>
+        </p:spPr>
+        <p:style>
+          <a:lnRef idx="1">
+            <a:schemeClr val="accent1"/>
+          </a:lnRef>
+          <a:fillRef idx="0">
+            <a:schemeClr val="accent1"/>
+          </a:fillRef>
+          <a:effectRef idx="0">
+            <a:schemeClr val="accent1"/>
+          </a:effectRef>
+          <a:fontRef idx="minor">
+            <a:schemeClr val="tx1"/>
+          </a:fontRef>
+        </p:style>
+      </p:cxnSp>
+      <p:sp>
+        <p:nvSpPr>
+          <p:cNvPr id="213" name="TextBox 212">
+            <a:extLst>
+              <a:ext uri="{FF2B5EF4-FFF2-40B4-BE49-F238E27FC236}">
+                <a16:creationId xmlns:a16="http://schemas.microsoft.com/office/drawing/2014/main" id="{224FC396-21DD-42AD-B035-C31ECB1A0A6F}"/>
+              </a:ext>
+            </a:extLst>
+          </p:cNvPr>
+          <p:cNvSpPr txBox="1"/>
+          <p:nvPr/>
+        </p:nvSpPr>
+        <p:spPr>
+          <a:xfrm>
+            <a:off x="1275612" y="4202668"/>
+            <a:ext cx="797107" cy="369332"/>
+          </a:xfrm>
+          <a:prstGeom prst="rect">
+            <a:avLst/>
+          </a:prstGeom>
+          <a:solidFill>
+            <a:schemeClr val="bg1"/>
+          </a:solidFill>
+        </p:spPr>
+        <p:txBody>
+          <a:bodyPr wrap="square" rtlCol="0">
+            <a:spAutoFit/>
+          </a:bodyPr>
+          <a:lstStyle/>
+          <a:p>
+            <a:pPr algn="ctr"/>
+            <a:r>
+              <a:rPr lang="en-US" dirty="0">
+                <a:solidFill>
+                  <a:schemeClr val="accent1"/>
+                </a:solidFill>
+              </a:rPr>
+              <a:t>2 m</a:t>
+            </a:r>
+          </a:p>
+        </p:txBody>
+      </p:sp>
+      <p:sp>
+        <p:nvSpPr>
+          <p:cNvPr id="214" name="TextBox 213">
+            <a:extLst>
+              <a:ext uri="{FF2B5EF4-FFF2-40B4-BE49-F238E27FC236}">
+                <a16:creationId xmlns:a16="http://schemas.microsoft.com/office/drawing/2014/main" id="{3B2A21D3-CD5F-4FE6-9047-531088AF495C}"/>
+              </a:ext>
+            </a:extLst>
+          </p:cNvPr>
+          <p:cNvSpPr txBox="1"/>
+          <p:nvPr/>
+        </p:nvSpPr>
+        <p:spPr>
+          <a:xfrm>
+            <a:off x="1276710" y="5418339"/>
+            <a:ext cx="797107" cy="369332"/>
+          </a:xfrm>
+          <a:prstGeom prst="rect">
+            <a:avLst/>
+          </a:prstGeom>
+          <a:solidFill>
+            <a:schemeClr val="bg1"/>
+          </a:solidFill>
+        </p:spPr>
+        <p:txBody>
+          <a:bodyPr wrap="square" rtlCol="0">
+            <a:spAutoFit/>
+          </a:bodyPr>
+          <a:lstStyle/>
+          <a:p>
+            <a:pPr algn="ctr"/>
+            <a:r>
+              <a:rPr lang="en-US" dirty="0">
+                <a:solidFill>
+                  <a:schemeClr val="accent1"/>
+                </a:solidFill>
+              </a:rPr>
+              <a:t>2 m</a:t>
+            </a:r>
+          </a:p>
+        </p:txBody>
+      </p:sp>
+      <p:sp>
+        <p:nvSpPr>
+          <p:cNvPr id="215" name="TextBox 214">
+            <a:extLst>
+              <a:ext uri="{FF2B5EF4-FFF2-40B4-BE49-F238E27FC236}">
+                <a16:creationId xmlns:a16="http://schemas.microsoft.com/office/drawing/2014/main" id="{AA6E2563-D413-45BC-ABD9-02E9A057A8D2}"/>
+              </a:ext>
+            </a:extLst>
+          </p:cNvPr>
+          <p:cNvSpPr txBox="1"/>
+          <p:nvPr/>
+        </p:nvSpPr>
+        <p:spPr>
+          <a:xfrm>
+            <a:off x="2579036" y="3080637"/>
+            <a:ext cx="797107" cy="369332"/>
+          </a:xfrm>
+          <a:prstGeom prst="rect">
+            <a:avLst/>
+          </a:prstGeom>
+          <a:solidFill>
+            <a:schemeClr val="bg1"/>
+          </a:solidFill>
+        </p:spPr>
+        <p:txBody>
+          <a:bodyPr wrap="square" rtlCol="0">
+            <a:spAutoFit/>
+          </a:bodyPr>
+          <a:lstStyle/>
+          <a:p>
+            <a:pPr algn="ctr"/>
+            <a:r>
+              <a:rPr lang="en-US" dirty="0">
+                <a:solidFill>
+                  <a:schemeClr val="accent1"/>
+                </a:solidFill>
+              </a:rPr>
+              <a:t>2 m</a:t>
+            </a:r>
+          </a:p>
+        </p:txBody>
+      </p:sp>
+      <p:sp>
+        <p:nvSpPr>
+          <p:cNvPr id="216" name="TextBox 215">
+            <a:extLst>
+              <a:ext uri="{FF2B5EF4-FFF2-40B4-BE49-F238E27FC236}">
+                <a16:creationId xmlns:a16="http://schemas.microsoft.com/office/drawing/2014/main" id="{26C490AE-BC70-4A31-9E3F-865A539E3D1E}"/>
+              </a:ext>
+            </a:extLst>
+          </p:cNvPr>
+          <p:cNvSpPr txBox="1"/>
+          <p:nvPr/>
+        </p:nvSpPr>
+        <p:spPr>
+          <a:xfrm>
+            <a:off x="3786473" y="3080637"/>
+            <a:ext cx="797107" cy="369332"/>
+          </a:xfrm>
+          <a:prstGeom prst="rect">
+            <a:avLst/>
+          </a:prstGeom>
+          <a:solidFill>
+            <a:schemeClr val="bg1"/>
+          </a:solidFill>
+        </p:spPr>
+        <p:txBody>
+          <a:bodyPr wrap="square" rtlCol="0">
+            <a:spAutoFit/>
+          </a:bodyPr>
+          <a:lstStyle/>
+          <a:p>
+            <a:pPr algn="ctr"/>
+            <a:r>
+              <a:rPr lang="en-US" dirty="0">
+                <a:solidFill>
+                  <a:schemeClr val="accent1"/>
+                </a:solidFill>
+              </a:rPr>
+              <a:t>2 m</a:t>
+            </a:r>
+          </a:p>
+        </p:txBody>
+      </p:sp>
+      <p:sp>
+        <p:nvSpPr>
+          <p:cNvPr id="217" name="TextBox 216">
+            <a:extLst>
+              <a:ext uri="{FF2B5EF4-FFF2-40B4-BE49-F238E27FC236}">
+                <a16:creationId xmlns:a16="http://schemas.microsoft.com/office/drawing/2014/main" id="{23D115F0-F771-42C2-884E-A947967EFE56}"/>
+              </a:ext>
+            </a:extLst>
+          </p:cNvPr>
+          <p:cNvSpPr txBox="1"/>
+          <p:nvPr/>
+        </p:nvSpPr>
+        <p:spPr>
+          <a:xfrm>
+            <a:off x="5005193" y="3080637"/>
+            <a:ext cx="797107" cy="369332"/>
+          </a:xfrm>
+          <a:prstGeom prst="rect">
+            <a:avLst/>
+          </a:prstGeom>
+          <a:solidFill>
+            <a:schemeClr val="bg1"/>
+          </a:solidFill>
+        </p:spPr>
+        <p:txBody>
+          <a:bodyPr wrap="square" rtlCol="0">
+            <a:spAutoFit/>
+          </a:bodyPr>
+          <a:lstStyle/>
+          <a:p>
+            <a:pPr algn="ctr"/>
+            <a:r>
+              <a:rPr lang="en-US" dirty="0">
+                <a:solidFill>
+                  <a:schemeClr val="accent1"/>
+                </a:solidFill>
+              </a:rPr>
+              <a:t>2 m</a:t>
+            </a:r>
+          </a:p>
+        </p:txBody>
+      </p:sp>
+      <p:sp>
+        <p:nvSpPr>
+          <p:cNvPr id="218" name="TextBox 217">
+            <a:extLst>
+              <a:ext uri="{FF2B5EF4-FFF2-40B4-BE49-F238E27FC236}">
+                <a16:creationId xmlns:a16="http://schemas.microsoft.com/office/drawing/2014/main" id="{F6926B87-2579-4A2A-9B48-8F3173A63EDA}"/>
+              </a:ext>
+            </a:extLst>
+          </p:cNvPr>
+          <p:cNvSpPr txBox="1"/>
+          <p:nvPr/>
+        </p:nvSpPr>
+        <p:spPr>
+          <a:xfrm>
+            <a:off x="6162143" y="3080637"/>
+            <a:ext cx="797107" cy="369332"/>
+          </a:xfrm>
+          <a:prstGeom prst="rect">
+            <a:avLst/>
+          </a:prstGeom>
+          <a:solidFill>
+            <a:schemeClr val="bg1"/>
+          </a:solidFill>
+        </p:spPr>
+        <p:txBody>
+          <a:bodyPr wrap="square" rtlCol="0">
+            <a:spAutoFit/>
+          </a:bodyPr>
+          <a:lstStyle/>
+          <a:p>
+            <a:pPr algn="ctr"/>
+            <a:r>
+              <a:rPr lang="en-US" dirty="0">
+                <a:solidFill>
+                  <a:schemeClr val="accent1"/>
+                </a:solidFill>
+              </a:rPr>
+              <a:t>2 m</a:t>
+            </a:r>
+          </a:p>
+        </p:txBody>
+      </p:sp>
+      <p:sp>
+        <p:nvSpPr>
+          <p:cNvPr id="219" name="TextBox 218">
+            <a:extLst>
+              <a:ext uri="{FF2B5EF4-FFF2-40B4-BE49-F238E27FC236}">
+                <a16:creationId xmlns:a16="http://schemas.microsoft.com/office/drawing/2014/main" id="{2322B105-F0CB-48D5-9F43-0486A2C8A989}"/>
+              </a:ext>
+            </a:extLst>
+          </p:cNvPr>
+          <p:cNvSpPr txBox="1"/>
+          <p:nvPr/>
+        </p:nvSpPr>
+        <p:spPr>
+          <a:xfrm>
+            <a:off x="3224086" y="3432473"/>
+            <a:ext cx="317716" cy="369332"/>
+          </a:xfrm>
+          <a:prstGeom prst="rect">
+            <a:avLst/>
+          </a:prstGeom>
+          <a:noFill/>
+        </p:spPr>
+        <p:txBody>
+          <a:bodyPr wrap="none" rtlCol="0">
+            <a:spAutoFit/>
+          </a:bodyPr>
+          <a:lstStyle/>
+          <a:p>
+            <a:r>
+              <a:rPr lang="en-US" dirty="0"/>
+              <a:t>A</a:t>
+            </a:r>
+          </a:p>
+        </p:txBody>
+      </p:sp>
+      <p:sp>
+        <p:nvSpPr>
+          <p:cNvPr id="220" name="TextBox 219">
+            <a:extLst>
+              <a:ext uri="{FF2B5EF4-FFF2-40B4-BE49-F238E27FC236}">
+                <a16:creationId xmlns:a16="http://schemas.microsoft.com/office/drawing/2014/main" id="{598F8CB2-A1DC-4C30-9913-2CD8CDF97F34}"/>
+              </a:ext>
+            </a:extLst>
+          </p:cNvPr>
+          <p:cNvSpPr txBox="1"/>
+          <p:nvPr/>
+        </p:nvSpPr>
+        <p:spPr>
+          <a:xfrm>
+            <a:off x="4383073" y="3416772"/>
+            <a:ext cx="309700" cy="369332"/>
+          </a:xfrm>
+          <a:prstGeom prst="rect">
+            <a:avLst/>
+          </a:prstGeom>
+          <a:noFill/>
+        </p:spPr>
+        <p:txBody>
+          <a:bodyPr wrap="none" rtlCol="0">
+            <a:spAutoFit/>
+          </a:bodyPr>
+          <a:lstStyle/>
+          <a:p>
+            <a:r>
+              <a:rPr lang="en-US" dirty="0"/>
+              <a:t>B</a:t>
+            </a:r>
+          </a:p>
+        </p:txBody>
+      </p:sp>
+      <p:sp>
+        <p:nvSpPr>
+          <p:cNvPr id="221" name="TextBox 220">
+            <a:extLst>
+              <a:ext uri="{FF2B5EF4-FFF2-40B4-BE49-F238E27FC236}">
+                <a16:creationId xmlns:a16="http://schemas.microsoft.com/office/drawing/2014/main" id="{20D1A02A-F827-4E62-932F-90F5C30568B6}"/>
+              </a:ext>
+            </a:extLst>
+          </p:cNvPr>
+          <p:cNvSpPr txBox="1"/>
+          <p:nvPr/>
+        </p:nvSpPr>
+        <p:spPr>
+          <a:xfrm>
+            <a:off x="3096135" y="4803203"/>
+            <a:ext cx="308098" cy="369332"/>
+          </a:xfrm>
+          <a:prstGeom prst="rect">
+            <a:avLst/>
+          </a:prstGeom>
+          <a:noFill/>
+        </p:spPr>
+        <p:txBody>
+          <a:bodyPr wrap="none" rtlCol="0">
+            <a:spAutoFit/>
+          </a:bodyPr>
+          <a:lstStyle/>
+          <a:p>
+            <a:r>
+              <a:rPr lang="en-US" dirty="0"/>
+              <a:t>C</a:t>
+            </a:r>
+          </a:p>
+        </p:txBody>
+      </p:sp>
+      <p:sp>
+        <p:nvSpPr>
+          <p:cNvPr id="222" name="TextBox 221">
+            <a:extLst>
+              <a:ext uri="{FF2B5EF4-FFF2-40B4-BE49-F238E27FC236}">
+                <a16:creationId xmlns:a16="http://schemas.microsoft.com/office/drawing/2014/main" id="{0EEDC7CA-63A2-4174-83E2-F97809F51A54}"/>
+              </a:ext>
+            </a:extLst>
+          </p:cNvPr>
+          <p:cNvSpPr txBox="1"/>
+          <p:nvPr/>
+        </p:nvSpPr>
+        <p:spPr>
+          <a:xfrm>
+            <a:off x="3353230" y="6188988"/>
+            <a:ext cx="327334" cy="369332"/>
+          </a:xfrm>
+          <a:prstGeom prst="rect">
+            <a:avLst/>
+          </a:prstGeom>
+          <a:noFill/>
+        </p:spPr>
+        <p:txBody>
+          <a:bodyPr wrap="none" rtlCol="0">
+            <a:spAutoFit/>
+          </a:bodyPr>
+          <a:lstStyle/>
+          <a:p>
+            <a:r>
+              <a:rPr lang="en-US" dirty="0"/>
+              <a:t>D</a:t>
+            </a:r>
+          </a:p>
+        </p:txBody>
+      </p:sp>
+      <p:sp>
+        <p:nvSpPr>
+          <p:cNvPr id="223" name="TextBox 222">
+            <a:extLst>
+              <a:ext uri="{FF2B5EF4-FFF2-40B4-BE49-F238E27FC236}">
+                <a16:creationId xmlns:a16="http://schemas.microsoft.com/office/drawing/2014/main" id="{E8D301AA-4AE7-45ED-87DB-0212F0A9B604}"/>
+              </a:ext>
+            </a:extLst>
+          </p:cNvPr>
+          <p:cNvSpPr txBox="1"/>
+          <p:nvPr/>
+        </p:nvSpPr>
+        <p:spPr>
+          <a:xfrm>
+            <a:off x="4572000" y="6198927"/>
+            <a:ext cx="296876" cy="369332"/>
+          </a:xfrm>
+          <a:prstGeom prst="rect">
+            <a:avLst/>
+          </a:prstGeom>
+          <a:noFill/>
+        </p:spPr>
+        <p:txBody>
+          <a:bodyPr wrap="none" rtlCol="0">
+            <a:spAutoFit/>
+          </a:bodyPr>
+          <a:lstStyle/>
+          <a:p>
+            <a:r>
+              <a:rPr lang="en-US" dirty="0"/>
+              <a:t>E</a:t>
+            </a:r>
+          </a:p>
+        </p:txBody>
+      </p:sp>
+    </p:spTree>
+    <p:extLst>
+      <p:ext uri="{BB962C8B-B14F-4D97-AF65-F5344CB8AC3E}">
+        <p14:creationId xmlns:p14="http://schemas.microsoft.com/office/powerpoint/2010/main" val="2457426679"/>
+      </p:ext>
+    </p:extLst>
+  </p:cSld>
+  <p:clrMapOvr>
+    <a:masterClrMapping/>
+  </p:clrMapOvr>
+</p:sld>
+</file>
+
+<file path=ppt/slides/slide21.xml><?xml version="1.0" encoding="utf-8"?>
+<p:sld xmlns:a="http://schemas.openxmlformats.org/drawingml/2006/main" xmlns:r="http://schemas.openxmlformats.org/officeDocument/2006/relationships" xmlns:p="http://schemas.openxmlformats.org/presentationml/2006/main">
+  <p:cSld>
+    <p:spTree>
+      <p:nvGrpSpPr>
+        <p:cNvPr id="1" name=""/>
+        <p:cNvGrpSpPr/>
+        <p:nvPr/>
+      </p:nvGrpSpPr>
+      <p:grpSpPr>
+        <a:xfrm>
+          <a:off x="0" y="0"/>
+          <a:ext cx="0" cy="0"/>
+          <a:chOff x="0" y="0"/>
+          <a:chExt cx="0" cy="0"/>
+        </a:xfrm>
+      </p:grpSpPr>
+      <p:sp>
+        <p:nvSpPr>
+          <p:cNvPr id="44" name="Rounded Rectangle 3">
+            <a:extLst>
+              <a:ext uri="{FF2B5EF4-FFF2-40B4-BE49-F238E27FC236}">
+                <a16:creationId xmlns:a16="http://schemas.microsoft.com/office/drawing/2014/main" id="{36BC2A5F-E34E-4BF7-9B8C-EA0415E2AA2F}"/>
+              </a:ext>
+            </a:extLst>
+          </p:cNvPr>
+          <p:cNvSpPr/>
+          <p:nvPr/>
+        </p:nvSpPr>
+        <p:spPr>
+          <a:xfrm rot="16200000" flipH="1">
+            <a:off x="7154516" y="5968112"/>
+            <a:ext cx="1371600" cy="228600"/>
+          </a:xfrm>
+          <a:prstGeom prst="roundRect">
+            <a:avLst>
+              <a:gd name="adj" fmla="val 50000"/>
+            </a:avLst>
+          </a:prstGeom>
+        </p:spPr>
+        <p:style>
+          <a:lnRef idx="1">
+            <a:schemeClr val="dk1"/>
+          </a:lnRef>
+          <a:fillRef idx="2">
+            <a:schemeClr val="dk1"/>
+          </a:fillRef>
+          <a:effectRef idx="1">
+            <a:schemeClr val="dk1"/>
+          </a:effectRef>
+          <a:fontRef idx="minor">
+            <a:schemeClr val="dk1"/>
+          </a:fontRef>
+        </p:style>
+        <p:txBody>
+          <a:bodyPr rtlCol="0" anchor="ctr"/>
+          <a:lstStyle/>
+          <a:p>
+            <a:pPr marL="0" marR="0" lvl="0" indent="0" algn="ctr" defTabSz="914400" rtl="0" eaLnBrk="1" fontAlgn="auto" latinLnBrk="0" hangingPunct="1">
+              <a:lnSpc>
+                <a:spcPct val="100000"/>
+              </a:lnSpc>
+              <a:spcBef>
+                <a:spcPts val="0"/>
+              </a:spcBef>
+              <a:spcAft>
+                <a:spcPts val="0"/>
+              </a:spcAft>
+              <a:buClrTx/>
+              <a:buSzTx/>
+              <a:buFontTx/>
+              <a:buNone/>
+              <a:tabLst/>
+              <a:defRPr/>
+            </a:pPr>
+            <a:endParaRPr kumimoji="0" lang="en-US" sz="1800" b="0" i="0" u="none" strike="noStrike" kern="1200" cap="none" spc="0" normalizeH="0" baseline="0" noProof="0">
+              <a:ln>
+                <a:noFill/>
+              </a:ln>
+              <a:solidFill>
+                <a:prstClr val="black"/>
+              </a:solidFill>
+              <a:effectLst/>
+              <a:uLnTx/>
+              <a:uFillTx/>
+              <a:latin typeface="Calibri"/>
+              <a:ea typeface="+mn-ea"/>
+              <a:cs typeface="+mn-cs"/>
+            </a:endParaRPr>
+          </a:p>
+        </p:txBody>
+      </p:sp>
+      <p:sp>
+        <p:nvSpPr>
+          <p:cNvPr id="19" name="Rounded Rectangle 3">
+            <a:extLst>
+              <a:ext uri="{FF2B5EF4-FFF2-40B4-BE49-F238E27FC236}">
+                <a16:creationId xmlns:a16="http://schemas.microsoft.com/office/drawing/2014/main" id="{190FF90C-EDC0-4FB7-9BD4-A475D5A8BA6A}"/>
+              </a:ext>
+            </a:extLst>
+          </p:cNvPr>
+          <p:cNvSpPr/>
+          <p:nvPr/>
+        </p:nvSpPr>
+        <p:spPr>
+          <a:xfrm rot="5400000" flipH="1" flipV="1">
+            <a:off x="7146980" y="4836939"/>
+            <a:ext cx="1371600" cy="228600"/>
+          </a:xfrm>
+          <a:prstGeom prst="roundRect">
+            <a:avLst>
+              <a:gd name="adj" fmla="val 50000"/>
+            </a:avLst>
+          </a:prstGeom>
+        </p:spPr>
+        <p:style>
+          <a:lnRef idx="1">
+            <a:schemeClr val="dk1"/>
+          </a:lnRef>
+          <a:fillRef idx="2">
+            <a:schemeClr val="dk1"/>
+          </a:fillRef>
+          <a:effectRef idx="1">
+            <a:schemeClr val="dk1"/>
+          </a:effectRef>
+          <a:fontRef idx="minor">
+            <a:schemeClr val="dk1"/>
+          </a:fontRef>
+        </p:style>
+        <p:txBody>
+          <a:bodyPr rtlCol="0" anchor="ctr"/>
+          <a:lstStyle/>
+          <a:p>
+            <a:pPr marL="0" marR="0" lvl="0" indent="0" algn="ctr" defTabSz="914400" rtl="0" eaLnBrk="1" fontAlgn="auto" latinLnBrk="0" hangingPunct="1">
+              <a:lnSpc>
+                <a:spcPct val="100000"/>
+              </a:lnSpc>
+              <a:spcBef>
+                <a:spcPts val="0"/>
+              </a:spcBef>
+              <a:spcAft>
+                <a:spcPts val="0"/>
+              </a:spcAft>
+              <a:buClrTx/>
+              <a:buSzTx/>
+              <a:buFontTx/>
+              <a:buNone/>
+              <a:tabLst/>
+              <a:defRPr/>
+            </a:pPr>
+            <a:endParaRPr kumimoji="0" lang="en-US" sz="1800" b="0" i="0" u="none" strike="noStrike" kern="1200" cap="none" spc="0" normalizeH="0" baseline="0" noProof="0">
+              <a:ln>
+                <a:noFill/>
+              </a:ln>
+              <a:solidFill>
+                <a:prstClr val="black"/>
+              </a:solidFill>
+              <a:effectLst/>
+              <a:uLnTx/>
+              <a:uFillTx/>
+              <a:latin typeface="Calibri"/>
+              <a:ea typeface="+mn-ea"/>
+              <a:cs typeface="+mn-cs"/>
+            </a:endParaRPr>
+          </a:p>
+        </p:txBody>
+      </p:sp>
+      <p:sp>
+        <p:nvSpPr>
+          <p:cNvPr id="20" name="Rounded Rectangle 3">
+            <a:extLst>
+              <a:ext uri="{FF2B5EF4-FFF2-40B4-BE49-F238E27FC236}">
+                <a16:creationId xmlns:a16="http://schemas.microsoft.com/office/drawing/2014/main" id="{6D622039-A91E-49CE-A308-3CF793EEA02B}"/>
+              </a:ext>
+            </a:extLst>
+          </p:cNvPr>
+          <p:cNvSpPr/>
+          <p:nvPr/>
+        </p:nvSpPr>
+        <p:spPr>
+          <a:xfrm flipH="1">
+            <a:off x="6506817" y="4263888"/>
+            <a:ext cx="1442664" cy="228600"/>
+          </a:xfrm>
+          <a:prstGeom prst="roundRect">
+            <a:avLst>
+              <a:gd name="adj" fmla="val 50000"/>
+            </a:avLst>
+          </a:prstGeom>
+        </p:spPr>
+        <p:style>
+          <a:lnRef idx="1">
+            <a:schemeClr val="dk1"/>
+          </a:lnRef>
+          <a:fillRef idx="2">
+            <a:schemeClr val="dk1"/>
+          </a:fillRef>
+          <a:effectRef idx="1">
+            <a:schemeClr val="dk1"/>
+          </a:effectRef>
+          <a:fontRef idx="minor">
+            <a:schemeClr val="dk1"/>
+          </a:fontRef>
+        </p:style>
+        <p:txBody>
+          <a:bodyPr rtlCol="0" anchor="ctr"/>
+          <a:lstStyle/>
+          <a:p>
+            <a:pPr marL="0" marR="0" lvl="0" indent="0" algn="ctr" defTabSz="914400" rtl="0" eaLnBrk="1" fontAlgn="auto" latinLnBrk="0" hangingPunct="1">
+              <a:lnSpc>
+                <a:spcPct val="100000"/>
+              </a:lnSpc>
+              <a:spcBef>
+                <a:spcPts val="0"/>
+              </a:spcBef>
+              <a:spcAft>
+                <a:spcPts val="0"/>
+              </a:spcAft>
+              <a:buClrTx/>
+              <a:buSzTx/>
+              <a:buFontTx/>
+              <a:buNone/>
+              <a:tabLst/>
+              <a:defRPr/>
+            </a:pPr>
+            <a:endParaRPr kumimoji="0" lang="en-US" sz="1800" b="0" i="0" u="none" strike="noStrike" kern="1200" cap="none" spc="0" normalizeH="0" baseline="0" noProof="0">
+              <a:ln>
+                <a:noFill/>
+              </a:ln>
+              <a:solidFill>
+                <a:prstClr val="black"/>
+              </a:solidFill>
+              <a:effectLst/>
+              <a:uLnTx/>
+              <a:uFillTx/>
+              <a:latin typeface="Calibri"/>
+              <a:ea typeface="+mn-ea"/>
+              <a:cs typeface="+mn-cs"/>
+            </a:endParaRPr>
+          </a:p>
+        </p:txBody>
+      </p:sp>
+      <p:sp>
+        <p:nvSpPr>
+          <p:cNvPr id="2" name="Title 1">
+            <a:extLst>
+              <a:ext uri="{FF2B5EF4-FFF2-40B4-BE49-F238E27FC236}">
+                <a16:creationId xmlns:a16="http://schemas.microsoft.com/office/drawing/2014/main" id="{A5EBE6D8-5B39-40BA-8F67-A16578DA8A57}"/>
+              </a:ext>
+            </a:extLst>
+          </p:cNvPr>
+          <p:cNvSpPr>
+            <a:spLocks noGrp="1"/>
+          </p:cNvSpPr>
+          <p:nvPr>
+            <p:ph type="title"/>
+          </p:nvPr>
+        </p:nvSpPr>
+        <p:spPr/>
+        <p:txBody>
+          <a:bodyPr>
+            <a:normAutofit fontScale="90000"/>
+          </a:bodyPr>
+          <a:lstStyle/>
+          <a:p>
+            <a:r>
+              <a:rPr lang="en-US" dirty="0"/>
+              <a:t>Method of Sections Worked Example</a:t>
+            </a:r>
+          </a:p>
+        </p:txBody>
+      </p:sp>
+      <p:sp>
+        <p:nvSpPr>
+          <p:cNvPr id="3" name="Content Placeholder 2">
+            <a:extLst>
+              <a:ext uri="{FF2B5EF4-FFF2-40B4-BE49-F238E27FC236}">
+                <a16:creationId xmlns:a16="http://schemas.microsoft.com/office/drawing/2014/main" id="{1B13F9A2-08DC-46DC-8A35-68F86154F225}"/>
+              </a:ext>
+            </a:extLst>
+          </p:cNvPr>
+          <p:cNvSpPr>
+            <a:spLocks noGrp="1"/>
+          </p:cNvSpPr>
+          <p:nvPr>
+            <p:ph idx="1"/>
+          </p:nvPr>
+        </p:nvSpPr>
+        <p:spPr>
+          <a:xfrm>
+            <a:off x="457200" y="1600200"/>
+            <a:ext cx="3059756" cy="4756149"/>
+          </a:xfrm>
+        </p:spPr>
+        <p:txBody>
+          <a:bodyPr/>
+          <a:lstStyle/>
+          <a:p>
+            <a:r>
+              <a:rPr lang="en-US" dirty="0"/>
+              <a:t>Use the method of sections to find the forces in members AC, BC, CD, and CE.</a:t>
+            </a:r>
+          </a:p>
+          <a:p>
+            <a:endParaRPr lang="en-US" dirty="0"/>
+          </a:p>
+        </p:txBody>
+      </p:sp>
+      <p:sp>
+        <p:nvSpPr>
+          <p:cNvPr id="4" name="Slide Number Placeholder 3">
+            <a:extLst>
+              <a:ext uri="{FF2B5EF4-FFF2-40B4-BE49-F238E27FC236}">
+                <a16:creationId xmlns:a16="http://schemas.microsoft.com/office/drawing/2014/main" id="{B0ED37B4-F99A-4879-9036-E7FF77375384}"/>
+              </a:ext>
+            </a:extLst>
+          </p:cNvPr>
+          <p:cNvSpPr>
+            <a:spLocks noGrp="1"/>
+          </p:cNvSpPr>
+          <p:nvPr>
+            <p:ph type="sldNum" sz="quarter" idx="12"/>
+          </p:nvPr>
+        </p:nvSpPr>
+        <p:spPr/>
+        <p:txBody>
+          <a:bodyPr/>
+          <a:lstStyle/>
+          <a:p>
+            <a:fld id="{929262FE-7F58-4A1E-8AF3-5A510A86DEBD}" type="slidenum">
+              <a:rPr lang="en-US" smtClean="0"/>
+              <a:t>21</a:t>
+            </a:fld>
+            <a:endParaRPr lang="en-US"/>
+          </a:p>
+        </p:txBody>
+      </p:sp>
+      <p:sp>
+        <p:nvSpPr>
+          <p:cNvPr id="5" name="Rectangle 4">
+            <a:extLst>
+              <a:ext uri="{FF2B5EF4-FFF2-40B4-BE49-F238E27FC236}">
+                <a16:creationId xmlns:a16="http://schemas.microsoft.com/office/drawing/2014/main" id="{2DF5A29E-E465-48C8-B4DC-9F95AF075D69}"/>
+              </a:ext>
+            </a:extLst>
+          </p:cNvPr>
+          <p:cNvSpPr/>
+          <p:nvPr/>
+        </p:nvSpPr>
+        <p:spPr>
+          <a:xfrm>
+            <a:off x="0" y="5867400"/>
+            <a:ext cx="9144000" cy="954501"/>
+          </a:xfrm>
+          <a:prstGeom prst="rect">
+            <a:avLst/>
+          </a:prstGeom>
+        </p:spPr>
+        <p:style>
+          <a:lnRef idx="2">
+            <a:schemeClr val="accent3">
+              <a:shade val="50000"/>
+            </a:schemeClr>
+          </a:lnRef>
+          <a:fillRef idx="1">
+            <a:schemeClr val="accent3"/>
+          </a:fillRef>
+          <a:effectRef idx="0">
+            <a:schemeClr val="accent3"/>
+          </a:effectRef>
+          <a:fontRef idx="minor">
+            <a:schemeClr val="lt1"/>
+          </a:fontRef>
+        </p:style>
+        <p:txBody>
+          <a:bodyPr rtlCol="0" anchor="ctr"/>
+          <a:lstStyle/>
+          <a:p>
+            <a:pPr algn="ctr"/>
+            <a:endParaRPr lang="en-US"/>
+          </a:p>
+        </p:txBody>
+      </p:sp>
+      <p:sp>
+        <p:nvSpPr>
+          <p:cNvPr id="7" name="Rounded Rectangle 3">
+            <a:extLst>
+              <a:ext uri="{FF2B5EF4-FFF2-40B4-BE49-F238E27FC236}">
+                <a16:creationId xmlns:a16="http://schemas.microsoft.com/office/drawing/2014/main" id="{9AD3D403-1A10-4AC9-9F37-40D2EF7AD92E}"/>
+              </a:ext>
+            </a:extLst>
+          </p:cNvPr>
+          <p:cNvSpPr/>
+          <p:nvPr/>
+        </p:nvSpPr>
+        <p:spPr>
+          <a:xfrm rot="2634374">
+            <a:off x="6295685" y="4805241"/>
+            <a:ext cx="1847964" cy="228600"/>
+          </a:xfrm>
+          <a:prstGeom prst="roundRect">
+            <a:avLst>
+              <a:gd name="adj" fmla="val 50000"/>
+            </a:avLst>
+          </a:prstGeom>
+        </p:spPr>
+        <p:style>
+          <a:lnRef idx="1">
+            <a:schemeClr val="dk1"/>
+          </a:lnRef>
+          <a:fillRef idx="2">
+            <a:schemeClr val="dk1"/>
+          </a:fillRef>
+          <a:effectRef idx="1">
+            <a:schemeClr val="dk1"/>
+          </a:effectRef>
+          <a:fontRef idx="minor">
+            <a:schemeClr val="dk1"/>
+          </a:fontRef>
+        </p:style>
+        <p:txBody>
+          <a:bodyPr rtlCol="0" anchor="ctr"/>
+          <a:lstStyle/>
+          <a:p>
+            <a:pPr marL="0" marR="0" lvl="0" indent="0" algn="ctr" defTabSz="914400" rtl="0" eaLnBrk="1" fontAlgn="auto" latinLnBrk="0" hangingPunct="1">
+              <a:lnSpc>
+                <a:spcPct val="100000"/>
+              </a:lnSpc>
+              <a:spcBef>
+                <a:spcPts val="0"/>
+              </a:spcBef>
+              <a:spcAft>
+                <a:spcPts val="0"/>
+              </a:spcAft>
+              <a:buClrTx/>
+              <a:buSzTx/>
+              <a:buFontTx/>
+              <a:buNone/>
+              <a:tabLst/>
+              <a:defRPr/>
+            </a:pPr>
+            <a:endParaRPr kumimoji="0" lang="en-US" sz="1800" b="0" i="0" u="none" strike="noStrike" kern="1200" cap="none" spc="0" normalizeH="0" baseline="0" noProof="0">
+              <a:ln>
+                <a:noFill/>
+              </a:ln>
+              <a:solidFill>
+                <a:prstClr val="black"/>
+              </a:solidFill>
+              <a:effectLst/>
+              <a:uLnTx/>
+              <a:uFillTx/>
+              <a:latin typeface="Calibri"/>
+              <a:ea typeface="+mn-ea"/>
+              <a:cs typeface="+mn-cs"/>
+            </a:endParaRPr>
+          </a:p>
+        </p:txBody>
+      </p:sp>
+      <p:sp>
+        <p:nvSpPr>
+          <p:cNvPr id="8" name="Rounded Rectangle 3">
+            <a:extLst>
+              <a:ext uri="{FF2B5EF4-FFF2-40B4-BE49-F238E27FC236}">
+                <a16:creationId xmlns:a16="http://schemas.microsoft.com/office/drawing/2014/main" id="{A51F6881-EF35-4621-BC2A-E827DD359D8D}"/>
+              </a:ext>
+            </a:extLst>
+          </p:cNvPr>
+          <p:cNvSpPr/>
+          <p:nvPr/>
+        </p:nvSpPr>
+        <p:spPr>
+          <a:xfrm rot="16200000" flipH="1">
+            <a:off x="5931679" y="4818833"/>
+            <a:ext cx="1371600" cy="228600"/>
+          </a:xfrm>
+          <a:prstGeom prst="roundRect">
+            <a:avLst>
+              <a:gd name="adj" fmla="val 50000"/>
+            </a:avLst>
+          </a:prstGeom>
+        </p:spPr>
+        <p:style>
+          <a:lnRef idx="1">
+            <a:schemeClr val="dk1"/>
+          </a:lnRef>
+          <a:fillRef idx="2">
+            <a:schemeClr val="dk1"/>
+          </a:fillRef>
+          <a:effectRef idx="1">
+            <a:schemeClr val="dk1"/>
+          </a:effectRef>
+          <a:fontRef idx="minor">
+            <a:schemeClr val="dk1"/>
+          </a:fontRef>
+        </p:style>
+        <p:txBody>
+          <a:bodyPr rtlCol="0" anchor="ctr"/>
+          <a:lstStyle/>
+          <a:p>
+            <a:pPr marL="0" marR="0" lvl="0" indent="0" algn="ctr" defTabSz="914400" rtl="0" eaLnBrk="1" fontAlgn="auto" latinLnBrk="0" hangingPunct="1">
+              <a:lnSpc>
+                <a:spcPct val="100000"/>
+              </a:lnSpc>
+              <a:spcBef>
+                <a:spcPts val="0"/>
+              </a:spcBef>
+              <a:spcAft>
+                <a:spcPts val="0"/>
+              </a:spcAft>
+              <a:buClrTx/>
+              <a:buSzTx/>
+              <a:buFontTx/>
+              <a:buNone/>
+              <a:tabLst/>
+              <a:defRPr/>
+            </a:pPr>
+            <a:endParaRPr kumimoji="0" lang="en-US" sz="1800" b="0" i="0" u="none" strike="noStrike" kern="1200" cap="none" spc="0" normalizeH="0" baseline="0" noProof="0">
+              <a:ln>
+                <a:noFill/>
+              </a:ln>
+              <a:solidFill>
+                <a:prstClr val="black"/>
+              </a:solidFill>
+              <a:effectLst/>
+              <a:uLnTx/>
+              <a:uFillTx/>
+              <a:latin typeface="Calibri"/>
+              <a:ea typeface="+mn-ea"/>
+              <a:cs typeface="+mn-cs"/>
+            </a:endParaRPr>
+          </a:p>
+        </p:txBody>
+      </p:sp>
+      <p:sp>
+        <p:nvSpPr>
+          <p:cNvPr id="9" name="Rounded Rectangle 3">
+            <a:extLst>
+              <a:ext uri="{FF2B5EF4-FFF2-40B4-BE49-F238E27FC236}">
+                <a16:creationId xmlns:a16="http://schemas.microsoft.com/office/drawing/2014/main" id="{BA66BA4C-6568-42FC-8B19-292863BCDAC1}"/>
+              </a:ext>
+            </a:extLst>
+          </p:cNvPr>
+          <p:cNvSpPr/>
+          <p:nvPr/>
+        </p:nvSpPr>
+        <p:spPr>
+          <a:xfrm flipH="1">
+            <a:off x="6512036" y="5398500"/>
+            <a:ext cx="1442664" cy="228600"/>
+          </a:xfrm>
+          <a:prstGeom prst="roundRect">
+            <a:avLst>
+              <a:gd name="adj" fmla="val 50000"/>
+            </a:avLst>
+          </a:prstGeom>
+        </p:spPr>
+        <p:style>
+          <a:lnRef idx="1">
+            <a:schemeClr val="dk1"/>
+          </a:lnRef>
+          <a:fillRef idx="2">
+            <a:schemeClr val="dk1"/>
+          </a:fillRef>
+          <a:effectRef idx="1">
+            <a:schemeClr val="dk1"/>
+          </a:effectRef>
+          <a:fontRef idx="minor">
+            <a:schemeClr val="dk1"/>
+          </a:fontRef>
+        </p:style>
+        <p:txBody>
+          <a:bodyPr rtlCol="0" anchor="ctr"/>
+          <a:lstStyle/>
+          <a:p>
+            <a:pPr marL="0" marR="0" lvl="0" indent="0" algn="ctr" defTabSz="914400" rtl="0" eaLnBrk="1" fontAlgn="auto" latinLnBrk="0" hangingPunct="1">
+              <a:lnSpc>
+                <a:spcPct val="100000"/>
+              </a:lnSpc>
+              <a:spcBef>
+                <a:spcPts val="0"/>
+              </a:spcBef>
+              <a:spcAft>
+                <a:spcPts val="0"/>
+              </a:spcAft>
+              <a:buClrTx/>
+              <a:buSzTx/>
+              <a:buFontTx/>
+              <a:buNone/>
+              <a:tabLst/>
+              <a:defRPr/>
+            </a:pPr>
+            <a:endParaRPr kumimoji="0" lang="en-US" sz="1800" b="0" i="0" u="none" strike="noStrike" kern="1200" cap="none" spc="0" normalizeH="0" baseline="0" noProof="0">
+              <a:ln>
+                <a:noFill/>
+              </a:ln>
+              <a:solidFill>
+                <a:prstClr val="black"/>
+              </a:solidFill>
+              <a:effectLst/>
+              <a:uLnTx/>
+              <a:uFillTx/>
+              <a:latin typeface="Calibri"/>
+              <a:ea typeface="+mn-ea"/>
+              <a:cs typeface="+mn-cs"/>
+            </a:endParaRPr>
+          </a:p>
+        </p:txBody>
+      </p:sp>
+      <p:sp>
+        <p:nvSpPr>
+          <p:cNvPr id="10" name="Oval 9">
+            <a:extLst>
+              <a:ext uri="{FF2B5EF4-FFF2-40B4-BE49-F238E27FC236}">
+                <a16:creationId xmlns:a16="http://schemas.microsoft.com/office/drawing/2014/main" id="{2C0088C7-89BD-4AC9-B0C0-32A5EC78B8DC}"/>
+              </a:ext>
+            </a:extLst>
+          </p:cNvPr>
+          <p:cNvSpPr/>
+          <p:nvPr/>
+        </p:nvSpPr>
+        <p:spPr>
+          <a:xfrm>
+            <a:off x="6571759" y="5468073"/>
+            <a:ext cx="91440" cy="91440"/>
+          </a:xfrm>
+          <a:prstGeom prst="ellipse">
+            <a:avLst/>
+          </a:prstGeom>
+        </p:spPr>
+        <p:style>
+          <a:lnRef idx="2">
+            <a:schemeClr val="dk1">
+              <a:shade val="50000"/>
+            </a:schemeClr>
+          </a:lnRef>
+          <a:fillRef idx="1">
+            <a:schemeClr val="dk1"/>
+          </a:fillRef>
+          <a:effectRef idx="0">
+            <a:schemeClr val="dk1"/>
+          </a:effectRef>
+          <a:fontRef idx="minor">
+            <a:schemeClr val="lt1"/>
+          </a:fontRef>
+        </p:style>
+        <p:txBody>
+          <a:bodyPr rtlCol="0" anchor="ctr"/>
+          <a:lstStyle/>
+          <a:p>
+            <a:pPr marL="0" marR="0" lvl="0" indent="0" algn="ctr" defTabSz="914400" rtl="0" eaLnBrk="1" fontAlgn="auto" latinLnBrk="0" hangingPunct="1">
+              <a:lnSpc>
+                <a:spcPct val="100000"/>
+              </a:lnSpc>
+              <a:spcBef>
+                <a:spcPts val="0"/>
+              </a:spcBef>
+              <a:spcAft>
+                <a:spcPts val="0"/>
+              </a:spcAft>
+              <a:buClrTx/>
+              <a:buSzTx/>
+              <a:buFontTx/>
+              <a:buNone/>
+              <a:tabLst/>
+              <a:defRPr/>
+            </a:pPr>
+            <a:endParaRPr kumimoji="0" lang="en-US" sz="1800" b="0" i="0" u="none" strike="noStrike" kern="1200" cap="none" spc="0" normalizeH="0" baseline="0" noProof="0">
+              <a:ln>
+                <a:noFill/>
+              </a:ln>
+              <a:solidFill>
+                <a:prstClr val="white"/>
+              </a:solidFill>
+              <a:effectLst/>
+              <a:uLnTx/>
+              <a:uFillTx/>
+              <a:latin typeface="Calibri"/>
+              <a:ea typeface="+mn-ea"/>
+              <a:cs typeface="+mn-cs"/>
+            </a:endParaRPr>
+          </a:p>
+        </p:txBody>
+      </p:sp>
+      <p:sp>
+        <p:nvSpPr>
+          <p:cNvPr id="11" name="Oval 10">
+            <a:extLst>
+              <a:ext uri="{FF2B5EF4-FFF2-40B4-BE49-F238E27FC236}">
+                <a16:creationId xmlns:a16="http://schemas.microsoft.com/office/drawing/2014/main" id="{B3268AC9-1514-44A1-A1E1-3015E80CB3A7}"/>
+              </a:ext>
+            </a:extLst>
+          </p:cNvPr>
+          <p:cNvSpPr/>
+          <p:nvPr/>
+        </p:nvSpPr>
+        <p:spPr>
+          <a:xfrm>
+            <a:off x="7765774" y="5478012"/>
+            <a:ext cx="91440" cy="91440"/>
+          </a:xfrm>
+          <a:prstGeom prst="ellipse">
+            <a:avLst/>
+          </a:prstGeom>
+        </p:spPr>
+        <p:style>
+          <a:lnRef idx="2">
+            <a:schemeClr val="dk1">
+              <a:shade val="50000"/>
+            </a:schemeClr>
+          </a:lnRef>
+          <a:fillRef idx="1">
+            <a:schemeClr val="dk1"/>
+          </a:fillRef>
+          <a:effectRef idx="0">
+            <a:schemeClr val="dk1"/>
+          </a:effectRef>
+          <a:fontRef idx="minor">
+            <a:schemeClr val="lt1"/>
+          </a:fontRef>
+        </p:style>
+        <p:txBody>
+          <a:bodyPr rtlCol="0" anchor="ctr"/>
+          <a:lstStyle/>
+          <a:p>
+            <a:pPr marL="0" marR="0" lvl="0" indent="0" algn="ctr" defTabSz="914400" rtl="0" eaLnBrk="1" fontAlgn="auto" latinLnBrk="0" hangingPunct="1">
+              <a:lnSpc>
+                <a:spcPct val="100000"/>
+              </a:lnSpc>
+              <a:spcBef>
+                <a:spcPts val="0"/>
+              </a:spcBef>
+              <a:spcAft>
+                <a:spcPts val="0"/>
+              </a:spcAft>
+              <a:buClrTx/>
+              <a:buSzTx/>
+              <a:buFontTx/>
+              <a:buNone/>
+              <a:tabLst/>
+              <a:defRPr/>
+            </a:pPr>
+            <a:endParaRPr kumimoji="0" lang="en-US" sz="1800" b="0" i="0" u="none" strike="noStrike" kern="1200" cap="none" spc="0" normalizeH="0" baseline="0" noProof="0">
+              <a:ln>
+                <a:noFill/>
+              </a:ln>
+              <a:solidFill>
+                <a:prstClr val="white"/>
+              </a:solidFill>
+              <a:effectLst/>
+              <a:uLnTx/>
+              <a:uFillTx/>
+              <a:latin typeface="Calibri"/>
+              <a:ea typeface="+mn-ea"/>
+              <a:cs typeface="+mn-cs"/>
+            </a:endParaRPr>
+          </a:p>
+        </p:txBody>
+      </p:sp>
+      <p:sp>
+        <p:nvSpPr>
+          <p:cNvPr id="13" name="Rounded Rectangle 3">
+            <a:extLst>
+              <a:ext uri="{FF2B5EF4-FFF2-40B4-BE49-F238E27FC236}">
+                <a16:creationId xmlns:a16="http://schemas.microsoft.com/office/drawing/2014/main" id="{6B0457D5-29E4-4F02-9045-9E5320758AA1}"/>
+              </a:ext>
+            </a:extLst>
+          </p:cNvPr>
+          <p:cNvSpPr/>
+          <p:nvPr/>
+        </p:nvSpPr>
+        <p:spPr>
+          <a:xfrm rot="5400000" flipH="1" flipV="1">
+            <a:off x="5931679" y="3718179"/>
+            <a:ext cx="1371600" cy="228600"/>
+          </a:xfrm>
+          <a:prstGeom prst="roundRect">
+            <a:avLst>
+              <a:gd name="adj" fmla="val 50000"/>
+            </a:avLst>
+          </a:prstGeom>
+        </p:spPr>
+        <p:style>
+          <a:lnRef idx="1">
+            <a:schemeClr val="dk1"/>
+          </a:lnRef>
+          <a:fillRef idx="2">
+            <a:schemeClr val="dk1"/>
+          </a:fillRef>
+          <a:effectRef idx="1">
+            <a:schemeClr val="dk1"/>
+          </a:effectRef>
+          <a:fontRef idx="minor">
+            <a:schemeClr val="dk1"/>
+          </a:fontRef>
+        </p:style>
+        <p:txBody>
+          <a:bodyPr rtlCol="0" anchor="ctr"/>
+          <a:lstStyle/>
+          <a:p>
+            <a:pPr marL="0" marR="0" lvl="0" indent="0" algn="ctr" defTabSz="914400" rtl="0" eaLnBrk="1" fontAlgn="auto" latinLnBrk="0" hangingPunct="1">
+              <a:lnSpc>
+                <a:spcPct val="100000"/>
+              </a:lnSpc>
+              <a:spcBef>
+                <a:spcPts val="0"/>
+              </a:spcBef>
+              <a:spcAft>
+                <a:spcPts val="0"/>
+              </a:spcAft>
+              <a:buClrTx/>
+              <a:buSzTx/>
+              <a:buFontTx/>
+              <a:buNone/>
+              <a:tabLst/>
+              <a:defRPr/>
+            </a:pPr>
+            <a:endParaRPr kumimoji="0" lang="en-US" sz="1800" b="0" i="0" u="none" strike="noStrike" kern="1200" cap="none" spc="0" normalizeH="0" baseline="0" noProof="0">
+              <a:ln>
+                <a:noFill/>
+              </a:ln>
+              <a:solidFill>
+                <a:prstClr val="black"/>
+              </a:solidFill>
+              <a:effectLst/>
+              <a:uLnTx/>
+              <a:uFillTx/>
+              <a:latin typeface="Calibri"/>
+              <a:ea typeface="+mn-ea"/>
+              <a:cs typeface="+mn-cs"/>
+            </a:endParaRPr>
+          </a:p>
+        </p:txBody>
+      </p:sp>
+      <p:sp>
+        <p:nvSpPr>
+          <p:cNvPr id="15" name="Oval 14">
+            <a:extLst>
+              <a:ext uri="{FF2B5EF4-FFF2-40B4-BE49-F238E27FC236}">
+                <a16:creationId xmlns:a16="http://schemas.microsoft.com/office/drawing/2014/main" id="{4D4BF4E6-C625-4926-92E1-C91A84232216}"/>
+              </a:ext>
+            </a:extLst>
+          </p:cNvPr>
+          <p:cNvSpPr/>
+          <p:nvPr/>
+        </p:nvSpPr>
+        <p:spPr>
+          <a:xfrm flipV="1">
+            <a:off x="6571759" y="3216038"/>
+            <a:ext cx="91440" cy="91440"/>
+          </a:xfrm>
+          <a:prstGeom prst="ellipse">
+            <a:avLst/>
+          </a:prstGeom>
+        </p:spPr>
+        <p:style>
+          <a:lnRef idx="2">
+            <a:schemeClr val="dk1">
+              <a:shade val="50000"/>
+            </a:schemeClr>
+          </a:lnRef>
+          <a:fillRef idx="1">
+            <a:schemeClr val="dk1"/>
+          </a:fillRef>
+          <a:effectRef idx="0">
+            <a:schemeClr val="dk1"/>
+          </a:effectRef>
+          <a:fontRef idx="minor">
+            <a:schemeClr val="lt1"/>
+          </a:fontRef>
+        </p:style>
+        <p:txBody>
+          <a:bodyPr rtlCol="0" anchor="ctr"/>
+          <a:lstStyle/>
+          <a:p>
+            <a:pPr marL="0" marR="0" lvl="0" indent="0" algn="ctr" defTabSz="914400" rtl="0" eaLnBrk="1" fontAlgn="auto" latinLnBrk="0" hangingPunct="1">
+              <a:lnSpc>
+                <a:spcPct val="100000"/>
+              </a:lnSpc>
+              <a:spcBef>
+                <a:spcPts val="0"/>
+              </a:spcBef>
+              <a:spcAft>
+                <a:spcPts val="0"/>
+              </a:spcAft>
+              <a:buClrTx/>
+              <a:buSzTx/>
+              <a:buFontTx/>
+              <a:buNone/>
+              <a:tabLst/>
+              <a:defRPr/>
+            </a:pPr>
+            <a:endParaRPr kumimoji="0" lang="en-US" sz="1800" b="0" i="0" u="none" strike="noStrike" kern="1200" cap="none" spc="0" normalizeH="0" baseline="0" noProof="0">
+              <a:ln>
+                <a:noFill/>
+              </a:ln>
+              <a:solidFill>
+                <a:prstClr val="white"/>
+              </a:solidFill>
+              <a:effectLst/>
+              <a:uLnTx/>
+              <a:uFillTx/>
+              <a:latin typeface="Calibri"/>
+              <a:ea typeface="+mn-ea"/>
+              <a:cs typeface="+mn-cs"/>
+            </a:endParaRPr>
+          </a:p>
+        </p:txBody>
+      </p:sp>
+      <p:sp>
+        <p:nvSpPr>
+          <p:cNvPr id="17" name="Oval 16">
+            <a:extLst>
+              <a:ext uri="{FF2B5EF4-FFF2-40B4-BE49-F238E27FC236}">
+                <a16:creationId xmlns:a16="http://schemas.microsoft.com/office/drawing/2014/main" id="{FE230792-BFC4-4420-810A-02CA199D270A}"/>
+              </a:ext>
+            </a:extLst>
+          </p:cNvPr>
+          <p:cNvSpPr/>
+          <p:nvPr/>
+        </p:nvSpPr>
+        <p:spPr>
+          <a:xfrm>
+            <a:off x="6571759" y="4345167"/>
+            <a:ext cx="91440" cy="91440"/>
+          </a:xfrm>
+          <a:prstGeom prst="ellipse">
+            <a:avLst/>
+          </a:prstGeom>
+        </p:spPr>
+        <p:style>
+          <a:lnRef idx="2">
+            <a:schemeClr val="dk1">
+              <a:shade val="50000"/>
+            </a:schemeClr>
+          </a:lnRef>
+          <a:fillRef idx="1">
+            <a:schemeClr val="dk1"/>
+          </a:fillRef>
+          <a:effectRef idx="0">
+            <a:schemeClr val="dk1"/>
+          </a:effectRef>
+          <a:fontRef idx="minor">
+            <a:schemeClr val="lt1"/>
+          </a:fontRef>
+        </p:style>
+        <p:txBody>
+          <a:bodyPr rtlCol="0" anchor="ctr"/>
+          <a:lstStyle/>
+          <a:p>
+            <a:pPr marL="0" marR="0" lvl="0" indent="0" algn="ctr" defTabSz="914400" rtl="0" eaLnBrk="1" fontAlgn="auto" latinLnBrk="0" hangingPunct="1">
+              <a:lnSpc>
+                <a:spcPct val="100000"/>
+              </a:lnSpc>
+              <a:spcBef>
+                <a:spcPts val="0"/>
+              </a:spcBef>
+              <a:spcAft>
+                <a:spcPts val="0"/>
+              </a:spcAft>
+              <a:buClrTx/>
+              <a:buSzTx/>
+              <a:buFontTx/>
+              <a:buNone/>
+              <a:tabLst/>
+              <a:defRPr/>
+            </a:pPr>
+            <a:endParaRPr kumimoji="0" lang="en-US" sz="1800" b="0" i="0" u="none" strike="noStrike" kern="1200" cap="none" spc="0" normalizeH="0" baseline="0" noProof="0">
+              <a:ln>
+                <a:noFill/>
+              </a:ln>
+              <a:solidFill>
+                <a:prstClr val="white"/>
+              </a:solidFill>
+              <a:effectLst/>
+              <a:uLnTx/>
+              <a:uFillTx/>
+              <a:latin typeface="Calibri"/>
+              <a:ea typeface="+mn-ea"/>
+              <a:cs typeface="+mn-cs"/>
+            </a:endParaRPr>
+          </a:p>
+        </p:txBody>
+      </p:sp>
+      <p:sp>
+        <p:nvSpPr>
+          <p:cNvPr id="21" name="Oval 20">
+            <a:extLst>
+              <a:ext uri="{FF2B5EF4-FFF2-40B4-BE49-F238E27FC236}">
+                <a16:creationId xmlns:a16="http://schemas.microsoft.com/office/drawing/2014/main" id="{C4071959-886C-42AF-961F-46A810A191B6}"/>
+              </a:ext>
+            </a:extLst>
+          </p:cNvPr>
+          <p:cNvSpPr/>
+          <p:nvPr/>
+        </p:nvSpPr>
+        <p:spPr>
+          <a:xfrm flipV="1">
+            <a:off x="7772400" y="4343400"/>
+            <a:ext cx="91440" cy="91440"/>
+          </a:xfrm>
+          <a:prstGeom prst="ellipse">
+            <a:avLst/>
+          </a:prstGeom>
+        </p:spPr>
+        <p:style>
+          <a:lnRef idx="2">
+            <a:schemeClr val="dk1">
+              <a:shade val="50000"/>
+            </a:schemeClr>
+          </a:lnRef>
+          <a:fillRef idx="1">
+            <a:schemeClr val="dk1"/>
+          </a:fillRef>
+          <a:effectRef idx="0">
+            <a:schemeClr val="dk1"/>
+          </a:effectRef>
+          <a:fontRef idx="minor">
+            <a:schemeClr val="lt1"/>
+          </a:fontRef>
+        </p:style>
+        <p:txBody>
+          <a:bodyPr rtlCol="0" anchor="ctr"/>
+          <a:lstStyle/>
+          <a:p>
+            <a:pPr marL="0" marR="0" lvl="0" indent="0" algn="ctr" defTabSz="914400" rtl="0" eaLnBrk="1" fontAlgn="auto" latinLnBrk="0" hangingPunct="1">
+              <a:lnSpc>
+                <a:spcPct val="100000"/>
+              </a:lnSpc>
+              <a:spcBef>
+                <a:spcPts val="0"/>
+              </a:spcBef>
+              <a:spcAft>
+                <a:spcPts val="0"/>
+              </a:spcAft>
+              <a:buClrTx/>
+              <a:buSzTx/>
+              <a:buFontTx/>
+              <a:buNone/>
+              <a:tabLst/>
+              <a:defRPr/>
+            </a:pPr>
+            <a:endParaRPr kumimoji="0" lang="en-US" sz="1800" b="0" i="0" u="none" strike="noStrike" kern="1200" cap="none" spc="0" normalizeH="0" baseline="0" noProof="0">
+              <a:ln>
+                <a:noFill/>
+              </a:ln>
+              <a:solidFill>
+                <a:prstClr val="white"/>
+              </a:solidFill>
+              <a:effectLst/>
+              <a:uLnTx/>
+              <a:uFillTx/>
+              <a:latin typeface="Calibri"/>
+              <a:ea typeface="+mn-ea"/>
+              <a:cs typeface="+mn-cs"/>
+            </a:endParaRPr>
+          </a:p>
+        </p:txBody>
+      </p:sp>
+      <p:sp>
+        <p:nvSpPr>
+          <p:cNvPr id="24" name="Rounded Rectangle 3">
+            <a:extLst>
+              <a:ext uri="{FF2B5EF4-FFF2-40B4-BE49-F238E27FC236}">
+                <a16:creationId xmlns:a16="http://schemas.microsoft.com/office/drawing/2014/main" id="{B4774DB7-CA4E-4E1E-BFFF-5E6770EC21F3}"/>
+              </a:ext>
+            </a:extLst>
+          </p:cNvPr>
+          <p:cNvSpPr/>
+          <p:nvPr/>
+        </p:nvSpPr>
+        <p:spPr>
+          <a:xfrm rot="2634374">
+            <a:off x="5118832" y="3716216"/>
+            <a:ext cx="1847964" cy="228600"/>
+          </a:xfrm>
+          <a:prstGeom prst="roundRect">
+            <a:avLst>
+              <a:gd name="adj" fmla="val 50000"/>
+            </a:avLst>
+          </a:prstGeom>
+        </p:spPr>
+        <p:style>
+          <a:lnRef idx="1">
+            <a:schemeClr val="dk1"/>
+          </a:lnRef>
+          <a:fillRef idx="2">
+            <a:schemeClr val="dk1"/>
+          </a:fillRef>
+          <a:effectRef idx="1">
+            <a:schemeClr val="dk1"/>
+          </a:effectRef>
+          <a:fontRef idx="minor">
+            <a:schemeClr val="dk1"/>
+          </a:fontRef>
+        </p:style>
+        <p:txBody>
+          <a:bodyPr rtlCol="0" anchor="ctr"/>
+          <a:lstStyle/>
+          <a:p>
+            <a:pPr marL="0" marR="0" lvl="0" indent="0" algn="ctr" defTabSz="914400" rtl="0" eaLnBrk="1" fontAlgn="auto" latinLnBrk="0" hangingPunct="1">
+              <a:lnSpc>
+                <a:spcPct val="100000"/>
+              </a:lnSpc>
+              <a:spcBef>
+                <a:spcPts val="0"/>
+              </a:spcBef>
+              <a:spcAft>
+                <a:spcPts val="0"/>
+              </a:spcAft>
+              <a:buClrTx/>
+              <a:buSzTx/>
+              <a:buFontTx/>
+              <a:buNone/>
+              <a:tabLst/>
+              <a:defRPr/>
+            </a:pPr>
+            <a:endParaRPr kumimoji="0" lang="en-US" sz="1800" b="0" i="0" u="none" strike="noStrike" kern="1200" cap="none" spc="0" normalizeH="0" baseline="0" noProof="0">
+              <a:ln>
+                <a:noFill/>
+              </a:ln>
+              <a:solidFill>
+                <a:prstClr val="black"/>
+              </a:solidFill>
+              <a:effectLst/>
+              <a:uLnTx/>
+              <a:uFillTx/>
+              <a:latin typeface="Calibri"/>
+              <a:ea typeface="+mn-ea"/>
+              <a:cs typeface="+mn-cs"/>
+            </a:endParaRPr>
+          </a:p>
+        </p:txBody>
+      </p:sp>
+      <p:sp>
+        <p:nvSpPr>
+          <p:cNvPr id="25" name="Rounded Rectangle 3">
+            <a:extLst>
+              <a:ext uri="{FF2B5EF4-FFF2-40B4-BE49-F238E27FC236}">
+                <a16:creationId xmlns:a16="http://schemas.microsoft.com/office/drawing/2014/main" id="{5611BBB8-9C1E-489E-8D9E-CD808EFCDA8F}"/>
+              </a:ext>
+            </a:extLst>
+          </p:cNvPr>
+          <p:cNvSpPr/>
+          <p:nvPr/>
+        </p:nvSpPr>
+        <p:spPr>
+          <a:xfrm rot="2634374">
+            <a:off x="5141569" y="2562154"/>
+            <a:ext cx="1847964" cy="228600"/>
+          </a:xfrm>
+          <a:prstGeom prst="roundRect">
+            <a:avLst>
+              <a:gd name="adj" fmla="val 50000"/>
+            </a:avLst>
+          </a:prstGeom>
+        </p:spPr>
+        <p:style>
+          <a:lnRef idx="1">
+            <a:schemeClr val="dk1"/>
+          </a:lnRef>
+          <a:fillRef idx="2">
+            <a:schemeClr val="dk1"/>
+          </a:fillRef>
+          <a:effectRef idx="1">
+            <a:schemeClr val="dk1"/>
+          </a:effectRef>
+          <a:fontRef idx="minor">
+            <a:schemeClr val="dk1"/>
+          </a:fontRef>
+        </p:style>
+        <p:txBody>
+          <a:bodyPr rtlCol="0" anchor="ctr"/>
+          <a:lstStyle/>
+          <a:p>
+            <a:pPr marL="0" marR="0" lvl="0" indent="0" algn="ctr" defTabSz="914400" rtl="0" eaLnBrk="1" fontAlgn="auto" latinLnBrk="0" hangingPunct="1">
+              <a:lnSpc>
+                <a:spcPct val="100000"/>
+              </a:lnSpc>
+              <a:spcBef>
+                <a:spcPts val="0"/>
+              </a:spcBef>
+              <a:spcAft>
+                <a:spcPts val="0"/>
+              </a:spcAft>
+              <a:buClrTx/>
+              <a:buSzTx/>
+              <a:buFontTx/>
+              <a:buNone/>
+              <a:tabLst/>
+              <a:defRPr/>
+            </a:pPr>
+            <a:endParaRPr kumimoji="0" lang="en-US" sz="1800" b="0" i="0" u="none" strike="noStrike" kern="1200" cap="none" spc="0" normalizeH="0" baseline="0" noProof="0">
+              <a:ln>
+                <a:noFill/>
+              </a:ln>
+              <a:solidFill>
+                <a:prstClr val="black"/>
+              </a:solidFill>
+              <a:effectLst/>
+              <a:uLnTx/>
+              <a:uFillTx/>
+              <a:latin typeface="Calibri"/>
+              <a:ea typeface="+mn-ea"/>
+              <a:cs typeface="+mn-cs"/>
+            </a:endParaRPr>
+          </a:p>
+        </p:txBody>
+      </p:sp>
+      <p:sp>
+        <p:nvSpPr>
+          <p:cNvPr id="22" name="Rounded Rectangle 3">
+            <a:extLst>
+              <a:ext uri="{FF2B5EF4-FFF2-40B4-BE49-F238E27FC236}">
+                <a16:creationId xmlns:a16="http://schemas.microsoft.com/office/drawing/2014/main" id="{6F3B814D-CFA9-4215-AAF3-59D56EDDDAEC}"/>
+              </a:ext>
+            </a:extLst>
+          </p:cNvPr>
+          <p:cNvSpPr/>
+          <p:nvPr/>
+        </p:nvSpPr>
+        <p:spPr>
+          <a:xfrm flipH="1" flipV="1">
+            <a:off x="5336406" y="3142523"/>
+            <a:ext cx="1442664" cy="228600"/>
+          </a:xfrm>
+          <a:prstGeom prst="roundRect">
+            <a:avLst>
+              <a:gd name="adj" fmla="val 50000"/>
+            </a:avLst>
+          </a:prstGeom>
+        </p:spPr>
+        <p:style>
+          <a:lnRef idx="1">
+            <a:schemeClr val="dk1"/>
+          </a:lnRef>
+          <a:fillRef idx="2">
+            <a:schemeClr val="dk1"/>
+          </a:fillRef>
+          <a:effectRef idx="1">
+            <a:schemeClr val="dk1"/>
+          </a:effectRef>
+          <a:fontRef idx="minor">
+            <a:schemeClr val="dk1"/>
+          </a:fontRef>
+        </p:style>
+        <p:txBody>
+          <a:bodyPr rtlCol="0" anchor="ctr"/>
+          <a:lstStyle/>
+          <a:p>
+            <a:pPr marL="0" marR="0" lvl="0" indent="0" algn="ctr" defTabSz="914400" rtl="0" eaLnBrk="1" fontAlgn="auto" latinLnBrk="0" hangingPunct="1">
+              <a:lnSpc>
+                <a:spcPct val="100000"/>
+              </a:lnSpc>
+              <a:spcBef>
+                <a:spcPts val="0"/>
+              </a:spcBef>
+              <a:spcAft>
+                <a:spcPts val="0"/>
+              </a:spcAft>
+              <a:buClrTx/>
+              <a:buSzTx/>
+              <a:buFontTx/>
+              <a:buNone/>
+              <a:tabLst/>
+              <a:defRPr/>
+            </a:pPr>
+            <a:endParaRPr kumimoji="0" lang="en-US" sz="1800" b="0" i="0" u="none" strike="noStrike" kern="1200" cap="none" spc="0" normalizeH="0" baseline="0" noProof="0">
+              <a:ln>
+                <a:noFill/>
+              </a:ln>
+              <a:solidFill>
+                <a:prstClr val="black"/>
+              </a:solidFill>
+              <a:effectLst/>
+              <a:uLnTx/>
+              <a:uFillTx/>
+              <a:latin typeface="Calibri"/>
+              <a:ea typeface="+mn-ea"/>
+              <a:cs typeface="+mn-cs"/>
+            </a:endParaRPr>
+          </a:p>
+        </p:txBody>
+      </p:sp>
+      <p:sp>
+        <p:nvSpPr>
+          <p:cNvPr id="30" name="Rounded Rectangle 3">
+            <a:extLst>
+              <a:ext uri="{FF2B5EF4-FFF2-40B4-BE49-F238E27FC236}">
+                <a16:creationId xmlns:a16="http://schemas.microsoft.com/office/drawing/2014/main" id="{C93D557B-D17E-4B23-954C-744639878437}"/>
+              </a:ext>
+            </a:extLst>
+          </p:cNvPr>
+          <p:cNvSpPr/>
+          <p:nvPr/>
+        </p:nvSpPr>
+        <p:spPr>
+          <a:xfrm rot="5400000" flipH="1" flipV="1">
+            <a:off x="4745878" y="2562139"/>
+            <a:ext cx="1371600" cy="228600"/>
+          </a:xfrm>
+          <a:prstGeom prst="roundRect">
+            <a:avLst>
+              <a:gd name="adj" fmla="val 50000"/>
+            </a:avLst>
+          </a:prstGeom>
+        </p:spPr>
+        <p:style>
+          <a:lnRef idx="1">
+            <a:schemeClr val="dk1"/>
+          </a:lnRef>
+          <a:fillRef idx="2">
+            <a:schemeClr val="dk1"/>
+          </a:fillRef>
+          <a:effectRef idx="1">
+            <a:schemeClr val="dk1"/>
+          </a:effectRef>
+          <a:fontRef idx="minor">
+            <a:schemeClr val="dk1"/>
+          </a:fontRef>
+        </p:style>
+        <p:txBody>
+          <a:bodyPr rtlCol="0" anchor="ctr"/>
+          <a:lstStyle/>
+          <a:p>
+            <a:pPr marL="0" marR="0" lvl="0" indent="0" algn="ctr" defTabSz="914400" rtl="0" eaLnBrk="1" fontAlgn="auto" latinLnBrk="0" hangingPunct="1">
+              <a:lnSpc>
+                <a:spcPct val="100000"/>
+              </a:lnSpc>
+              <a:spcBef>
+                <a:spcPts val="0"/>
+              </a:spcBef>
+              <a:spcAft>
+                <a:spcPts val="0"/>
+              </a:spcAft>
+              <a:buClrTx/>
+              <a:buSzTx/>
+              <a:buFontTx/>
+              <a:buNone/>
+              <a:tabLst/>
+              <a:defRPr/>
+            </a:pPr>
+            <a:endParaRPr kumimoji="0" lang="en-US" sz="1800" b="0" i="0" u="none" strike="noStrike" kern="1200" cap="none" spc="0" normalizeH="0" baseline="0" noProof="0">
+              <a:ln>
+                <a:noFill/>
+              </a:ln>
+              <a:solidFill>
+                <a:prstClr val="black"/>
+              </a:solidFill>
+              <a:effectLst/>
+              <a:uLnTx/>
+              <a:uFillTx/>
+              <a:latin typeface="Calibri"/>
+              <a:ea typeface="+mn-ea"/>
+              <a:cs typeface="+mn-cs"/>
+            </a:endParaRPr>
+          </a:p>
+        </p:txBody>
+      </p:sp>
+      <p:sp>
+        <p:nvSpPr>
+          <p:cNvPr id="31" name="Rounded Rectangle 3">
+            <a:extLst>
+              <a:ext uri="{FF2B5EF4-FFF2-40B4-BE49-F238E27FC236}">
+                <a16:creationId xmlns:a16="http://schemas.microsoft.com/office/drawing/2014/main" id="{17950C46-EC5D-4B2C-AB28-A08D3FC2488B}"/>
+              </a:ext>
+            </a:extLst>
+          </p:cNvPr>
+          <p:cNvSpPr/>
+          <p:nvPr/>
+        </p:nvSpPr>
+        <p:spPr>
+          <a:xfrm rot="2634374">
+            <a:off x="3973150" y="2607343"/>
+            <a:ext cx="1847964" cy="228600"/>
+          </a:xfrm>
+          <a:prstGeom prst="roundRect">
+            <a:avLst>
+              <a:gd name="adj" fmla="val 50000"/>
+            </a:avLst>
+          </a:prstGeom>
+        </p:spPr>
+        <p:style>
+          <a:lnRef idx="1">
+            <a:schemeClr val="dk1"/>
+          </a:lnRef>
+          <a:fillRef idx="2">
+            <a:schemeClr val="dk1"/>
+          </a:fillRef>
+          <a:effectRef idx="1">
+            <a:schemeClr val="dk1"/>
+          </a:effectRef>
+          <a:fontRef idx="minor">
+            <a:schemeClr val="dk1"/>
+          </a:fontRef>
+        </p:style>
+        <p:txBody>
+          <a:bodyPr rtlCol="0" anchor="ctr"/>
+          <a:lstStyle/>
+          <a:p>
+            <a:pPr marL="0" marR="0" lvl="0" indent="0" algn="ctr" defTabSz="914400" rtl="0" eaLnBrk="1" fontAlgn="auto" latinLnBrk="0" hangingPunct="1">
+              <a:lnSpc>
+                <a:spcPct val="100000"/>
+              </a:lnSpc>
+              <a:spcBef>
+                <a:spcPts val="0"/>
+              </a:spcBef>
+              <a:spcAft>
+                <a:spcPts val="0"/>
+              </a:spcAft>
+              <a:buClrTx/>
+              <a:buSzTx/>
+              <a:buFontTx/>
+              <a:buNone/>
+              <a:tabLst/>
+              <a:defRPr/>
+            </a:pPr>
+            <a:endParaRPr kumimoji="0" lang="en-US" sz="1800" b="0" i="0" u="none" strike="noStrike" kern="1200" cap="none" spc="0" normalizeH="0" baseline="0" noProof="0">
+              <a:ln>
+                <a:noFill/>
+              </a:ln>
+              <a:solidFill>
+                <a:prstClr val="black"/>
+              </a:solidFill>
+              <a:effectLst/>
+              <a:uLnTx/>
+              <a:uFillTx/>
+              <a:latin typeface="Calibri"/>
+              <a:ea typeface="+mn-ea"/>
+              <a:cs typeface="+mn-cs"/>
+            </a:endParaRPr>
+          </a:p>
+        </p:txBody>
+      </p:sp>
+      <p:sp>
+        <p:nvSpPr>
+          <p:cNvPr id="32" name="Rounded Rectangle 3">
+            <a:extLst>
+              <a:ext uri="{FF2B5EF4-FFF2-40B4-BE49-F238E27FC236}">
+                <a16:creationId xmlns:a16="http://schemas.microsoft.com/office/drawing/2014/main" id="{6BD87879-77FD-4EAF-8579-AF3CE9653CB5}"/>
+              </a:ext>
+            </a:extLst>
+          </p:cNvPr>
+          <p:cNvSpPr/>
+          <p:nvPr/>
+        </p:nvSpPr>
+        <p:spPr>
+          <a:xfrm flipH="1" flipV="1">
+            <a:off x="4128520" y="1998529"/>
+            <a:ext cx="1442664" cy="228600"/>
+          </a:xfrm>
+          <a:prstGeom prst="roundRect">
+            <a:avLst>
+              <a:gd name="adj" fmla="val 50000"/>
+            </a:avLst>
+          </a:prstGeom>
+        </p:spPr>
+        <p:style>
+          <a:lnRef idx="1">
+            <a:schemeClr val="dk1"/>
+          </a:lnRef>
+          <a:fillRef idx="2">
+            <a:schemeClr val="dk1"/>
+          </a:fillRef>
+          <a:effectRef idx="1">
+            <a:schemeClr val="dk1"/>
+          </a:effectRef>
+          <a:fontRef idx="minor">
+            <a:schemeClr val="dk1"/>
+          </a:fontRef>
+        </p:style>
+        <p:txBody>
+          <a:bodyPr rtlCol="0" anchor="ctr"/>
+          <a:lstStyle/>
+          <a:p>
+            <a:pPr marL="0" marR="0" lvl="0" indent="0" algn="ctr" defTabSz="914400" rtl="0" eaLnBrk="1" fontAlgn="auto" latinLnBrk="0" hangingPunct="1">
+              <a:lnSpc>
+                <a:spcPct val="100000"/>
+              </a:lnSpc>
+              <a:spcBef>
+                <a:spcPts val="0"/>
+              </a:spcBef>
+              <a:spcAft>
+                <a:spcPts val="0"/>
+              </a:spcAft>
+              <a:buClrTx/>
+              <a:buSzTx/>
+              <a:buFontTx/>
+              <a:buNone/>
+              <a:tabLst/>
+              <a:defRPr/>
+            </a:pPr>
+            <a:endParaRPr kumimoji="0" lang="en-US" sz="1800" b="0" i="0" u="none" strike="noStrike" kern="1200" cap="none" spc="0" normalizeH="0" baseline="0" noProof="0">
+              <a:ln>
+                <a:noFill/>
+              </a:ln>
+              <a:solidFill>
+                <a:prstClr val="black"/>
+              </a:solidFill>
+              <a:effectLst/>
+              <a:uLnTx/>
+              <a:uFillTx/>
+              <a:latin typeface="Calibri"/>
+              <a:ea typeface="+mn-ea"/>
+              <a:cs typeface="+mn-cs"/>
+            </a:endParaRPr>
+          </a:p>
+        </p:txBody>
+      </p:sp>
+      <p:sp>
+        <p:nvSpPr>
+          <p:cNvPr id="33" name="Oval 32">
+            <a:extLst>
+              <a:ext uri="{FF2B5EF4-FFF2-40B4-BE49-F238E27FC236}">
+                <a16:creationId xmlns:a16="http://schemas.microsoft.com/office/drawing/2014/main" id="{1CAF8282-8039-4376-A770-44B1CBB3C559}"/>
+              </a:ext>
+            </a:extLst>
+          </p:cNvPr>
+          <p:cNvSpPr/>
+          <p:nvPr/>
+        </p:nvSpPr>
+        <p:spPr>
+          <a:xfrm flipV="1">
+            <a:off x="6586586" y="4343400"/>
+            <a:ext cx="91440" cy="91440"/>
+          </a:xfrm>
+          <a:prstGeom prst="ellipse">
+            <a:avLst/>
+          </a:prstGeom>
+        </p:spPr>
+        <p:style>
+          <a:lnRef idx="2">
+            <a:schemeClr val="dk1">
+              <a:shade val="50000"/>
+            </a:schemeClr>
+          </a:lnRef>
+          <a:fillRef idx="1">
+            <a:schemeClr val="dk1"/>
+          </a:fillRef>
+          <a:effectRef idx="0">
+            <a:schemeClr val="dk1"/>
+          </a:effectRef>
+          <a:fontRef idx="minor">
+            <a:schemeClr val="lt1"/>
+          </a:fontRef>
+        </p:style>
+        <p:txBody>
+          <a:bodyPr rtlCol="0" anchor="ctr"/>
+          <a:lstStyle/>
+          <a:p>
+            <a:pPr marL="0" marR="0" lvl="0" indent="0" algn="ctr" defTabSz="914400" rtl="0" eaLnBrk="1" fontAlgn="auto" latinLnBrk="0" hangingPunct="1">
+              <a:lnSpc>
+                <a:spcPct val="100000"/>
+              </a:lnSpc>
+              <a:spcBef>
+                <a:spcPts val="0"/>
+              </a:spcBef>
+              <a:spcAft>
+                <a:spcPts val="0"/>
+              </a:spcAft>
+              <a:buClrTx/>
+              <a:buSzTx/>
+              <a:buFontTx/>
+              <a:buNone/>
+              <a:tabLst/>
+              <a:defRPr/>
+            </a:pPr>
+            <a:endParaRPr kumimoji="0" lang="en-US" sz="1800" b="0" i="0" u="none" strike="noStrike" kern="1200" cap="none" spc="0" normalizeH="0" baseline="0" noProof="0">
+              <a:ln>
+                <a:noFill/>
+              </a:ln>
+              <a:solidFill>
+                <a:prstClr val="white"/>
+              </a:solidFill>
+              <a:effectLst/>
+              <a:uLnTx/>
+              <a:uFillTx/>
+              <a:latin typeface="Calibri"/>
+              <a:ea typeface="+mn-ea"/>
+              <a:cs typeface="+mn-cs"/>
+            </a:endParaRPr>
+          </a:p>
+        </p:txBody>
+      </p:sp>
+      <p:sp>
+        <p:nvSpPr>
+          <p:cNvPr id="36" name="Rectangle 35">
+            <a:extLst>
+              <a:ext uri="{FF2B5EF4-FFF2-40B4-BE49-F238E27FC236}">
+                <a16:creationId xmlns:a16="http://schemas.microsoft.com/office/drawing/2014/main" id="{6F373D2A-452D-4D36-A702-641118A847BB}"/>
+              </a:ext>
+            </a:extLst>
+          </p:cNvPr>
+          <p:cNvSpPr/>
+          <p:nvPr/>
+        </p:nvSpPr>
+        <p:spPr>
+          <a:xfrm>
+            <a:off x="3826501" y="3038296"/>
+            <a:ext cx="858377" cy="369332"/>
+          </a:xfrm>
+          <a:prstGeom prst="rect">
+            <a:avLst/>
+          </a:prstGeom>
+        </p:spPr>
+        <p:txBody>
+          <a:bodyPr wrap="none">
+            <a:spAutoFit/>
+          </a:bodyPr>
+          <a:lstStyle/>
+          <a:p>
+            <a:pPr marL="0" marR="0" lvl="0" indent="0" algn="l" defTabSz="914400" rtl="0" eaLnBrk="1" fontAlgn="auto" latinLnBrk="0" hangingPunct="1">
+              <a:lnSpc>
+                <a:spcPct val="100000"/>
+              </a:lnSpc>
+              <a:spcBef>
+                <a:spcPts val="0"/>
+              </a:spcBef>
+              <a:spcAft>
+                <a:spcPts val="0"/>
+              </a:spcAft>
+              <a:buClrTx/>
+              <a:buSzTx/>
+              <a:buFontTx/>
+              <a:buNone/>
+              <a:tabLst/>
+              <a:defRPr/>
+            </a:pPr>
+            <a:r>
+              <a:rPr lang="en-US" b="1" dirty="0">
+                <a:solidFill>
+                  <a:srgbClr val="FF0000"/>
+                </a:solidFill>
+                <a:latin typeface="Calibri"/>
+              </a:rPr>
+              <a:t>800 lbs</a:t>
+            </a:r>
+            <a:endParaRPr kumimoji="0" lang="en-US" sz="1800" b="1" i="0" u="none" strike="noStrike" kern="1200" cap="none" spc="0" normalizeH="0" baseline="0" noProof="0" dirty="0">
+              <a:ln>
+                <a:noFill/>
+              </a:ln>
+              <a:solidFill>
+                <a:prstClr val="black"/>
+              </a:solidFill>
+              <a:effectLst/>
+              <a:uLnTx/>
+              <a:uFillTx/>
+              <a:latin typeface="Calibri"/>
+              <a:ea typeface="+mn-ea"/>
+              <a:cs typeface="+mn-cs"/>
+            </a:endParaRPr>
+          </a:p>
+        </p:txBody>
+      </p:sp>
+      <p:cxnSp>
+        <p:nvCxnSpPr>
+          <p:cNvPr id="37" name="Straight Arrow Connector 36">
+            <a:extLst>
+              <a:ext uri="{FF2B5EF4-FFF2-40B4-BE49-F238E27FC236}">
+                <a16:creationId xmlns:a16="http://schemas.microsoft.com/office/drawing/2014/main" id="{7209924A-76B9-4EF4-9A62-651934769DFA}"/>
+              </a:ext>
+            </a:extLst>
+          </p:cNvPr>
+          <p:cNvCxnSpPr>
+            <a:cxnSpLocks/>
+          </p:cNvCxnSpPr>
+          <p:nvPr/>
+        </p:nvCxnSpPr>
+        <p:spPr>
+          <a:xfrm flipH="1">
+            <a:off x="4249139" y="2143830"/>
+            <a:ext cx="2154" cy="821810"/>
+          </a:xfrm>
+          <a:prstGeom prst="straightConnector1">
+            <a:avLst/>
+          </a:prstGeom>
+          <a:ln>
+            <a:solidFill>
+              <a:srgbClr val="FF0000"/>
+            </a:solidFill>
+            <a:tailEnd type="arrow"/>
+          </a:ln>
+        </p:spPr>
+        <p:style>
+          <a:lnRef idx="3">
+            <a:schemeClr val="accent2"/>
+          </a:lnRef>
+          <a:fillRef idx="0">
+            <a:schemeClr val="accent2"/>
+          </a:fillRef>
+          <a:effectRef idx="2">
+            <a:schemeClr val="accent2"/>
+          </a:effectRef>
+          <a:fontRef idx="minor">
+            <a:schemeClr val="tx1"/>
+          </a:fontRef>
+        </p:style>
+      </p:cxnSp>
+      <p:sp>
+        <p:nvSpPr>
+          <p:cNvPr id="38" name="Oval 37">
+            <a:extLst>
+              <a:ext uri="{FF2B5EF4-FFF2-40B4-BE49-F238E27FC236}">
+                <a16:creationId xmlns:a16="http://schemas.microsoft.com/office/drawing/2014/main" id="{03C4F9BF-060F-4ABE-9F2C-B97E309E3945}"/>
+              </a:ext>
+            </a:extLst>
+          </p:cNvPr>
+          <p:cNvSpPr/>
+          <p:nvPr/>
+        </p:nvSpPr>
+        <p:spPr>
+          <a:xfrm flipV="1">
+            <a:off x="6588945" y="3222962"/>
+            <a:ext cx="91440" cy="91440"/>
+          </a:xfrm>
+          <a:prstGeom prst="ellipse">
+            <a:avLst/>
+          </a:prstGeom>
+        </p:spPr>
+        <p:style>
+          <a:lnRef idx="2">
+            <a:schemeClr val="dk1">
+              <a:shade val="50000"/>
+            </a:schemeClr>
+          </a:lnRef>
+          <a:fillRef idx="1">
+            <a:schemeClr val="dk1"/>
+          </a:fillRef>
+          <a:effectRef idx="0">
+            <a:schemeClr val="dk1"/>
+          </a:effectRef>
+          <a:fontRef idx="minor">
+            <a:schemeClr val="lt1"/>
+          </a:fontRef>
+        </p:style>
+        <p:txBody>
+          <a:bodyPr rtlCol="0" anchor="ctr"/>
+          <a:lstStyle/>
+          <a:p>
+            <a:pPr marL="0" marR="0" lvl="0" indent="0" algn="ctr" defTabSz="914400" rtl="0" eaLnBrk="1" fontAlgn="auto" latinLnBrk="0" hangingPunct="1">
+              <a:lnSpc>
+                <a:spcPct val="100000"/>
+              </a:lnSpc>
+              <a:spcBef>
+                <a:spcPts val="0"/>
+              </a:spcBef>
+              <a:spcAft>
+                <a:spcPts val="0"/>
+              </a:spcAft>
+              <a:buClrTx/>
+              <a:buSzTx/>
+              <a:buFontTx/>
+              <a:buNone/>
+              <a:tabLst/>
+              <a:defRPr/>
+            </a:pPr>
+            <a:endParaRPr kumimoji="0" lang="en-US" sz="1800" b="0" i="0" u="none" strike="noStrike" kern="1200" cap="none" spc="0" normalizeH="0" baseline="0" noProof="0">
+              <a:ln>
+                <a:noFill/>
+              </a:ln>
+              <a:solidFill>
+                <a:prstClr val="white"/>
+              </a:solidFill>
+              <a:effectLst/>
+              <a:uLnTx/>
+              <a:uFillTx/>
+              <a:latin typeface="Calibri"/>
+              <a:ea typeface="+mn-ea"/>
+              <a:cs typeface="+mn-cs"/>
+            </a:endParaRPr>
+          </a:p>
+        </p:txBody>
+      </p:sp>
+      <p:sp>
+        <p:nvSpPr>
+          <p:cNvPr id="41" name="Oval 40">
+            <a:extLst>
+              <a:ext uri="{FF2B5EF4-FFF2-40B4-BE49-F238E27FC236}">
+                <a16:creationId xmlns:a16="http://schemas.microsoft.com/office/drawing/2014/main" id="{C42B08BD-4A63-461A-8572-F65F0E46F728}"/>
+              </a:ext>
+            </a:extLst>
+          </p:cNvPr>
+          <p:cNvSpPr/>
+          <p:nvPr/>
+        </p:nvSpPr>
+        <p:spPr>
+          <a:xfrm flipV="1">
+            <a:off x="5400261" y="2081916"/>
+            <a:ext cx="91440" cy="91440"/>
+          </a:xfrm>
+          <a:prstGeom prst="ellipse">
+            <a:avLst/>
+          </a:prstGeom>
+        </p:spPr>
+        <p:style>
+          <a:lnRef idx="2">
+            <a:schemeClr val="dk1">
+              <a:shade val="50000"/>
+            </a:schemeClr>
+          </a:lnRef>
+          <a:fillRef idx="1">
+            <a:schemeClr val="dk1"/>
+          </a:fillRef>
+          <a:effectRef idx="0">
+            <a:schemeClr val="dk1"/>
+          </a:effectRef>
+          <a:fontRef idx="minor">
+            <a:schemeClr val="lt1"/>
+          </a:fontRef>
+        </p:style>
+        <p:txBody>
+          <a:bodyPr rtlCol="0" anchor="ctr"/>
+          <a:lstStyle/>
+          <a:p>
+            <a:pPr marL="0" marR="0" lvl="0" indent="0" algn="ctr" defTabSz="914400" rtl="0" eaLnBrk="1" fontAlgn="auto" latinLnBrk="0" hangingPunct="1">
+              <a:lnSpc>
+                <a:spcPct val="100000"/>
+              </a:lnSpc>
+              <a:spcBef>
+                <a:spcPts val="0"/>
+              </a:spcBef>
+              <a:spcAft>
+                <a:spcPts val="0"/>
+              </a:spcAft>
+              <a:buClrTx/>
+              <a:buSzTx/>
+              <a:buFontTx/>
+              <a:buNone/>
+              <a:tabLst/>
+              <a:defRPr/>
+            </a:pPr>
+            <a:endParaRPr kumimoji="0" lang="en-US" sz="1800" b="0" i="0" u="none" strike="noStrike" kern="1200" cap="none" spc="0" normalizeH="0" baseline="0" noProof="0">
+              <a:ln>
+                <a:noFill/>
+              </a:ln>
+              <a:solidFill>
+                <a:prstClr val="white"/>
+              </a:solidFill>
+              <a:effectLst/>
+              <a:uLnTx/>
+              <a:uFillTx/>
+              <a:latin typeface="Calibri"/>
+              <a:ea typeface="+mn-ea"/>
+              <a:cs typeface="+mn-cs"/>
+            </a:endParaRPr>
+          </a:p>
+        </p:txBody>
+      </p:sp>
+      <p:sp>
+        <p:nvSpPr>
+          <p:cNvPr id="42" name="Oval 41">
+            <a:extLst>
+              <a:ext uri="{FF2B5EF4-FFF2-40B4-BE49-F238E27FC236}">
+                <a16:creationId xmlns:a16="http://schemas.microsoft.com/office/drawing/2014/main" id="{71928259-4F83-4545-8ECD-AA9193B4C44C}"/>
+              </a:ext>
+            </a:extLst>
+          </p:cNvPr>
+          <p:cNvSpPr/>
+          <p:nvPr/>
+        </p:nvSpPr>
+        <p:spPr>
+          <a:xfrm flipV="1">
+            <a:off x="4220817" y="2087217"/>
+            <a:ext cx="91440" cy="91440"/>
+          </a:xfrm>
+          <a:prstGeom prst="ellipse">
+            <a:avLst/>
+          </a:prstGeom>
+        </p:spPr>
+        <p:style>
+          <a:lnRef idx="2">
+            <a:schemeClr val="dk1">
+              <a:shade val="50000"/>
+            </a:schemeClr>
+          </a:lnRef>
+          <a:fillRef idx="1">
+            <a:schemeClr val="dk1"/>
+          </a:fillRef>
+          <a:effectRef idx="0">
+            <a:schemeClr val="dk1"/>
+          </a:effectRef>
+          <a:fontRef idx="minor">
+            <a:schemeClr val="lt1"/>
+          </a:fontRef>
+        </p:style>
+        <p:txBody>
+          <a:bodyPr rtlCol="0" anchor="ctr"/>
+          <a:lstStyle/>
+          <a:p>
+            <a:pPr marL="0" marR="0" lvl="0" indent="0" algn="ctr" defTabSz="914400" rtl="0" eaLnBrk="1" fontAlgn="auto" latinLnBrk="0" hangingPunct="1">
+              <a:lnSpc>
+                <a:spcPct val="100000"/>
+              </a:lnSpc>
+              <a:spcBef>
+                <a:spcPts val="0"/>
+              </a:spcBef>
+              <a:spcAft>
+                <a:spcPts val="0"/>
+              </a:spcAft>
+              <a:buClrTx/>
+              <a:buSzTx/>
+              <a:buFontTx/>
+              <a:buNone/>
+              <a:tabLst/>
+              <a:defRPr/>
+            </a:pPr>
+            <a:endParaRPr kumimoji="0" lang="en-US" sz="1800" b="0" i="0" u="none" strike="noStrike" kern="1200" cap="none" spc="0" normalizeH="0" baseline="0" noProof="0">
+              <a:ln>
+                <a:noFill/>
+              </a:ln>
+              <a:solidFill>
+                <a:prstClr val="white"/>
+              </a:solidFill>
+              <a:effectLst/>
+              <a:uLnTx/>
+              <a:uFillTx/>
+              <a:latin typeface="Calibri"/>
+              <a:ea typeface="+mn-ea"/>
+              <a:cs typeface="+mn-cs"/>
+            </a:endParaRPr>
+          </a:p>
+        </p:txBody>
+      </p:sp>
+      <p:sp>
+        <p:nvSpPr>
+          <p:cNvPr id="43" name="Oval 42">
+            <a:extLst>
+              <a:ext uri="{FF2B5EF4-FFF2-40B4-BE49-F238E27FC236}">
+                <a16:creationId xmlns:a16="http://schemas.microsoft.com/office/drawing/2014/main" id="{3C80D810-7340-41F5-A1DF-FF2356030C3F}"/>
+              </a:ext>
+            </a:extLst>
+          </p:cNvPr>
+          <p:cNvSpPr/>
+          <p:nvPr/>
+        </p:nvSpPr>
+        <p:spPr>
+          <a:xfrm flipV="1">
+            <a:off x="5420139" y="3234855"/>
+            <a:ext cx="91440" cy="91440"/>
+          </a:xfrm>
+          <a:prstGeom prst="ellipse">
+            <a:avLst/>
+          </a:prstGeom>
+        </p:spPr>
+        <p:style>
+          <a:lnRef idx="2">
+            <a:schemeClr val="dk1">
+              <a:shade val="50000"/>
+            </a:schemeClr>
+          </a:lnRef>
+          <a:fillRef idx="1">
+            <a:schemeClr val="dk1"/>
+          </a:fillRef>
+          <a:effectRef idx="0">
+            <a:schemeClr val="dk1"/>
+          </a:effectRef>
+          <a:fontRef idx="minor">
+            <a:schemeClr val="lt1"/>
+          </a:fontRef>
+        </p:style>
+        <p:txBody>
+          <a:bodyPr rtlCol="0" anchor="ctr"/>
+          <a:lstStyle/>
+          <a:p>
+            <a:pPr marL="0" marR="0" lvl="0" indent="0" algn="ctr" defTabSz="914400" rtl="0" eaLnBrk="1" fontAlgn="auto" latinLnBrk="0" hangingPunct="1">
+              <a:lnSpc>
+                <a:spcPct val="100000"/>
+              </a:lnSpc>
+              <a:spcBef>
+                <a:spcPts val="0"/>
+              </a:spcBef>
+              <a:spcAft>
+                <a:spcPts val="0"/>
+              </a:spcAft>
+              <a:buClrTx/>
+              <a:buSzTx/>
+              <a:buFontTx/>
+              <a:buNone/>
+              <a:tabLst/>
+              <a:defRPr/>
+            </a:pPr>
+            <a:endParaRPr kumimoji="0" lang="en-US" sz="1800" b="0" i="0" u="none" strike="noStrike" kern="1200" cap="none" spc="0" normalizeH="0" baseline="0" noProof="0">
+              <a:ln>
+                <a:noFill/>
+              </a:ln>
+              <a:solidFill>
+                <a:prstClr val="white"/>
+              </a:solidFill>
+              <a:effectLst/>
+              <a:uLnTx/>
+              <a:uFillTx/>
+              <a:latin typeface="Calibri"/>
+              <a:ea typeface="+mn-ea"/>
+              <a:cs typeface="+mn-cs"/>
+            </a:endParaRPr>
+          </a:p>
+        </p:txBody>
+      </p:sp>
+      <p:sp>
+        <p:nvSpPr>
+          <p:cNvPr id="45" name="Rounded Rectangle 3">
+            <a:extLst>
+              <a:ext uri="{FF2B5EF4-FFF2-40B4-BE49-F238E27FC236}">
+                <a16:creationId xmlns:a16="http://schemas.microsoft.com/office/drawing/2014/main" id="{9C84B045-C62A-42E0-A447-E71DE44D0E88}"/>
+              </a:ext>
+            </a:extLst>
+          </p:cNvPr>
+          <p:cNvSpPr/>
+          <p:nvPr/>
+        </p:nvSpPr>
+        <p:spPr>
+          <a:xfrm rot="5400000">
+            <a:off x="6486939" y="5638800"/>
+            <a:ext cx="228600" cy="228600"/>
+          </a:xfrm>
+          <a:prstGeom prst="roundRect">
+            <a:avLst>
+              <a:gd name="adj" fmla="val 50000"/>
+            </a:avLst>
+          </a:prstGeom>
+        </p:spPr>
+        <p:style>
+          <a:lnRef idx="1">
+            <a:schemeClr val="dk1"/>
+          </a:lnRef>
+          <a:fillRef idx="2">
+            <a:schemeClr val="dk1"/>
+          </a:fillRef>
+          <a:effectRef idx="1">
+            <a:schemeClr val="dk1"/>
+          </a:effectRef>
+          <a:fontRef idx="minor">
+            <a:schemeClr val="dk1"/>
+          </a:fontRef>
+        </p:style>
+        <p:txBody>
+          <a:bodyPr rtlCol="0" anchor="ctr"/>
+          <a:lstStyle/>
+          <a:p>
+            <a:pPr marL="0" marR="0" lvl="0" indent="0" algn="ctr" defTabSz="914400" rtl="0" eaLnBrk="1" fontAlgn="auto" latinLnBrk="0" hangingPunct="1">
+              <a:lnSpc>
+                <a:spcPct val="100000"/>
+              </a:lnSpc>
+              <a:spcBef>
+                <a:spcPts val="0"/>
+              </a:spcBef>
+              <a:spcAft>
+                <a:spcPts val="0"/>
+              </a:spcAft>
+              <a:buClrTx/>
+              <a:buSzTx/>
+              <a:buFontTx/>
+              <a:buNone/>
+              <a:tabLst/>
+              <a:defRPr/>
+            </a:pPr>
+            <a:endParaRPr kumimoji="0" lang="en-US" sz="1800" b="0" i="0" u="none" strike="noStrike" kern="1200" cap="none" spc="0" normalizeH="0" baseline="0" noProof="0">
+              <a:ln>
+                <a:noFill/>
+              </a:ln>
+              <a:solidFill>
+                <a:prstClr val="black"/>
+              </a:solidFill>
+              <a:effectLst/>
+              <a:uLnTx/>
+              <a:uFillTx/>
+              <a:latin typeface="Calibri"/>
+              <a:ea typeface="+mn-ea"/>
+              <a:cs typeface="+mn-cs"/>
+            </a:endParaRPr>
+          </a:p>
+        </p:txBody>
+      </p:sp>
+      <p:cxnSp>
+        <p:nvCxnSpPr>
+          <p:cNvPr id="46" name="Straight Connector 45">
+            <a:extLst>
+              <a:ext uri="{FF2B5EF4-FFF2-40B4-BE49-F238E27FC236}">
+                <a16:creationId xmlns:a16="http://schemas.microsoft.com/office/drawing/2014/main" id="{9255B18E-F7D8-4080-A598-C6AF7272E085}"/>
+              </a:ext>
+            </a:extLst>
+          </p:cNvPr>
+          <p:cNvCxnSpPr>
+            <a:cxnSpLocks/>
+          </p:cNvCxnSpPr>
+          <p:nvPr/>
+        </p:nvCxnSpPr>
+        <p:spPr>
+          <a:xfrm>
+            <a:off x="8065016" y="5551125"/>
+            <a:ext cx="621784" cy="0"/>
+          </a:xfrm>
+          <a:prstGeom prst="line">
+            <a:avLst/>
+          </a:prstGeom>
+        </p:spPr>
+        <p:style>
+          <a:lnRef idx="1">
+            <a:schemeClr val="accent1"/>
+          </a:lnRef>
+          <a:fillRef idx="0">
+            <a:schemeClr val="accent1"/>
+          </a:fillRef>
+          <a:effectRef idx="0">
+            <a:schemeClr val="accent1"/>
+          </a:effectRef>
+          <a:fontRef idx="minor">
+            <a:schemeClr val="tx1"/>
+          </a:fontRef>
+        </p:style>
+      </p:cxnSp>
+      <p:cxnSp>
+        <p:nvCxnSpPr>
+          <p:cNvPr id="47" name="Straight Connector 46">
+            <a:extLst>
+              <a:ext uri="{FF2B5EF4-FFF2-40B4-BE49-F238E27FC236}">
+                <a16:creationId xmlns:a16="http://schemas.microsoft.com/office/drawing/2014/main" id="{22127FD0-4F81-4409-955F-93A678A6ECE8}"/>
+              </a:ext>
+            </a:extLst>
+          </p:cNvPr>
+          <p:cNvCxnSpPr>
+            <a:cxnSpLocks/>
+          </p:cNvCxnSpPr>
+          <p:nvPr/>
+        </p:nvCxnSpPr>
+        <p:spPr>
+          <a:xfrm>
+            <a:off x="8382000" y="2088543"/>
+            <a:ext cx="0" cy="3470970"/>
+          </a:xfrm>
+          <a:prstGeom prst="line">
+            <a:avLst/>
+          </a:prstGeom>
+        </p:spPr>
+        <p:style>
+          <a:lnRef idx="1">
+            <a:schemeClr val="accent1"/>
+          </a:lnRef>
+          <a:fillRef idx="0">
+            <a:schemeClr val="accent1"/>
+          </a:fillRef>
+          <a:effectRef idx="0">
+            <a:schemeClr val="accent1"/>
+          </a:effectRef>
+          <a:fontRef idx="minor">
+            <a:schemeClr val="tx1"/>
+          </a:fontRef>
+        </p:style>
+      </p:cxnSp>
+      <p:sp>
+        <p:nvSpPr>
+          <p:cNvPr id="48" name="TextBox 47">
+            <a:extLst>
+              <a:ext uri="{FF2B5EF4-FFF2-40B4-BE49-F238E27FC236}">
+                <a16:creationId xmlns:a16="http://schemas.microsoft.com/office/drawing/2014/main" id="{DB793E10-2625-4553-8E05-24405C48E6CB}"/>
+              </a:ext>
+            </a:extLst>
+          </p:cNvPr>
+          <p:cNvSpPr txBox="1"/>
+          <p:nvPr/>
+        </p:nvSpPr>
+        <p:spPr>
+          <a:xfrm>
+            <a:off x="8074847" y="4799886"/>
+            <a:ext cx="611886" cy="369332"/>
+          </a:xfrm>
+          <a:prstGeom prst="rect">
+            <a:avLst/>
+          </a:prstGeom>
+          <a:solidFill>
+            <a:schemeClr val="bg1"/>
+          </a:solidFill>
+        </p:spPr>
+        <p:txBody>
+          <a:bodyPr wrap="square" rtlCol="0">
+            <a:spAutoFit/>
+          </a:bodyPr>
+          <a:lstStyle/>
+          <a:p>
+            <a:pPr algn="ctr"/>
+            <a:r>
+              <a:rPr lang="en-US" dirty="0">
+                <a:solidFill>
+                  <a:schemeClr val="accent1"/>
+                </a:solidFill>
+              </a:rPr>
+              <a:t>5 ft</a:t>
+            </a:r>
+          </a:p>
+        </p:txBody>
+      </p:sp>
+      <p:cxnSp>
+        <p:nvCxnSpPr>
+          <p:cNvPr id="53" name="Straight Connector 52">
+            <a:extLst>
+              <a:ext uri="{FF2B5EF4-FFF2-40B4-BE49-F238E27FC236}">
+                <a16:creationId xmlns:a16="http://schemas.microsoft.com/office/drawing/2014/main" id="{ABAC3E76-45BB-4350-A868-E2A94FB42CFB}"/>
+              </a:ext>
+            </a:extLst>
+          </p:cNvPr>
+          <p:cNvCxnSpPr>
+            <a:cxnSpLocks/>
+          </p:cNvCxnSpPr>
+          <p:nvPr/>
+        </p:nvCxnSpPr>
+        <p:spPr>
+          <a:xfrm>
+            <a:off x="8065016" y="4434840"/>
+            <a:ext cx="621784" cy="0"/>
+          </a:xfrm>
+          <a:prstGeom prst="line">
+            <a:avLst/>
+          </a:prstGeom>
+        </p:spPr>
+        <p:style>
+          <a:lnRef idx="1">
+            <a:schemeClr val="accent1"/>
+          </a:lnRef>
+          <a:fillRef idx="0">
+            <a:schemeClr val="accent1"/>
+          </a:fillRef>
+          <a:effectRef idx="0">
+            <a:schemeClr val="accent1"/>
+          </a:effectRef>
+          <a:fontRef idx="minor">
+            <a:schemeClr val="tx1"/>
+          </a:fontRef>
+        </p:style>
+      </p:cxnSp>
+      <p:cxnSp>
+        <p:nvCxnSpPr>
+          <p:cNvPr id="54" name="Straight Connector 53">
+            <a:extLst>
+              <a:ext uri="{FF2B5EF4-FFF2-40B4-BE49-F238E27FC236}">
+                <a16:creationId xmlns:a16="http://schemas.microsoft.com/office/drawing/2014/main" id="{D3652CD8-5891-4839-B362-78A01AE04479}"/>
+              </a:ext>
+            </a:extLst>
+          </p:cNvPr>
+          <p:cNvCxnSpPr>
+            <a:cxnSpLocks/>
+          </p:cNvCxnSpPr>
+          <p:nvPr/>
+        </p:nvCxnSpPr>
+        <p:spPr>
+          <a:xfrm>
+            <a:off x="7045290" y="3256823"/>
+            <a:ext cx="1641510" cy="0"/>
+          </a:xfrm>
+          <a:prstGeom prst="line">
+            <a:avLst/>
+          </a:prstGeom>
+        </p:spPr>
+        <p:style>
+          <a:lnRef idx="1">
+            <a:schemeClr val="accent1"/>
+          </a:lnRef>
+          <a:fillRef idx="0">
+            <a:schemeClr val="accent1"/>
+          </a:fillRef>
+          <a:effectRef idx="0">
+            <a:schemeClr val="accent1"/>
+          </a:effectRef>
+          <a:fontRef idx="minor">
+            <a:schemeClr val="tx1"/>
+          </a:fontRef>
+        </p:style>
+      </p:cxnSp>
+      <p:cxnSp>
+        <p:nvCxnSpPr>
+          <p:cNvPr id="55" name="Straight Connector 54">
+            <a:extLst>
+              <a:ext uri="{FF2B5EF4-FFF2-40B4-BE49-F238E27FC236}">
+                <a16:creationId xmlns:a16="http://schemas.microsoft.com/office/drawing/2014/main" id="{08AEFF1E-635B-49F4-ADB5-53721DD7417B}"/>
+              </a:ext>
+            </a:extLst>
+          </p:cNvPr>
+          <p:cNvCxnSpPr>
+            <a:cxnSpLocks/>
+          </p:cNvCxnSpPr>
+          <p:nvPr/>
+        </p:nvCxnSpPr>
+        <p:spPr>
+          <a:xfrm flipV="1">
+            <a:off x="5791200" y="2081916"/>
+            <a:ext cx="2895600" cy="6627"/>
+          </a:xfrm>
+          <a:prstGeom prst="line">
+            <a:avLst/>
+          </a:prstGeom>
+        </p:spPr>
+        <p:style>
+          <a:lnRef idx="1">
+            <a:schemeClr val="accent1"/>
+          </a:lnRef>
+          <a:fillRef idx="0">
+            <a:schemeClr val="accent1"/>
+          </a:fillRef>
+          <a:effectRef idx="0">
+            <a:schemeClr val="accent1"/>
+          </a:effectRef>
+          <a:fontRef idx="minor">
+            <a:schemeClr val="tx1"/>
+          </a:fontRef>
+        </p:style>
+      </p:cxnSp>
+      <p:cxnSp>
+        <p:nvCxnSpPr>
+          <p:cNvPr id="58" name="Straight Connector 57">
+            <a:extLst>
+              <a:ext uri="{FF2B5EF4-FFF2-40B4-BE49-F238E27FC236}">
+                <a16:creationId xmlns:a16="http://schemas.microsoft.com/office/drawing/2014/main" id="{734B4FF1-9E89-4FC6-9263-254B951B39C2}"/>
+              </a:ext>
+            </a:extLst>
+          </p:cNvPr>
+          <p:cNvCxnSpPr>
+            <a:cxnSpLocks/>
+          </p:cNvCxnSpPr>
+          <p:nvPr/>
+        </p:nvCxnSpPr>
+        <p:spPr>
+          <a:xfrm flipV="1">
+            <a:off x="6659466" y="1333500"/>
+            <a:ext cx="2860" cy="1563113"/>
+          </a:xfrm>
+          <a:prstGeom prst="line">
+            <a:avLst/>
+          </a:prstGeom>
+        </p:spPr>
+        <p:style>
+          <a:lnRef idx="1">
+            <a:schemeClr val="accent1"/>
+          </a:lnRef>
+          <a:fillRef idx="0">
+            <a:schemeClr val="accent1"/>
+          </a:fillRef>
+          <a:effectRef idx="0">
+            <a:schemeClr val="accent1"/>
+          </a:effectRef>
+          <a:fontRef idx="minor">
+            <a:schemeClr val="tx1"/>
+          </a:fontRef>
+        </p:style>
+      </p:cxnSp>
+      <p:cxnSp>
+        <p:nvCxnSpPr>
+          <p:cNvPr id="60" name="Straight Connector 59">
+            <a:extLst>
+              <a:ext uri="{FF2B5EF4-FFF2-40B4-BE49-F238E27FC236}">
+                <a16:creationId xmlns:a16="http://schemas.microsoft.com/office/drawing/2014/main" id="{D32BC9DB-7F61-49FF-B5C1-BF9861823DA1}"/>
+              </a:ext>
+            </a:extLst>
+          </p:cNvPr>
+          <p:cNvCxnSpPr>
+            <a:cxnSpLocks/>
+          </p:cNvCxnSpPr>
+          <p:nvPr/>
+        </p:nvCxnSpPr>
+        <p:spPr>
+          <a:xfrm flipV="1">
+            <a:off x="5426561" y="1333500"/>
+            <a:ext cx="0" cy="533400"/>
+          </a:xfrm>
+          <a:prstGeom prst="line">
+            <a:avLst/>
+          </a:prstGeom>
+        </p:spPr>
+        <p:style>
+          <a:lnRef idx="1">
+            <a:schemeClr val="accent1"/>
+          </a:lnRef>
+          <a:fillRef idx="0">
+            <a:schemeClr val="accent1"/>
+          </a:fillRef>
+          <a:effectRef idx="0">
+            <a:schemeClr val="accent1"/>
+          </a:effectRef>
+          <a:fontRef idx="minor">
+            <a:schemeClr val="tx1"/>
+          </a:fontRef>
+        </p:style>
+      </p:cxnSp>
+      <p:cxnSp>
+        <p:nvCxnSpPr>
+          <p:cNvPr id="61" name="Straight Connector 60">
+            <a:extLst>
+              <a:ext uri="{FF2B5EF4-FFF2-40B4-BE49-F238E27FC236}">
+                <a16:creationId xmlns:a16="http://schemas.microsoft.com/office/drawing/2014/main" id="{0CD31C4B-4369-4D3F-A228-00EF3C90B372}"/>
+              </a:ext>
+            </a:extLst>
+          </p:cNvPr>
+          <p:cNvCxnSpPr>
+            <a:cxnSpLocks/>
+          </p:cNvCxnSpPr>
+          <p:nvPr/>
+        </p:nvCxnSpPr>
+        <p:spPr>
+          <a:xfrm flipV="1">
+            <a:off x="4284318" y="1333500"/>
+            <a:ext cx="0" cy="533400"/>
+          </a:xfrm>
+          <a:prstGeom prst="line">
+            <a:avLst/>
+          </a:prstGeom>
+        </p:spPr>
+        <p:style>
+          <a:lnRef idx="1">
+            <a:schemeClr val="accent1"/>
+          </a:lnRef>
+          <a:fillRef idx="0">
+            <a:schemeClr val="accent1"/>
+          </a:fillRef>
+          <a:effectRef idx="0">
+            <a:schemeClr val="accent1"/>
+          </a:effectRef>
+          <a:fontRef idx="minor">
+            <a:schemeClr val="tx1"/>
+          </a:fontRef>
+        </p:style>
+      </p:cxnSp>
+      <p:cxnSp>
+        <p:nvCxnSpPr>
+          <p:cNvPr id="62" name="Straight Connector 61">
+            <a:extLst>
+              <a:ext uri="{FF2B5EF4-FFF2-40B4-BE49-F238E27FC236}">
+                <a16:creationId xmlns:a16="http://schemas.microsoft.com/office/drawing/2014/main" id="{DF269326-2655-4543-9406-16760E62B134}"/>
+              </a:ext>
+            </a:extLst>
+          </p:cNvPr>
+          <p:cNvCxnSpPr>
+            <a:cxnSpLocks/>
+          </p:cNvCxnSpPr>
+          <p:nvPr/>
+        </p:nvCxnSpPr>
+        <p:spPr>
+          <a:xfrm flipV="1">
+            <a:off x="7908234" y="1333501"/>
+            <a:ext cx="2956" cy="2644773"/>
+          </a:xfrm>
+          <a:prstGeom prst="line">
+            <a:avLst/>
+          </a:prstGeom>
+        </p:spPr>
+        <p:style>
+          <a:lnRef idx="1">
+            <a:schemeClr val="accent1"/>
+          </a:lnRef>
+          <a:fillRef idx="0">
+            <a:schemeClr val="accent1"/>
+          </a:fillRef>
+          <a:effectRef idx="0">
+            <a:schemeClr val="accent1"/>
+          </a:effectRef>
+          <a:fontRef idx="minor">
+            <a:schemeClr val="tx1"/>
+          </a:fontRef>
+        </p:style>
+      </p:cxnSp>
+      <p:cxnSp>
+        <p:nvCxnSpPr>
+          <p:cNvPr id="64" name="Straight Connector 63">
+            <a:extLst>
+              <a:ext uri="{FF2B5EF4-FFF2-40B4-BE49-F238E27FC236}">
+                <a16:creationId xmlns:a16="http://schemas.microsoft.com/office/drawing/2014/main" id="{B3B96381-DB18-40DC-94A2-EDCAC2975F29}"/>
+              </a:ext>
+            </a:extLst>
+          </p:cNvPr>
+          <p:cNvCxnSpPr>
+            <a:cxnSpLocks/>
+          </p:cNvCxnSpPr>
+          <p:nvPr/>
+        </p:nvCxnSpPr>
+        <p:spPr>
+          <a:xfrm flipH="1">
+            <a:off x="4296354" y="1600200"/>
+            <a:ext cx="3611880" cy="0"/>
+          </a:xfrm>
+          <a:prstGeom prst="line">
+            <a:avLst/>
+          </a:prstGeom>
+        </p:spPr>
+        <p:style>
+          <a:lnRef idx="1">
+            <a:schemeClr val="accent1"/>
+          </a:lnRef>
+          <a:fillRef idx="0">
+            <a:schemeClr val="accent1"/>
+          </a:fillRef>
+          <a:effectRef idx="0">
+            <a:schemeClr val="accent1"/>
+          </a:effectRef>
+          <a:fontRef idx="minor">
+            <a:schemeClr val="tx1"/>
+          </a:fontRef>
+        </p:style>
+      </p:cxnSp>
+      <p:sp>
+        <p:nvSpPr>
+          <p:cNvPr id="67" name="TextBox 66">
+            <a:extLst>
+              <a:ext uri="{FF2B5EF4-FFF2-40B4-BE49-F238E27FC236}">
+                <a16:creationId xmlns:a16="http://schemas.microsoft.com/office/drawing/2014/main" id="{496906BD-902B-4A7C-96C5-C568849FBF27}"/>
+              </a:ext>
+            </a:extLst>
+          </p:cNvPr>
+          <p:cNvSpPr txBox="1"/>
+          <p:nvPr/>
+        </p:nvSpPr>
+        <p:spPr>
+          <a:xfrm>
+            <a:off x="8074914" y="3650976"/>
+            <a:ext cx="611886" cy="369332"/>
+          </a:xfrm>
+          <a:prstGeom prst="rect">
+            <a:avLst/>
+          </a:prstGeom>
+          <a:solidFill>
+            <a:schemeClr val="bg1"/>
+          </a:solidFill>
+        </p:spPr>
+        <p:txBody>
+          <a:bodyPr wrap="square" rtlCol="0">
+            <a:spAutoFit/>
+          </a:bodyPr>
+          <a:lstStyle/>
+          <a:p>
+            <a:pPr algn="ctr"/>
+            <a:r>
+              <a:rPr lang="en-US" dirty="0">
+                <a:solidFill>
+                  <a:schemeClr val="accent1"/>
+                </a:solidFill>
+              </a:rPr>
+              <a:t>5 ft</a:t>
+            </a:r>
+          </a:p>
+        </p:txBody>
+      </p:sp>
+      <p:sp>
+        <p:nvSpPr>
+          <p:cNvPr id="68" name="TextBox 67">
+            <a:extLst>
+              <a:ext uri="{FF2B5EF4-FFF2-40B4-BE49-F238E27FC236}">
+                <a16:creationId xmlns:a16="http://schemas.microsoft.com/office/drawing/2014/main" id="{213DD2BB-7D9D-4E4F-86DD-CF1EC3D5AAA5}"/>
+              </a:ext>
+            </a:extLst>
+          </p:cNvPr>
+          <p:cNvSpPr txBox="1"/>
+          <p:nvPr/>
+        </p:nvSpPr>
+        <p:spPr>
+          <a:xfrm>
+            <a:off x="8080512" y="2484783"/>
+            <a:ext cx="611886" cy="369332"/>
+          </a:xfrm>
+          <a:prstGeom prst="rect">
+            <a:avLst/>
+          </a:prstGeom>
+          <a:solidFill>
+            <a:schemeClr val="bg1"/>
+          </a:solidFill>
+        </p:spPr>
+        <p:txBody>
+          <a:bodyPr wrap="square" rtlCol="0">
+            <a:spAutoFit/>
+          </a:bodyPr>
+          <a:lstStyle/>
+          <a:p>
+            <a:pPr algn="ctr"/>
+            <a:r>
+              <a:rPr lang="en-US" dirty="0">
+                <a:solidFill>
+                  <a:schemeClr val="accent1"/>
+                </a:solidFill>
+              </a:rPr>
+              <a:t>5 ft</a:t>
+            </a:r>
+          </a:p>
+        </p:txBody>
+      </p:sp>
+      <p:sp>
+        <p:nvSpPr>
+          <p:cNvPr id="69" name="TextBox 68">
+            <a:extLst>
+              <a:ext uri="{FF2B5EF4-FFF2-40B4-BE49-F238E27FC236}">
+                <a16:creationId xmlns:a16="http://schemas.microsoft.com/office/drawing/2014/main" id="{88E9B50C-EA68-4021-84D2-BD1502A9F710}"/>
+              </a:ext>
+            </a:extLst>
+          </p:cNvPr>
+          <p:cNvSpPr txBox="1"/>
+          <p:nvPr/>
+        </p:nvSpPr>
+        <p:spPr>
+          <a:xfrm>
+            <a:off x="4572000" y="1408203"/>
+            <a:ext cx="611886" cy="369332"/>
+          </a:xfrm>
+          <a:prstGeom prst="rect">
+            <a:avLst/>
+          </a:prstGeom>
+          <a:solidFill>
+            <a:schemeClr val="bg1"/>
+          </a:solidFill>
+        </p:spPr>
+        <p:txBody>
+          <a:bodyPr wrap="square" rtlCol="0">
+            <a:spAutoFit/>
+          </a:bodyPr>
+          <a:lstStyle/>
+          <a:p>
+            <a:pPr algn="ctr"/>
+            <a:r>
+              <a:rPr lang="en-US" dirty="0">
+                <a:solidFill>
+                  <a:schemeClr val="accent1"/>
+                </a:solidFill>
+              </a:rPr>
+              <a:t>5 ft</a:t>
+            </a:r>
+          </a:p>
+        </p:txBody>
+      </p:sp>
+      <p:sp>
+        <p:nvSpPr>
+          <p:cNvPr id="72" name="TextBox 71">
+            <a:extLst>
+              <a:ext uri="{FF2B5EF4-FFF2-40B4-BE49-F238E27FC236}">
+                <a16:creationId xmlns:a16="http://schemas.microsoft.com/office/drawing/2014/main" id="{48CBAEAE-68A7-493E-8360-28D95153F8E1}"/>
+              </a:ext>
+            </a:extLst>
+          </p:cNvPr>
+          <p:cNvSpPr txBox="1"/>
+          <p:nvPr/>
+        </p:nvSpPr>
+        <p:spPr>
+          <a:xfrm>
+            <a:off x="5747651" y="1403232"/>
+            <a:ext cx="611886" cy="369332"/>
+          </a:xfrm>
+          <a:prstGeom prst="rect">
+            <a:avLst/>
+          </a:prstGeom>
+          <a:solidFill>
+            <a:schemeClr val="bg1"/>
+          </a:solidFill>
+        </p:spPr>
+        <p:txBody>
+          <a:bodyPr wrap="square" rtlCol="0">
+            <a:spAutoFit/>
+          </a:bodyPr>
+          <a:lstStyle/>
+          <a:p>
+            <a:pPr algn="ctr"/>
+            <a:r>
+              <a:rPr lang="en-US" dirty="0">
+                <a:solidFill>
+                  <a:schemeClr val="accent1"/>
+                </a:solidFill>
+              </a:rPr>
+              <a:t>5 ft</a:t>
+            </a:r>
+          </a:p>
+        </p:txBody>
+      </p:sp>
+      <p:sp>
+        <p:nvSpPr>
+          <p:cNvPr id="73" name="TextBox 72">
+            <a:extLst>
+              <a:ext uri="{FF2B5EF4-FFF2-40B4-BE49-F238E27FC236}">
+                <a16:creationId xmlns:a16="http://schemas.microsoft.com/office/drawing/2014/main" id="{9C5298F6-0BD5-46C4-A045-F34EA9081931}"/>
+              </a:ext>
+            </a:extLst>
+          </p:cNvPr>
+          <p:cNvSpPr txBox="1"/>
+          <p:nvPr/>
+        </p:nvSpPr>
+        <p:spPr>
+          <a:xfrm>
+            <a:off x="7045290" y="1427815"/>
+            <a:ext cx="611886" cy="369332"/>
+          </a:xfrm>
+          <a:prstGeom prst="rect">
+            <a:avLst/>
+          </a:prstGeom>
+          <a:solidFill>
+            <a:schemeClr val="bg1"/>
+          </a:solidFill>
+        </p:spPr>
+        <p:txBody>
+          <a:bodyPr wrap="square" rtlCol="0">
+            <a:spAutoFit/>
+          </a:bodyPr>
+          <a:lstStyle/>
+          <a:p>
+            <a:pPr algn="ctr"/>
+            <a:r>
+              <a:rPr lang="en-US" dirty="0">
+                <a:solidFill>
+                  <a:schemeClr val="accent1"/>
+                </a:solidFill>
+              </a:rPr>
+              <a:t>5 ft</a:t>
+            </a:r>
+          </a:p>
+        </p:txBody>
+      </p:sp>
+      <p:sp>
+        <p:nvSpPr>
+          <p:cNvPr id="74" name="TextBox 73">
+            <a:extLst>
+              <a:ext uri="{FF2B5EF4-FFF2-40B4-BE49-F238E27FC236}">
+                <a16:creationId xmlns:a16="http://schemas.microsoft.com/office/drawing/2014/main" id="{7FCEA495-BC6A-4117-8A2E-BC9DAA11692E}"/>
+              </a:ext>
+            </a:extLst>
+          </p:cNvPr>
+          <p:cNvSpPr txBox="1"/>
+          <p:nvPr/>
+        </p:nvSpPr>
+        <p:spPr>
+          <a:xfrm>
+            <a:off x="3760157" y="1775663"/>
+            <a:ext cx="317716" cy="369332"/>
+          </a:xfrm>
+          <a:prstGeom prst="rect">
+            <a:avLst/>
+          </a:prstGeom>
+          <a:noFill/>
+        </p:spPr>
+        <p:txBody>
+          <a:bodyPr wrap="none" rtlCol="0">
+            <a:spAutoFit/>
+          </a:bodyPr>
+          <a:lstStyle/>
+          <a:p>
+            <a:r>
+              <a:rPr lang="en-US" dirty="0"/>
+              <a:t>A</a:t>
+            </a:r>
+          </a:p>
+        </p:txBody>
+      </p:sp>
+      <p:sp>
+        <p:nvSpPr>
+          <p:cNvPr id="75" name="TextBox 74">
+            <a:extLst>
+              <a:ext uri="{FF2B5EF4-FFF2-40B4-BE49-F238E27FC236}">
+                <a16:creationId xmlns:a16="http://schemas.microsoft.com/office/drawing/2014/main" id="{511C1455-5D4C-4FAB-86E0-081CAD91770C}"/>
+              </a:ext>
+            </a:extLst>
+          </p:cNvPr>
+          <p:cNvSpPr txBox="1"/>
+          <p:nvPr/>
+        </p:nvSpPr>
+        <p:spPr>
+          <a:xfrm>
+            <a:off x="5537672" y="1710367"/>
+            <a:ext cx="309700" cy="369332"/>
+          </a:xfrm>
+          <a:prstGeom prst="rect">
+            <a:avLst/>
+          </a:prstGeom>
+          <a:noFill/>
+        </p:spPr>
+        <p:txBody>
+          <a:bodyPr wrap="none" rtlCol="0">
+            <a:spAutoFit/>
+          </a:bodyPr>
+          <a:lstStyle/>
+          <a:p>
+            <a:r>
+              <a:rPr lang="en-US" dirty="0"/>
+              <a:t>B</a:t>
+            </a:r>
+          </a:p>
+        </p:txBody>
+      </p:sp>
+      <p:sp>
+        <p:nvSpPr>
+          <p:cNvPr id="76" name="TextBox 75">
+            <a:extLst>
+              <a:ext uri="{FF2B5EF4-FFF2-40B4-BE49-F238E27FC236}">
+                <a16:creationId xmlns:a16="http://schemas.microsoft.com/office/drawing/2014/main" id="{0C1CDAF6-D7F4-4CA9-A665-04371E11B5B6}"/>
+              </a:ext>
+            </a:extLst>
+          </p:cNvPr>
+          <p:cNvSpPr txBox="1"/>
+          <p:nvPr/>
+        </p:nvSpPr>
+        <p:spPr>
+          <a:xfrm>
+            <a:off x="4943901" y="3244334"/>
+            <a:ext cx="308098" cy="369332"/>
+          </a:xfrm>
+          <a:prstGeom prst="rect">
+            <a:avLst/>
+          </a:prstGeom>
+          <a:noFill/>
+        </p:spPr>
+        <p:txBody>
+          <a:bodyPr wrap="none" rtlCol="0">
+            <a:spAutoFit/>
+          </a:bodyPr>
+          <a:lstStyle/>
+          <a:p>
+            <a:r>
+              <a:rPr lang="en-US" dirty="0"/>
+              <a:t>C</a:t>
+            </a:r>
+          </a:p>
+        </p:txBody>
+      </p:sp>
+      <p:sp>
+        <p:nvSpPr>
+          <p:cNvPr id="77" name="TextBox 76">
+            <a:extLst>
+              <a:ext uri="{FF2B5EF4-FFF2-40B4-BE49-F238E27FC236}">
+                <a16:creationId xmlns:a16="http://schemas.microsoft.com/office/drawing/2014/main" id="{927E3863-86FB-416C-A7A5-52D7F14FE523}"/>
+              </a:ext>
+            </a:extLst>
+          </p:cNvPr>
+          <p:cNvSpPr txBox="1"/>
+          <p:nvPr/>
+        </p:nvSpPr>
+        <p:spPr>
+          <a:xfrm>
+            <a:off x="6166603" y="4263888"/>
+            <a:ext cx="296876" cy="369332"/>
+          </a:xfrm>
+          <a:prstGeom prst="rect">
+            <a:avLst/>
+          </a:prstGeom>
+          <a:noFill/>
+        </p:spPr>
+        <p:txBody>
+          <a:bodyPr wrap="none" rtlCol="0">
+            <a:spAutoFit/>
+          </a:bodyPr>
+          <a:lstStyle/>
+          <a:p>
+            <a:r>
+              <a:rPr lang="en-US" dirty="0"/>
+              <a:t>E</a:t>
+            </a:r>
+          </a:p>
+        </p:txBody>
+      </p:sp>
+      <p:sp>
+        <p:nvSpPr>
+          <p:cNvPr id="78" name="TextBox 77">
+            <a:extLst>
+              <a:ext uri="{FF2B5EF4-FFF2-40B4-BE49-F238E27FC236}">
+                <a16:creationId xmlns:a16="http://schemas.microsoft.com/office/drawing/2014/main" id="{ADDD1B0E-5887-4AF5-84AB-46254F659C9B}"/>
+              </a:ext>
+            </a:extLst>
+          </p:cNvPr>
+          <p:cNvSpPr txBox="1"/>
+          <p:nvPr/>
+        </p:nvSpPr>
+        <p:spPr>
+          <a:xfrm>
+            <a:off x="7959588" y="4094655"/>
+            <a:ext cx="290464" cy="369332"/>
+          </a:xfrm>
+          <a:prstGeom prst="rect">
+            <a:avLst/>
+          </a:prstGeom>
+          <a:noFill/>
+        </p:spPr>
+        <p:txBody>
+          <a:bodyPr wrap="none" rtlCol="0">
+            <a:spAutoFit/>
+          </a:bodyPr>
+          <a:lstStyle/>
+          <a:p>
+            <a:r>
+              <a:rPr lang="en-US" dirty="0"/>
+              <a:t>F</a:t>
+            </a:r>
+          </a:p>
+        </p:txBody>
+      </p:sp>
+      <p:sp>
+        <p:nvSpPr>
+          <p:cNvPr id="63" name="Rounded Rectangle 3">
+            <a:extLst>
+              <a:ext uri="{FF2B5EF4-FFF2-40B4-BE49-F238E27FC236}">
+                <a16:creationId xmlns:a16="http://schemas.microsoft.com/office/drawing/2014/main" id="{2928B052-3BB3-4007-AC11-600A1F0F3121}"/>
+              </a:ext>
+            </a:extLst>
+          </p:cNvPr>
+          <p:cNvSpPr/>
+          <p:nvPr/>
+        </p:nvSpPr>
+        <p:spPr>
+          <a:xfrm rot="2634374">
+            <a:off x="6323743" y="3704276"/>
+            <a:ext cx="1847964" cy="228600"/>
+          </a:xfrm>
+          <a:prstGeom prst="roundRect">
+            <a:avLst>
+              <a:gd name="adj" fmla="val 50000"/>
+            </a:avLst>
+          </a:prstGeom>
+        </p:spPr>
+        <p:style>
+          <a:lnRef idx="1">
+            <a:schemeClr val="dk1"/>
+          </a:lnRef>
+          <a:fillRef idx="2">
+            <a:schemeClr val="dk1"/>
+          </a:fillRef>
+          <a:effectRef idx="1">
+            <a:schemeClr val="dk1"/>
+          </a:effectRef>
+          <a:fontRef idx="minor">
+            <a:schemeClr val="dk1"/>
+          </a:fontRef>
+        </p:style>
+        <p:txBody>
+          <a:bodyPr rtlCol="0" anchor="ctr"/>
+          <a:lstStyle/>
+          <a:p>
+            <a:pPr marL="0" marR="0" lvl="0" indent="0" algn="ctr" defTabSz="914400" rtl="0" eaLnBrk="1" fontAlgn="auto" latinLnBrk="0" hangingPunct="1">
+              <a:lnSpc>
+                <a:spcPct val="100000"/>
+              </a:lnSpc>
+              <a:spcBef>
+                <a:spcPts val="0"/>
+              </a:spcBef>
+              <a:spcAft>
+                <a:spcPts val="0"/>
+              </a:spcAft>
+              <a:buClrTx/>
+              <a:buSzTx/>
+              <a:buFontTx/>
+              <a:buNone/>
+              <a:tabLst/>
+              <a:defRPr/>
+            </a:pPr>
+            <a:endParaRPr kumimoji="0" lang="en-US" sz="1800" b="0" i="0" u="none" strike="noStrike" kern="1200" cap="none" spc="0" normalizeH="0" baseline="0" noProof="0">
+              <a:ln>
+                <a:noFill/>
+              </a:ln>
+              <a:solidFill>
+                <a:prstClr val="black"/>
+              </a:solidFill>
+              <a:effectLst/>
+              <a:uLnTx/>
+              <a:uFillTx/>
+              <a:latin typeface="Calibri"/>
+              <a:ea typeface="+mn-ea"/>
+              <a:cs typeface="+mn-cs"/>
+            </a:endParaRPr>
+          </a:p>
+        </p:txBody>
+      </p:sp>
+      <p:sp>
+        <p:nvSpPr>
+          <p:cNvPr id="40" name="Oval 39">
+            <a:extLst>
+              <a:ext uri="{FF2B5EF4-FFF2-40B4-BE49-F238E27FC236}">
+                <a16:creationId xmlns:a16="http://schemas.microsoft.com/office/drawing/2014/main" id="{6B24A90E-F5C7-4AF2-BE79-8D33F0FE830C}"/>
+              </a:ext>
+            </a:extLst>
+          </p:cNvPr>
+          <p:cNvSpPr/>
+          <p:nvPr/>
+        </p:nvSpPr>
+        <p:spPr>
+          <a:xfrm flipV="1">
+            <a:off x="6613746" y="3232785"/>
+            <a:ext cx="91440" cy="91440"/>
+          </a:xfrm>
+          <a:prstGeom prst="ellipse">
+            <a:avLst/>
+          </a:prstGeom>
+        </p:spPr>
+        <p:style>
+          <a:lnRef idx="2">
+            <a:schemeClr val="dk1">
+              <a:shade val="50000"/>
+            </a:schemeClr>
+          </a:lnRef>
+          <a:fillRef idx="1">
+            <a:schemeClr val="dk1"/>
+          </a:fillRef>
+          <a:effectRef idx="0">
+            <a:schemeClr val="dk1"/>
+          </a:effectRef>
+          <a:fontRef idx="minor">
+            <a:schemeClr val="lt1"/>
+          </a:fontRef>
+        </p:style>
+        <p:txBody>
+          <a:bodyPr rtlCol="0" anchor="ctr"/>
+          <a:lstStyle/>
+          <a:p>
+            <a:pPr marL="0" marR="0" lvl="0" indent="0" algn="ctr" defTabSz="914400" rtl="0" eaLnBrk="1" fontAlgn="auto" latinLnBrk="0" hangingPunct="1">
+              <a:lnSpc>
+                <a:spcPct val="100000"/>
+              </a:lnSpc>
+              <a:spcBef>
+                <a:spcPts val="0"/>
+              </a:spcBef>
+              <a:spcAft>
+                <a:spcPts val="0"/>
+              </a:spcAft>
+              <a:buClrTx/>
+              <a:buSzTx/>
+              <a:buFontTx/>
+              <a:buNone/>
+              <a:tabLst/>
+              <a:defRPr/>
+            </a:pPr>
+            <a:endParaRPr kumimoji="0" lang="en-US" sz="1800" b="0" i="0" u="none" strike="noStrike" kern="1200" cap="none" spc="0" normalizeH="0" baseline="0" noProof="0">
+              <a:ln>
+                <a:noFill/>
+              </a:ln>
+              <a:solidFill>
+                <a:prstClr val="white"/>
+              </a:solidFill>
+              <a:effectLst/>
+              <a:uLnTx/>
+              <a:uFillTx/>
+              <a:latin typeface="Calibri"/>
+              <a:ea typeface="+mn-ea"/>
+              <a:cs typeface="+mn-cs"/>
+            </a:endParaRPr>
+          </a:p>
+        </p:txBody>
+      </p:sp>
+      <p:sp>
+        <p:nvSpPr>
+          <p:cNvPr id="65" name="Oval 64">
+            <a:extLst>
+              <a:ext uri="{FF2B5EF4-FFF2-40B4-BE49-F238E27FC236}">
+                <a16:creationId xmlns:a16="http://schemas.microsoft.com/office/drawing/2014/main" id="{197E84D6-2B8A-422A-8282-5200EBB52C3B}"/>
+              </a:ext>
+            </a:extLst>
+          </p:cNvPr>
+          <p:cNvSpPr/>
+          <p:nvPr/>
+        </p:nvSpPr>
+        <p:spPr>
+          <a:xfrm flipV="1">
+            <a:off x="7775747" y="4337370"/>
+            <a:ext cx="91440" cy="91440"/>
+          </a:xfrm>
+          <a:prstGeom prst="ellipse">
+            <a:avLst/>
+          </a:prstGeom>
+        </p:spPr>
+        <p:style>
+          <a:lnRef idx="2">
+            <a:schemeClr val="dk1">
+              <a:shade val="50000"/>
+            </a:schemeClr>
+          </a:lnRef>
+          <a:fillRef idx="1">
+            <a:schemeClr val="dk1"/>
+          </a:fillRef>
+          <a:effectRef idx="0">
+            <a:schemeClr val="dk1"/>
+          </a:effectRef>
+          <a:fontRef idx="minor">
+            <a:schemeClr val="lt1"/>
+          </a:fontRef>
+        </p:style>
+        <p:txBody>
+          <a:bodyPr rtlCol="0" anchor="ctr"/>
+          <a:lstStyle/>
+          <a:p>
+            <a:pPr marL="0" marR="0" lvl="0" indent="0" algn="ctr" defTabSz="914400" rtl="0" eaLnBrk="1" fontAlgn="auto" latinLnBrk="0" hangingPunct="1">
+              <a:lnSpc>
+                <a:spcPct val="100000"/>
+              </a:lnSpc>
+              <a:spcBef>
+                <a:spcPts val="0"/>
+              </a:spcBef>
+              <a:spcAft>
+                <a:spcPts val="0"/>
+              </a:spcAft>
+              <a:buClrTx/>
+              <a:buSzTx/>
+              <a:buFontTx/>
+              <a:buNone/>
+              <a:tabLst/>
+              <a:defRPr/>
+            </a:pPr>
+            <a:endParaRPr kumimoji="0" lang="en-US" sz="1800" b="0" i="0" u="none" strike="noStrike" kern="1200" cap="none" spc="0" normalizeH="0" baseline="0" noProof="0">
+              <a:ln>
+                <a:noFill/>
+              </a:ln>
+              <a:solidFill>
+                <a:prstClr val="white"/>
+              </a:solidFill>
+              <a:effectLst/>
+              <a:uLnTx/>
+              <a:uFillTx/>
+              <a:latin typeface="Calibri"/>
+              <a:ea typeface="+mn-ea"/>
+              <a:cs typeface="+mn-cs"/>
+            </a:endParaRPr>
+          </a:p>
+        </p:txBody>
+      </p:sp>
+      <p:sp>
+        <p:nvSpPr>
+          <p:cNvPr id="70" name="TextBox 69">
+            <a:extLst>
+              <a:ext uri="{FF2B5EF4-FFF2-40B4-BE49-F238E27FC236}">
+                <a16:creationId xmlns:a16="http://schemas.microsoft.com/office/drawing/2014/main" id="{3177860F-016B-4A21-ADBA-41F3D696A17B}"/>
+              </a:ext>
+            </a:extLst>
+          </p:cNvPr>
+          <p:cNvSpPr txBox="1"/>
+          <p:nvPr/>
+        </p:nvSpPr>
+        <p:spPr>
+          <a:xfrm>
+            <a:off x="6717956" y="2854115"/>
+            <a:ext cx="327334" cy="369332"/>
+          </a:xfrm>
+          <a:prstGeom prst="rect">
+            <a:avLst/>
+          </a:prstGeom>
+          <a:noFill/>
+        </p:spPr>
+        <p:txBody>
+          <a:bodyPr wrap="none" rtlCol="0">
+            <a:spAutoFit/>
+          </a:bodyPr>
+          <a:lstStyle/>
+          <a:p>
+            <a:r>
+              <a:rPr lang="en-US" dirty="0"/>
+              <a:t>D</a:t>
+            </a:r>
+          </a:p>
+        </p:txBody>
+      </p:sp>
+      <p:sp>
+        <p:nvSpPr>
+          <p:cNvPr id="71" name="TextBox 70">
+            <a:extLst>
+              <a:ext uri="{FF2B5EF4-FFF2-40B4-BE49-F238E27FC236}">
+                <a16:creationId xmlns:a16="http://schemas.microsoft.com/office/drawing/2014/main" id="{CF21E5AB-AA26-4FCA-8D8C-CC180CBDE2C4}"/>
+              </a:ext>
+            </a:extLst>
+          </p:cNvPr>
+          <p:cNvSpPr txBox="1"/>
+          <p:nvPr/>
+        </p:nvSpPr>
+        <p:spPr>
+          <a:xfrm>
+            <a:off x="6129913" y="5305521"/>
+            <a:ext cx="330540" cy="369332"/>
+          </a:xfrm>
+          <a:prstGeom prst="rect">
+            <a:avLst/>
+          </a:prstGeom>
+          <a:noFill/>
+        </p:spPr>
+        <p:txBody>
+          <a:bodyPr wrap="none" rtlCol="0">
+            <a:spAutoFit/>
+          </a:bodyPr>
+          <a:lstStyle/>
+          <a:p>
+            <a:r>
+              <a:rPr lang="en-US" dirty="0"/>
+              <a:t>G</a:t>
+            </a:r>
+          </a:p>
+        </p:txBody>
+      </p:sp>
+      <p:sp>
+        <p:nvSpPr>
+          <p:cNvPr id="79" name="TextBox 78">
+            <a:extLst>
+              <a:ext uri="{FF2B5EF4-FFF2-40B4-BE49-F238E27FC236}">
+                <a16:creationId xmlns:a16="http://schemas.microsoft.com/office/drawing/2014/main" id="{AE021A16-6832-4A1E-9A12-743E51DFA644}"/>
+              </a:ext>
+            </a:extLst>
+          </p:cNvPr>
+          <p:cNvSpPr txBox="1"/>
+          <p:nvPr/>
+        </p:nvSpPr>
+        <p:spPr>
+          <a:xfrm>
+            <a:off x="7958101" y="5218924"/>
+            <a:ext cx="328936" cy="369332"/>
+          </a:xfrm>
+          <a:prstGeom prst="rect">
+            <a:avLst/>
+          </a:prstGeom>
+          <a:noFill/>
+        </p:spPr>
+        <p:txBody>
+          <a:bodyPr wrap="none" rtlCol="0">
+            <a:spAutoFit/>
+          </a:bodyPr>
+          <a:lstStyle/>
+          <a:p>
+            <a:r>
+              <a:rPr lang="en-US" dirty="0"/>
+              <a:t>H</a:t>
+            </a:r>
+          </a:p>
+        </p:txBody>
+      </p:sp>
+    </p:spTree>
+    <p:extLst>
+      <p:ext uri="{BB962C8B-B14F-4D97-AF65-F5344CB8AC3E}">
+        <p14:creationId xmlns:p14="http://schemas.microsoft.com/office/powerpoint/2010/main" val="263587585"/>
+      </p:ext>
+    </p:extLst>
+  </p:cSld>
+  <p:clrMapOvr>
+    <a:masterClrMapping/>
+  </p:clrMapOvr>
 </p:sld>
 </file>
 
